--- a/apresentacoes/foco-produtividade/aula-02-definindo-hiperfoco.pptx
+++ b/apresentacoes/foco-produtividade/aula-02-definindo-hiperfoco.pptx
@@ -13,9 +13,11 @@
     <p:sldId id="261" r:id="rId7"/>
     <p:sldId id="262" r:id="rId8"/>
     <p:sldId id="263" r:id="rId9"/>
+    <p:sldId id="264" r:id="rId10"/>
+    <p:sldId id="265" r:id="rId11"/>
   </p:sldIdLst>
   <p:notesMasterIdLst>
-    <p:notesMasterId r:id="rId10"/>
+    <p:notesMasterId r:id="rId12"/>
   </p:notesMasterIdLst>
   <p:sldSz cx="9144000" cy="5143500"/>
   <p:notesSz cx="5143500" cy="9144000"/>
@@ -509,7 +511,10 @@
           <a:p>
             <a:r>
               <a:rPr lang="en-US" dirty="0"/>
-              <a:t/>
+              <a:t>Bem-vindo de volta! Na aula anterior, falamos sobre o propósito e o caminho que vamos percorrer juntos. Hoje, vamos entrar no coração deste curso: vamos definir exatamente o que são Hiperfoco e Hiperprodutividade.
+Mas antes, deixa eu te fazer uma pergunta: você sabe a diferença entre estar ocupado e ser produtivo?
+Muita gente confunde os dois. Passa o dia inteiro "estudando", mas no final percebe que não absorveu quase nada. Fica cansado, frustrado, e começa a achar que o problema é com ele. Mas não é. O problema é o método.
+Hoje você vai entender por que isso acontece e, mais importante, como resolver.</a:t>
             </a:r>
             <a:endParaRPr lang="en-US" dirty="0"/>
           </a:p>
@@ -533,6 +538,100 @@
             <a:fld id="{F7021451-1387-4CA6-816F-3879F97B5CBC}" type="slidenum">
               <a:rPr lang="en-US"/>
               <a:t>1</a:t>
+            </a:fld>
+            <a:endParaRPr lang="en-US"/>
+          </a:p>
+        </p:txBody>
+      </p:sp>
+    </p:spTree>
+    <p:extLst>
+      <p:ext uri="{BB962C8B-B14F-4D97-AF65-F5344CB8AC3E}">
+        <p14:creationId xmlns:p14="http://schemas.microsoft.com/office/powerpoint/2010/main" val="1024086991"/>
+      </p:ext>
+    </p:extLst>
+  </p:cSld>
+  <p:clrMapOvr>
+    <a:masterClrMapping/>
+  </p:clrMapOvr>
+</p:notes>
+</file>
+
+<file path=ppt/notesSlides/notesSlide10.xml><?xml version="1.0" encoding="utf-8"?>
+<p:notes xmlns:a="http://schemas.openxmlformats.org/drawingml/2006/main" xmlns:r="http://schemas.openxmlformats.org/officeDocument/2006/relationships" xmlns:p="http://schemas.openxmlformats.org/presentationml/2006/main">
+  <p:cSld>
+    <p:spTree>
+      <p:nvGrpSpPr>
+        <p:cNvPr id="1" name=""/>
+        <p:cNvGrpSpPr/>
+        <p:nvPr/>
+      </p:nvGrpSpPr>
+      <p:grpSpPr>
+        <a:xfrm>
+          <a:off x="0" y="0"/>
+          <a:ext cx="0" cy="0"/>
+          <a:chOff x="0" y="0"/>
+          <a:chExt cx="0" cy="0"/>
+        </a:xfrm>
+      </p:grpSpPr>
+      <p:sp>
+        <p:nvSpPr>
+          <p:cNvPr id="2" name="Slide Image Placeholder 1"/>
+          <p:cNvSpPr>
+            <a:spLocks noGrp="1" noRot="1" noChangeAspect="1"/>
+          </p:cNvSpPr>
+          <p:nvPr>
+            <p:ph type="sldImg"/>
+          </p:nvPr>
+        </p:nvSpPr>
+        <p:spPr/>
+      </p:sp>
+      <p:sp>
+        <p:nvSpPr>
+          <p:cNvPr id="3" name="Notes Placeholder 2"/>
+          <p:cNvSpPr>
+            <a:spLocks noGrp="1"/>
+          </p:cNvSpPr>
+          <p:nvPr>
+            <p:ph type="body" idx="1"/>
+          </p:nvPr>
+        </p:nvSpPr>
+        <p:spPr/>
+        <p:txBody>
+          <a:bodyPr/>
+          <a:lstStyle/>
+          <a:p>
+            <a:r>
+              <a:rPr lang="en-US" dirty="0"/>
+              <a:t>Vamos recapitular:
+- Hiperfoco é um estado de concentração profunda onde você processa informação de forma muito mais eficiente
+- Hiperprodutividade é maximizar resultados através da combinação de tempo, intensidade e estratégia
+- Seu cérebro tem dois modos: focado e difuso, e ambos são importantes
+- Os benefícios incluem mais retenção, menos tempo gasto e menos estresse
+Na Aula 3, vamos explorar as Quatro Premissas Fundamentais que você precisa aceitar para dominar o hiperfoco. São verdades sobre como nosso cérebro funciona que, uma vez entendidas, vão mudar sua abordagem completamente.
+Mas agora, é hora da atividade prática!</a:t>
+            </a:r>
+            <a:endParaRPr lang="en-US" dirty="0"/>
+          </a:p>
+        </p:txBody>
+      </p:sp>
+      <p:sp>
+        <p:nvSpPr>
+          <p:cNvPr id="4" name="Slide Number Placeholder 3"/>
+          <p:cNvSpPr>
+            <a:spLocks noGrp="1"/>
+          </p:cNvSpPr>
+          <p:nvPr>
+            <p:ph type="sldNum" sz="quarter" idx="10"/>
+          </p:nvPr>
+        </p:nvSpPr>
+        <p:spPr/>
+        <p:txBody>
+          <a:bodyPr/>
+          <a:lstStyle/>
+          <a:p>
+            <a:fld id="{F7021451-1387-4CA6-816F-3879F97B5CBC}" type="slidenum">
+              <a:rPr lang="en-US"/>
+              <a:t>10</a:t>
             </a:fld>
             <a:endParaRPr lang="en-US"/>
           </a:p>
@@ -597,7 +696,7 @@
           <a:p>
             <a:r>
               <a:rPr lang="en-US" dirty="0"/>
-              <a:t/>
+              <a:t>Nesta aula, você vai aprender os conceitos principais apresentados nos objetivos. Bem-vindo de volta! Na aula anterior, falamos sobre o propósito e o caminho que vamos percorrer juntos. Hoje, vamos entrar no coração deste curso: vamos definir exatamente o que são Hiperfoco e</a:t>
             </a:r>
             <a:endParaRPr lang="en-US" dirty="0"/>
           </a:p>
@@ -685,7 +784,13 @@
           <a:p>
             <a:r>
               <a:rPr lang="en-US" dirty="0"/>
-              <a:t/>
+              <a:t>O que é Hiperfoco
+Vamos começar pelo Hiperfoco. Esse termo foi popularizado por Chris Bailey, mas o fenômeno é estudado há décadas pela neurociência.
+Hiperfoco é um estado de concentração tão profunda que você perde a noção do tempo. É quando você está tão imerso em uma tarefa que o mundo ao redor simplesmente desaparece. Sabe quando você está lendo algo muito interessante e de repente percebe que se passaram duas horas? Isso é hiperfoco.
+Do ponto de vista neurológico, o que acontece é fascinante. Quando entramos em hiperfoco, nosso córtex pré-frontal - a parte do cérebro responsável pelo foco e planejamento - assume o controle total. Ao mesmo tempo, a amígdala - responsável por detectar ameaças e distrações - fica "silenciada".
+O resultado? Um estado de atenção profunda onde conseguimos processar informações de forma muito mais eficiente.
+Agora, é importante distinguir isso da atenção superficial. Atenção superficial é quando você está "meio que" prestando atenção. Seu corpo está na frente do livro, mas sua mente está pensando no que vai jantar, ou naquela mensagem que chegou no celular. Nesse estado, a retenção é mínima.
+O hiperfoco é o oposto. É atenção total, sem divisão. E a boa notícia? Qualquer pessoa pode aprender a entrar nesse estado por escolha, não por acaso.</a:t>
             </a:r>
             <a:endParaRPr lang="en-US" dirty="0"/>
           </a:p>
@@ -773,7 +878,17 @@
           <a:p>
             <a:r>
               <a:rPr lang="en-US" dirty="0"/>
-              <a:t/>
+              <a:t>O que é Hiperprodutividade
+Agora vamos ao segundo conceito: Hiperprodutividade.
+Muita gente acha que produtividade é fazer muitas coisas. Não é. Produtividade é fazer as coisas certas, da forma certa, no tempo certo.
+A Hiperprodutividade vai além. É quando você consegue extrair o máximo resultado do mínimo de tempo investido. É estudar por 2 horas e absorver o que antes levaria 6 horas. É fazer uma revisão de 30 minutos que vale mais que 3 horas de releitura desatenta.
+Eu gosto de pensar na equação da hiperprodutividade:
+Resultado = Tempo × Intensidade × Estratégia
+- Tempo é quantas horas você dedica
+- Intensidade é seu nível de foco (aqui entra o hiperfoco)
+- Estratégia são as técnicas que você usa
+Se qualquer um desses fatores for baixo, o resultado será baixo. Mas quando você combina tempo adequado com alta intensidade e estratégias eficazes... aí a mágica acontece.
+E perceba: não é só sobre estudar mais. É sobre estudar melhor. Qualidade vence quantidade.</a:t>
             </a:r>
             <a:endParaRPr lang="en-US" dirty="0"/>
           </a:p>
@@ -861,7 +976,13 @@
           <a:p>
             <a:r>
               <a:rPr lang="en-US" dirty="0"/>
-              <a:t/>
+              <a:t>Os dois modos do cérebro
+Aqui está algo que vai mudar sua forma de ver os estudos: seu cérebro tem dois modos de operação.
+O primeiro é o modo focado. É o hiperfoco que acabamos de discutir. Atenção direcionada, concentração intensa, processamento profundo.
+O segundo é o modo difuso. É quando sua mente está relaxada, vagando, fazendo conexões aparentemente aleatórias. É o modo que você entra quando está tomando banho e de repente tem uma ideia brilhante.
+E aqui está a sacada: os dois modos são essenciais para o aprendizado.
+O modo focado é onde você absorve informação nova. O modo difuso é onde seu cérebro consolida essa informação, faz conexões com o que você já sabe, e transforma conhecimento em compreensão.
+No Módulo 1, vamos dominar o modo focado - o hiperfoco. No Módulo 2, vamos explorar o modo difuso e aprender a alternar entre os dois de forma estratégica.</a:t>
             </a:r>
             <a:endParaRPr lang="en-US" dirty="0"/>
           </a:p>
@@ -949,7 +1070,11 @@
           <a:p>
             <a:r>
               <a:rPr lang="en-US" dirty="0"/>
-              <a:t/>
+              <a:t>Os benefícios do hiperfoco nos estudos
+Para fechar o conteúdo de hoje, vamos falar dos benefícios concretos de dominar o hiperfoco:
+Primeiro: retenção aumentada. Quando você estuda em hiperfoco, a informação é processada mais profundamente. Ela não fica só na memória de curto prazo - ela é transferida para a memória de longo prazo. Você lembra mais, por mais tempo.
+Segundo: menos tempo, mais resultado. Uma hora de estudo em hiperfoco vale mais que três horas de estudo distraído. Você vai conseguir cobrir mais conteúdo em menos tempo, ou ter mais tempo livre mantendo os mesmos resultados.
+Terceiro: redução do estresse e ansiedade. Sabe aquela sensação de "tenho tanta coisa pra estudar e não consigo dar conta"? Ela diminui drasticamente quando você estuda com eficiência. Você passa a confiar no seu método, e isso traz paz mental.</a:t>
             </a:r>
             <a:endParaRPr lang="en-US" dirty="0"/>
           </a:p>
@@ -1037,7 +1162,7 @@
           <a:p>
             <a:r>
               <a:rPr lang="en-US" dirty="0"/>
-              <a:t/>
+              <a:t>Resumo dos pontos principais da aula. Hiperfoco = estado de concentração profunda e intencional. Hiperprodutividade = Tempo × Intensidade × Estratégia. O cérebro opera em modo focado e modo difuso. Dominar o hiperfoco traz retenção, eficiência e bem-estar</a:t>
             </a:r>
             <a:endParaRPr lang="en-US" dirty="0"/>
           </a:p>
@@ -1125,7 +1250,7 @@
           <a:p>
             <a:r>
               <a:rPr lang="en-US" dirty="0"/>
-              <a:t/>
+              <a:t>Este infográfico resume visualmente os principais conceitos da aula. Use-o para reforçar o aprendizado. Hiperfoco = estado de concentração profunda e intencional. Hiperprodutividade = Tempo × Intensidade × Estratégia. O cérebro opera em modo focado e modo difuso. Dominar o hiperfoco traz retenção, eficiência e bem-estar</a:t>
             </a:r>
             <a:endParaRPr lang="en-US" dirty="0"/>
           </a:p>
@@ -1149,6 +1274,94 @@
             <a:fld id="{F7021451-1387-4CA6-816F-3879F97B5CBC}" type="slidenum">
               <a:rPr lang="en-US"/>
               <a:t>8</a:t>
+            </a:fld>
+            <a:endParaRPr lang="en-US"/>
+          </a:p>
+        </p:txBody>
+      </p:sp>
+    </p:spTree>
+    <p:extLst>
+      <p:ext uri="{BB962C8B-B14F-4D97-AF65-F5344CB8AC3E}">
+        <p14:creationId xmlns:p14="http://schemas.microsoft.com/office/powerpoint/2010/main" val="1024086991"/>
+      </p:ext>
+    </p:extLst>
+  </p:cSld>
+  <p:clrMapOvr>
+    <a:masterClrMapping/>
+  </p:clrMapOvr>
+</p:notes>
+</file>
+
+<file path=ppt/notesSlides/notesSlide9.xml><?xml version="1.0" encoding="utf-8"?>
+<p:notes xmlns:a="http://schemas.openxmlformats.org/drawingml/2006/main" xmlns:r="http://schemas.openxmlformats.org/officeDocument/2006/relationships" xmlns:p="http://schemas.openxmlformats.org/presentationml/2006/main">
+  <p:cSld>
+    <p:spTree>
+      <p:nvGrpSpPr>
+        <p:cNvPr id="1" name=""/>
+        <p:cNvGrpSpPr/>
+        <p:nvPr/>
+      </p:nvGrpSpPr>
+      <p:grpSpPr>
+        <a:xfrm>
+          <a:off x="0" y="0"/>
+          <a:ext cx="0" cy="0"/>
+          <a:chOff x="0" y="0"/>
+          <a:chExt cx="0" cy="0"/>
+        </a:xfrm>
+      </p:grpSpPr>
+      <p:sp>
+        <p:nvSpPr>
+          <p:cNvPr id="2" name="Slide Image Placeholder 1"/>
+          <p:cNvSpPr>
+            <a:spLocks noGrp="1" noRot="1" noChangeAspect="1"/>
+          </p:cNvSpPr>
+          <p:nvPr>
+            <p:ph type="sldImg"/>
+          </p:nvPr>
+        </p:nvSpPr>
+        <p:spPr/>
+      </p:sp>
+      <p:sp>
+        <p:nvSpPr>
+          <p:cNvPr id="3" name="Notes Placeholder 2"/>
+          <p:cNvSpPr>
+            <a:spLocks noGrp="1"/>
+          </p:cNvSpPr>
+          <p:nvPr>
+            <p:ph type="body" idx="1"/>
+          </p:nvPr>
+        </p:nvSpPr>
+        <p:spPr/>
+        <p:txBody>
+          <a:bodyPr/>
+          <a:lstStyle/>
+          <a:p>
+            <a:r>
+              <a:rPr lang="en-US" dirty="0"/>
+              <a:t>Agora é hora da prática!  Complete esta atividade antes de prosseguir!</a:t>
+            </a:r>
+            <a:endParaRPr lang="en-US" dirty="0"/>
+          </a:p>
+        </p:txBody>
+      </p:sp>
+      <p:sp>
+        <p:nvSpPr>
+          <p:cNvPr id="4" name="Slide Number Placeholder 3"/>
+          <p:cNvSpPr>
+            <a:spLocks noGrp="1"/>
+          </p:cNvSpPr>
+          <p:nvPr>
+            <p:ph type="sldNum" sz="quarter" idx="10"/>
+          </p:nvPr>
+        </p:nvSpPr>
+        <p:spPr/>
+        <p:txBody>
+          <a:bodyPr/>
+          <a:lstStyle/>
+          <a:p>
+            <a:fld id="{F7021451-1387-4CA6-816F-3879F97B5CBC}" type="slidenum">
+              <a:rPr lang="en-US"/>
+              <a:t>9</a:t>
             </a:fld>
             <a:endParaRPr lang="en-US"/>
           </a:p>
@@ -1498,9 +1711,437 @@
           <a:chExt cx="0" cy="0"/>
         </a:xfrm>
       </p:grpSpPr>
+      <p:sp>
+        <p:nvSpPr>
+          <p:cNvPr id="2" name="Shape 0"/>
+          <p:cNvSpPr/>
+          <p:nvPr/>
+        </p:nvSpPr>
+        <p:spPr>
+          <a:xfrm>
+            <a:off x="0" y="0"/>
+            <a:ext cx="9144000" cy="914400"/>
+          </a:xfrm>
+          <a:prstGeom prst="rect">
+            <a:avLst/>
+          </a:prstGeom>
+          <a:solidFill>
+            <a:srgbClr val="0F172A"/>
+          </a:solidFill>
+          <a:ln/>
+        </p:spPr>
+      </p:sp>
+      <p:sp>
+        <p:nvSpPr>
+          <p:cNvPr id="3" name="Text 1"/>
+          <p:cNvSpPr/>
+          <p:nvPr/>
+        </p:nvSpPr>
+        <p:spPr>
+          <a:xfrm>
+            <a:off x="457200" y="320040"/>
+            <a:ext cx="8229600" cy="365760"/>
+          </a:xfrm>
+          <a:prstGeom prst="rect">
+            <a:avLst/>
+          </a:prstGeom>
+          <a:noFill/>
+          <a:ln/>
+        </p:spPr>
+        <p:txBody>
+          <a:bodyPr wrap="square" rtlCol="0" anchor="ctr"/>
+          <a:lstStyle/>
+          <a:p>
+            <a:pPr indent="0" marL="0">
+              <a:buNone/>
+            </a:pPr>
+            <a:r>
+              <a:rPr lang="en-US" sz="1400" b="1" dirty="0">
+                <a:solidFill>
+                  <a:srgbClr val="22C55E"/>
+                </a:solidFill>
+                <a:latin typeface="Arial" pitchFamily="34" charset="0"/>
+                <a:ea typeface="Arial" pitchFamily="34" charset="-122"/>
+                <a:cs typeface="Arial" pitchFamily="34" charset="-120"/>
+              </a:rPr>
+              <a:t>1 - Hiperfoco e Hiperprodutividade | Bloco: Fundamentos</a:t>
+            </a:r>
+            <a:endParaRPr lang="en-US" sz="1400" dirty="0"/>
+          </a:p>
+        </p:txBody>
+      </p:sp>
+      <p:sp>
+        <p:nvSpPr>
+          <p:cNvPr id="4" name="Shape 2"/>
+          <p:cNvSpPr/>
+          <p:nvPr/>
+        </p:nvSpPr>
+        <p:spPr>
+          <a:xfrm>
+            <a:off x="274320" y="1371600"/>
+            <a:ext cx="73152" cy="2286000"/>
+          </a:xfrm>
+          <a:prstGeom prst="rect">
+            <a:avLst/>
+          </a:prstGeom>
+          <a:solidFill>
+            <a:srgbClr val="667EEA"/>
+          </a:solidFill>
+          <a:ln/>
+        </p:spPr>
+      </p:sp>
+      <p:sp>
+        <p:nvSpPr>
+          <p:cNvPr id="5" name="Shape 3"/>
+          <p:cNvSpPr/>
+          <p:nvPr/>
+        </p:nvSpPr>
+        <p:spPr>
+          <a:xfrm>
+            <a:off x="548640" y="1463040"/>
+            <a:ext cx="1097280" cy="1097280"/>
+          </a:xfrm>
+          <a:prstGeom prst="ellipse">
+            <a:avLst/>
+          </a:prstGeom>
+          <a:solidFill>
+            <a:srgbClr val="667EEA"/>
+          </a:solidFill>
+          <a:ln/>
+        </p:spPr>
+      </p:sp>
+      <p:sp>
+        <p:nvSpPr>
+          <p:cNvPr id="6" name="Text 4"/>
+          <p:cNvSpPr/>
+          <p:nvPr/>
+        </p:nvSpPr>
+        <p:spPr>
+          <a:xfrm>
+            <a:off x="548640" y="1691640"/>
+            <a:ext cx="1097280" cy="640080"/>
+          </a:xfrm>
+          <a:prstGeom prst="rect">
+            <a:avLst/>
+          </a:prstGeom>
+          <a:noFill/>
+          <a:ln/>
+        </p:spPr>
+        <p:txBody>
+          <a:bodyPr wrap="square" rtlCol="0" anchor="ctr"/>
+          <a:lstStyle/>
+          <a:p>
+            <a:pPr algn="ctr" indent="0" marL="0">
+              <a:buNone/>
+            </a:pPr>
+            <a:r>
+              <a:rPr lang="en-US" sz="3200" b="1" dirty="0">
+                <a:solidFill>
+                  <a:srgbClr val="FFFFFF"/>
+                </a:solidFill>
+                <a:latin typeface="Arial" pitchFamily="34" charset="0"/>
+                <a:ea typeface="Arial" pitchFamily="34" charset="-122"/>
+                <a:cs typeface="Arial" pitchFamily="34" charset="-120"/>
+              </a:rPr>
+              <a:t>02</a:t>
+            </a:r>
+            <a:endParaRPr lang="en-US" sz="3200" dirty="0"/>
+          </a:p>
+        </p:txBody>
+      </p:sp>
+      <p:sp>
+        <p:nvSpPr>
+          <p:cNvPr id="7" name="Text 5"/>
+          <p:cNvSpPr/>
+          <p:nvPr/>
+        </p:nvSpPr>
+        <p:spPr>
+          <a:xfrm>
+            <a:off x="1828800" y="1463040"/>
+            <a:ext cx="6858000" cy="914400"/>
+          </a:xfrm>
+          <a:prstGeom prst="rect">
+            <a:avLst/>
+          </a:prstGeom>
+          <a:noFill/>
+          <a:ln/>
+        </p:spPr>
+        <p:txBody>
+          <a:bodyPr wrap="square" rtlCol="0" anchor="ctr"/>
+          <a:lstStyle/>
+          <a:p>
+            <a:pPr indent="0" marL="0">
+              <a:buNone/>
+            </a:pPr>
+            <a:r>
+              <a:rPr lang="en-US" sz="2800" b="1" dirty="0">
+                <a:solidFill>
+                  <a:srgbClr val="FFFFFF"/>
+                </a:solidFill>
+                <a:latin typeface="Arial" pitchFamily="34" charset="0"/>
+                <a:ea typeface="Arial" pitchFamily="34" charset="-122"/>
+                <a:cs typeface="Arial" pitchFamily="34" charset="-120"/>
+              </a:rPr>
+              <a:t>Definindo Hiperfoco e Hiperprodutividade</a:t>
+            </a:r>
+            <a:endParaRPr lang="en-US" sz="2800" dirty="0"/>
+          </a:p>
+        </p:txBody>
+      </p:sp>
+      <p:sp>
+        <p:nvSpPr>
+          <p:cNvPr id="8" name="Text 6"/>
+          <p:cNvSpPr/>
+          <p:nvPr/>
+        </p:nvSpPr>
+        <p:spPr>
+          <a:xfrm>
+            <a:off x="1828800" y="2377440"/>
+            <a:ext cx="6858000" cy="457200"/>
+          </a:xfrm>
+          <a:prstGeom prst="rect">
+            <a:avLst/>
+          </a:prstGeom>
+          <a:noFill/>
+          <a:ln/>
+        </p:spPr>
+        <p:txBody>
+          <a:bodyPr wrap="square" rtlCol="0" anchor="ctr"/>
+          <a:lstStyle/>
+          <a:p>
+            <a:pPr indent="0" marL="0">
+              <a:buNone/>
+            </a:pPr>
+            <a:r>
+              <a:rPr lang="en-US" sz="1600" dirty="0">
+                <a:solidFill>
+                  <a:srgbClr val="667EEA"/>
+                </a:solidFill>
+                <a:latin typeface="Arial" pitchFamily="34" charset="0"/>
+                <a:ea typeface="Arial" pitchFamily="34" charset="-122"/>
+                <a:cs typeface="Arial" pitchFamily="34" charset="-120"/>
+              </a:rPr>
+              <a:t>Foco e Produtividade nos Estudos</a:t>
+            </a:r>
+            <a:endParaRPr lang="en-US" sz="1600" dirty="0"/>
+          </a:p>
+        </p:txBody>
+      </p:sp>
+      <p:sp>
+        <p:nvSpPr>
+          <p:cNvPr id="9" name="Shape 7"/>
+          <p:cNvSpPr/>
+          <p:nvPr/>
+        </p:nvSpPr>
+        <p:spPr>
+          <a:xfrm>
+            <a:off x="1828800" y="3017520"/>
+            <a:ext cx="2743200" cy="54864"/>
+          </a:xfrm>
+          <a:prstGeom prst="rect">
+            <a:avLst/>
+          </a:prstGeom>
+          <a:solidFill>
+            <a:srgbClr val="22C55E"/>
+          </a:solidFill>
+          <a:ln/>
+        </p:spPr>
+      </p:sp>
+      <p:sp>
+        <p:nvSpPr>
+          <p:cNvPr id="10" name="Shape 8"/>
+          <p:cNvSpPr/>
+          <p:nvPr/>
+        </p:nvSpPr>
+        <p:spPr>
+          <a:xfrm>
+            <a:off x="457200" y="3474720"/>
+            <a:ext cx="2560320" cy="731520"/>
+          </a:xfrm>
+          <a:prstGeom prst="roundRect">
+            <a:avLst/>
+          </a:prstGeom>
+          <a:solidFill>
+            <a:srgbClr val="2A2A4A"/>
+          </a:solidFill>
+          <a:ln w="12700">
+            <a:solidFill>
+              <a:srgbClr val="667EEA"/>
+            </a:solidFill>
+            <a:prstDash val="solid"/>
+          </a:ln>
+        </p:spPr>
+      </p:sp>
+      <p:sp>
+        <p:nvSpPr>
+          <p:cNvPr id="11" name="Text 9"/>
+          <p:cNvSpPr/>
+          <p:nvPr/>
+        </p:nvSpPr>
+        <p:spPr>
+          <a:xfrm>
+            <a:off x="457200" y="3611880"/>
+            <a:ext cx="2560320" cy="457200"/>
+          </a:xfrm>
+          <a:prstGeom prst="rect">
+            <a:avLst/>
+          </a:prstGeom>
+          <a:noFill/>
+          <a:ln/>
+        </p:spPr>
+        <p:txBody>
+          <a:bodyPr wrap="square" rtlCol="0" anchor="ctr"/>
+          <a:lstStyle/>
+          <a:p>
+            <a:pPr algn="ctr" indent="0" marL="0">
+              <a:buNone/>
+            </a:pPr>
+            <a:r>
+              <a:rPr lang="en-US" sz="1100" dirty="0">
+                <a:solidFill>
+                  <a:srgbClr val="FFFFFF"/>
+                </a:solidFill>
+                <a:latin typeface="Arial" pitchFamily="34" charset="0"/>
+                <a:ea typeface="Arial" pitchFamily="34" charset="-122"/>
+                <a:cs typeface="Arial" pitchFamily="34" charset="-120"/>
+              </a:rPr>
+              <a:t>⏱ Duração: ~22 minutos</a:t>
+            </a:r>
+            <a:endParaRPr lang="en-US" sz="1100" dirty="0"/>
+          </a:p>
+        </p:txBody>
+      </p:sp>
+      <p:sp>
+        <p:nvSpPr>
+          <p:cNvPr id="12" name="Shape 10"/>
+          <p:cNvSpPr/>
+          <p:nvPr/>
+        </p:nvSpPr>
+        <p:spPr>
+          <a:xfrm>
+            <a:off x="3200400" y="3474720"/>
+            <a:ext cx="2560320" cy="731520"/>
+          </a:xfrm>
+          <a:prstGeom prst="roundRect">
+            <a:avLst/>
+          </a:prstGeom>
+          <a:solidFill>
+            <a:srgbClr val="2A2A4A"/>
+          </a:solidFill>
+          <a:ln w="12700">
+            <a:solidFill>
+              <a:srgbClr val="22C55E"/>
+            </a:solidFill>
+            <a:prstDash val="solid"/>
+          </a:ln>
+        </p:spPr>
+      </p:sp>
+      <p:sp>
+        <p:nvSpPr>
+          <p:cNvPr id="13" name="Text 11"/>
+          <p:cNvSpPr/>
+          <p:nvPr/>
+        </p:nvSpPr>
+        <p:spPr>
+          <a:xfrm>
+            <a:off x="3200400" y="3611880"/>
+            <a:ext cx="2560320" cy="457200"/>
+          </a:xfrm>
+          <a:prstGeom prst="rect">
+            <a:avLst/>
+          </a:prstGeom>
+          <a:noFill/>
+          <a:ln/>
+        </p:spPr>
+        <p:txBody>
+          <a:bodyPr wrap="square" rtlCol="0" anchor="ctr"/>
+          <a:lstStyle/>
+          <a:p>
+            <a:pPr algn="ctr" indent="0" marL="0">
+              <a:buNone/>
+            </a:pPr>
+            <a:r>
+              <a:rPr lang="en-US" sz="1100" dirty="0">
+                <a:solidFill>
+                  <a:srgbClr val="FFFFFF"/>
+                </a:solidFill>
+                <a:latin typeface="Arial" pitchFamily="34" charset="0"/>
+                <a:ea typeface="Arial" pitchFamily="34" charset="-122"/>
+                <a:cs typeface="Arial" pitchFamily="34" charset="-120"/>
+              </a:rPr>
+              <a:t>📚 Nível: Introdutório</a:t>
+            </a:r>
+            <a:endParaRPr lang="en-US" sz="1100" dirty="0"/>
+          </a:p>
+        </p:txBody>
+      </p:sp>
+      <p:sp>
+        <p:nvSpPr>
+          <p:cNvPr id="14" name="Shape 12"/>
+          <p:cNvSpPr/>
+          <p:nvPr/>
+        </p:nvSpPr>
+        <p:spPr>
+          <a:xfrm>
+            <a:off x="5943600" y="3474720"/>
+            <a:ext cx="2560320" cy="731520"/>
+          </a:xfrm>
+          <a:prstGeom prst="roundRect">
+            <a:avLst/>
+          </a:prstGeom>
+          <a:solidFill>
+            <a:srgbClr val="2A2A4A"/>
+          </a:solidFill>
+          <a:ln w="12700">
+            <a:solidFill>
+              <a:srgbClr val="3B82F6"/>
+            </a:solidFill>
+            <a:prstDash val="solid"/>
+          </a:ln>
+        </p:spPr>
+      </p:sp>
+      <p:sp>
+        <p:nvSpPr>
+          <p:cNvPr id="15" name="Text 13"/>
+          <p:cNvSpPr/>
+          <p:nvPr/>
+        </p:nvSpPr>
+        <p:spPr>
+          <a:xfrm>
+            <a:off x="5943600" y="3611880"/>
+            <a:ext cx="2560320" cy="457200"/>
+          </a:xfrm>
+          <a:prstGeom prst="rect">
+            <a:avLst/>
+          </a:prstGeom>
+          <a:noFill/>
+          <a:ln/>
+        </p:spPr>
+        <p:txBody>
+          <a:bodyPr wrap="square" rtlCol="0" anchor="ctr"/>
+          <a:lstStyle/>
+          <a:p>
+            <a:pPr algn="ctr" indent="0" marL="0">
+              <a:buNone/>
+            </a:pPr>
+            <a:r>
+              <a:rPr lang="en-US" sz="1100" dirty="0">
+                <a:solidFill>
+                  <a:srgbClr val="FFFFFF"/>
+                </a:solidFill>
+                <a:latin typeface="Arial" pitchFamily="34" charset="0"/>
+                <a:ea typeface="Arial" pitchFamily="34" charset="-122"/>
+                <a:cs typeface="Arial" pitchFamily="34" charset="-120"/>
+              </a:rPr>
+              <a:t>🎯 Prático</a:t>
+            </a:r>
+            <a:endParaRPr lang="en-US" sz="1100" dirty="0"/>
+          </a:p>
+        </p:txBody>
+      </p:sp>
       <p:pic>
         <p:nvPicPr>
-          <p:cNvPr id="2" name="Image 0" descr="preencoded.png">    </p:cNvPr>
+          <p:cNvPr id="17" name="Image 0" descr="preencoded.png">    </p:cNvPr>
           <p:cNvPicPr>
             <a:picLocks noChangeAspect="1"/>
           </p:cNvPicPr>
@@ -1514,24 +2155,76 @@
         </p:blipFill>
         <p:spPr>
           <a:xfrm>
-            <a:off x="457200" y="274320"/>
-            <a:ext cx="914400" cy="548640"/>
+            <a:off x="7498080" y="4389120"/>
+            <a:ext cx="1371600" cy="548640"/>
           </a:xfrm>
           <a:prstGeom prst="rect">
             <a:avLst/>
           </a:prstGeom>
         </p:spPr>
       </p:pic>
-      <p:sp>
-        <p:nvSpPr>
-          <p:cNvPr id="3" name="Text 0"/>
-          <p:cNvSpPr/>
-          <p:nvPr/>
-        </p:nvSpPr>
-        <p:spPr>
-          <a:xfrm>
-            <a:off x="457200" y="2011680"/>
-            <a:ext cx="8686800" cy="640080"/>
+    </p:spTree>
+  </p:cSld>
+  <p:clrMapOvr>
+    <a:masterClrMapping/>
+  </p:clrMapOvr>
+</p:sld>
+</file>
+
+<file path=ppt/slides/slide10.xml><?xml version="1.0" encoding="utf-8"?>
+<p:sld xmlns:a="http://schemas.openxmlformats.org/drawingml/2006/main" xmlns:r="http://schemas.openxmlformats.org/officeDocument/2006/relationships" xmlns:p="http://schemas.openxmlformats.org/presentationml/2006/main">
+  <p:cSld name="Slide 10">
+    <p:bg>
+      <p:bgPr>
+        <a:solidFill>
+          <a:srgbClr val="1A1A2E"/>
+        </a:solidFill>
+      </p:bgPr>
+    </p:bg>
+    <p:spTree>
+      <p:nvGrpSpPr>
+        <p:cNvPr id="1" name=""/>
+        <p:cNvGrpSpPr/>
+        <p:nvPr/>
+      </p:nvGrpSpPr>
+      <p:grpSpPr>
+        <a:xfrm>
+          <a:off x="0" y="0"/>
+          <a:ext cx="0" cy="0"/>
+          <a:chOff x="0" y="0"/>
+          <a:chExt cx="0" cy="0"/>
+        </a:xfrm>
+      </p:grpSpPr>
+      <p:sp>
+        <p:nvSpPr>
+          <p:cNvPr id="2" name="Shape 0"/>
+          <p:cNvSpPr/>
+          <p:nvPr/>
+        </p:nvSpPr>
+        <p:spPr>
+          <a:xfrm>
+            <a:off x="0" y="0"/>
+            <a:ext cx="9144000" cy="822960"/>
+          </a:xfrm>
+          <a:prstGeom prst="rect">
+            <a:avLst/>
+          </a:prstGeom>
+          <a:solidFill>
+            <a:srgbClr val="0F172A"/>
+          </a:solidFill>
+          <a:ln/>
+        </p:spPr>
+      </p:sp>
+      <p:sp>
+        <p:nvSpPr>
+          <p:cNvPr id="3" name="Text 1"/>
+          <p:cNvSpPr/>
+          <p:nvPr/>
+        </p:nvSpPr>
+        <p:spPr>
+          <a:xfrm>
+            <a:off x="457200" y="228600"/>
+            <a:ext cx="8229600" cy="457200"/>
           </a:xfrm>
           <a:prstGeom prst="rect">
             <a:avLst/>
@@ -1543,11 +2236,11 @@
           <a:bodyPr wrap="square" rtlCol="0" anchor="ctr"/>
           <a:lstStyle/>
           <a:p>
-            <a:pPr algn="ctr" indent="0" marL="0">
+            <a:pPr indent="0" marL="0">
               <a:buNone/>
             </a:pPr>
             <a:r>
-              <a:rPr lang="en-US" sz="3600" b="1" dirty="0">
+              <a:rPr lang="en-US" sz="2000" b="1" dirty="0">
                 <a:solidFill>
                   <a:srgbClr val="FFFFFF"/>
                 </a:solidFill>
@@ -1555,22 +2248,146 @@
                 <a:ea typeface="Arial" pitchFamily="34" charset="-122"/>
                 <a:cs typeface="Arial" pitchFamily="34" charset="-120"/>
               </a:rPr>
-              <a:t>FOCO E PRODUTIVIDADE</a:t>
-            </a:r>
-            <a:endParaRPr lang="en-US" sz="3600" dirty="0"/>
-          </a:p>
-        </p:txBody>
-      </p:sp>
-      <p:sp>
-        <p:nvSpPr>
-          <p:cNvPr id="4" name="Text 1"/>
-          <p:cNvSpPr/>
-          <p:nvPr/>
-        </p:nvSpPr>
-        <p:spPr>
-          <a:xfrm>
-            <a:off x="457200" y="2743200"/>
-            <a:ext cx="8686800" cy="457200"/>
+              <a:t>Aula 02 - Encerramento</a:t>
+            </a:r>
+            <a:endParaRPr lang="en-US" sz="2000" dirty="0"/>
+          </a:p>
+        </p:txBody>
+      </p:sp>
+      <p:sp>
+        <p:nvSpPr>
+          <p:cNvPr id="4" name="Shape 2"/>
+          <p:cNvSpPr/>
+          <p:nvPr/>
+        </p:nvSpPr>
+        <p:spPr>
+          <a:xfrm>
+            <a:off x="0" y="822960"/>
+            <a:ext cx="2743200" cy="91440"/>
+          </a:xfrm>
+          <a:prstGeom prst="rect">
+            <a:avLst/>
+          </a:prstGeom>
+          <a:solidFill>
+            <a:srgbClr val="667EEA"/>
+          </a:solidFill>
+          <a:ln/>
+        </p:spPr>
+      </p:sp>
+      <p:sp>
+        <p:nvSpPr>
+          <p:cNvPr id="5" name="Shape 3"/>
+          <p:cNvSpPr/>
+          <p:nvPr/>
+        </p:nvSpPr>
+        <p:spPr>
+          <a:xfrm>
+            <a:off x="3200400" y="822960"/>
+            <a:ext cx="2743200" cy="91440"/>
+          </a:xfrm>
+          <a:prstGeom prst="rect">
+            <a:avLst/>
+          </a:prstGeom>
+          <a:solidFill>
+            <a:srgbClr val="22C55E"/>
+          </a:solidFill>
+          <a:ln/>
+        </p:spPr>
+      </p:sp>
+      <p:sp>
+        <p:nvSpPr>
+          <p:cNvPr id="6" name="Shape 4"/>
+          <p:cNvSpPr/>
+          <p:nvPr/>
+        </p:nvSpPr>
+        <p:spPr>
+          <a:xfrm>
+            <a:off x="6400800" y="822960"/>
+            <a:ext cx="2743200" cy="91440"/>
+          </a:xfrm>
+          <a:prstGeom prst="rect">
+            <a:avLst/>
+          </a:prstGeom>
+          <a:solidFill>
+            <a:srgbClr val="3B82F6"/>
+          </a:solidFill>
+          <a:ln/>
+        </p:spPr>
+      </p:sp>
+      <p:sp>
+        <p:nvSpPr>
+          <p:cNvPr id="7" name="Shape 5"/>
+          <p:cNvSpPr/>
+          <p:nvPr/>
+        </p:nvSpPr>
+        <p:spPr>
+          <a:xfrm>
+            <a:off x="914400" y="1371600"/>
+            <a:ext cx="7315200" cy="1828800"/>
+          </a:xfrm>
+          <a:prstGeom prst="roundRect">
+            <a:avLst/>
+          </a:prstGeom>
+          <a:solidFill>
+            <a:srgbClr val="2A2A4A"/>
+          </a:solidFill>
+          <a:ln w="25400">
+            <a:solidFill>
+              <a:srgbClr val="667EEA"/>
+            </a:solidFill>
+            <a:prstDash val="solid"/>
+          </a:ln>
+        </p:spPr>
+      </p:sp>
+      <p:sp>
+        <p:nvSpPr>
+          <p:cNvPr id="8" name="Text 6"/>
+          <p:cNvSpPr/>
+          <p:nvPr/>
+        </p:nvSpPr>
+        <p:spPr>
+          <a:xfrm>
+            <a:off x="1097280" y="1371600"/>
+            <a:ext cx="457200" cy="731520"/>
+          </a:xfrm>
+          <a:prstGeom prst="rect">
+            <a:avLst/>
+          </a:prstGeom>
+          <a:noFill/>
+          <a:ln/>
+        </p:spPr>
+        <p:txBody>
+          <a:bodyPr wrap="square" rtlCol="0" anchor="ctr"/>
+          <a:lstStyle/>
+          <a:p>
+            <a:pPr indent="0" marL="0">
+              <a:buNone/>
+            </a:pPr>
+            <a:r>
+              <a:rPr lang="en-US" sz="4800" i="1" dirty="0">
+                <a:solidFill>
+                  <a:srgbClr val="667EEA"/>
+                </a:solidFill>
+                <a:latin typeface="Georgia" pitchFamily="34" charset="0"/>
+                <a:ea typeface="Georgia" pitchFamily="34" charset="-122"/>
+                <a:cs typeface="Georgia" pitchFamily="34" charset="-120"/>
+              </a:rPr>
+              <a:t>"</a:t>
+            </a:r>
+            <a:endParaRPr lang="en-US" sz="4800" dirty="0"/>
+          </a:p>
+        </p:txBody>
+      </p:sp>
+      <p:sp>
+        <p:nvSpPr>
+          <p:cNvPr id="9" name="Text 7"/>
+          <p:cNvSpPr/>
+          <p:nvPr/>
+        </p:nvSpPr>
+        <p:spPr>
+          <a:xfrm>
+            <a:off x="1371600" y="1737360"/>
+            <a:ext cx="6400800" cy="1097280"/>
           </a:xfrm>
           <a:prstGeom prst="rect">
             <a:avLst/>
@@ -1586,7 +2403,105 @@
               <a:buNone/>
             </a:pPr>
             <a:r>
-              <a:rPr lang="en-US" sz="1800" dirty="0">
+              <a:rPr lang="en-US" sz="1600" i="1" dirty="0">
+                <a:solidFill>
+                  <a:srgbClr val="FFFFFF"/>
+                </a:solidFill>
+                <a:latin typeface="Arial" pitchFamily="34" charset="0"/>
+                <a:ea typeface="Arial" pitchFamily="34" charset="-122"/>
+                <a:cs typeface="Arial" pitchFamily="34" charset="-120"/>
+              </a:rPr>
+              <a:t>O hiperfoco não é um dom que alguns têm e outros não. É uma habilidade que pode ser desenvolvida. E você está no caminho certo para desenvolvê-la.</a:t>
+            </a:r>
+            <a:endParaRPr lang="en-US" sz="1600" dirty="0"/>
+          </a:p>
+        </p:txBody>
+      </p:sp>
+      <p:sp>
+        <p:nvSpPr>
+          <p:cNvPr id="10" name="Shape 8"/>
+          <p:cNvSpPr/>
+          <p:nvPr/>
+        </p:nvSpPr>
+        <p:spPr>
+          <a:xfrm>
+            <a:off x="0" y="3840480"/>
+            <a:ext cx="9144000" cy="822960"/>
+          </a:xfrm>
+          <a:prstGeom prst="rect">
+            <a:avLst/>
+          </a:prstGeom>
+          <a:solidFill>
+            <a:srgbClr val="0F172A"/>
+          </a:solidFill>
+          <a:ln/>
+        </p:spPr>
+      </p:sp>
+      <p:sp>
+        <p:nvSpPr>
+          <p:cNvPr id="11" name="Text 9"/>
+          <p:cNvSpPr/>
+          <p:nvPr/>
+        </p:nvSpPr>
+        <p:spPr>
+          <a:xfrm>
+            <a:off x="457200" y="3977640"/>
+            <a:ext cx="3657600" cy="274320"/>
+          </a:xfrm>
+          <a:prstGeom prst="rect">
+            <a:avLst/>
+          </a:prstGeom>
+          <a:noFill/>
+          <a:ln/>
+        </p:spPr>
+        <p:txBody>
+          <a:bodyPr wrap="square" rtlCol="0" anchor="ctr"/>
+          <a:lstStyle/>
+          <a:p>
+            <a:pPr indent="0" marL="0">
+              <a:buNone/>
+            </a:pPr>
+            <a:r>
+              <a:rPr lang="en-US" sz="1400" b="1" dirty="0">
+                <a:solidFill>
+                  <a:srgbClr val="22C55E"/>
+                </a:solidFill>
+                <a:latin typeface="Arial" pitchFamily="34" charset="0"/>
+                <a:ea typeface="Arial" pitchFamily="34" charset="-122"/>
+                <a:cs typeface="Arial" pitchFamily="34" charset="-120"/>
+              </a:rPr>
+              <a:t>Educa com Talento</a:t>
+            </a:r>
+            <a:endParaRPr lang="en-US" sz="1400" dirty="0"/>
+          </a:p>
+        </p:txBody>
+      </p:sp>
+      <p:sp>
+        <p:nvSpPr>
+          <p:cNvPr id="12" name="Text 10"/>
+          <p:cNvSpPr/>
+          <p:nvPr/>
+        </p:nvSpPr>
+        <p:spPr>
+          <a:xfrm>
+            <a:off x="457200" y="4251960"/>
+            <a:ext cx="3657600" cy="228600"/>
+          </a:xfrm>
+          <a:prstGeom prst="rect">
+            <a:avLst/>
+          </a:prstGeom>
+          <a:noFill/>
+          <a:ln/>
+        </p:spPr>
+        <p:txBody>
+          <a:bodyPr wrap="square" rtlCol="0" anchor="ctr"/>
+          <a:lstStyle/>
+          <a:p>
+            <a:pPr indent="0" marL="0">
+              <a:buNone/>
+            </a:pPr>
+            <a:r>
+              <a:rPr lang="en-US" sz="1000" dirty="0">
                 <a:solidFill>
                   <a:srgbClr val="667EEA"/>
                 </a:solidFill>
@@ -1594,51 +2509,36 @@
                 <a:ea typeface="Arial" pitchFamily="34" charset="-122"/>
                 <a:cs typeface="Arial" pitchFamily="34" charset="-120"/>
               </a:rPr>
-              <a:t>Aula 2: Definindo Hiperfoco e Hiperprodutividade</a:t>
-            </a:r>
-            <a:endParaRPr lang="en-US" sz="1800" dirty="0"/>
-          </a:p>
-        </p:txBody>
-      </p:sp>
-      <p:sp>
-        <p:nvSpPr>
-          <p:cNvPr id="5" name="Text 2"/>
-          <p:cNvSpPr/>
-          <p:nvPr/>
-        </p:nvSpPr>
-        <p:spPr>
-          <a:xfrm>
-            <a:off x="457200" y="3383280"/>
-            <a:ext cx="8686800" cy="365760"/>
-          </a:xfrm>
-          <a:prstGeom prst="rect">
-            <a:avLst/>
-          </a:prstGeom>
-          <a:noFill/>
-          <a:ln/>
-        </p:spPr>
-        <p:txBody>
-          <a:bodyPr wrap="square" rtlCol="0" anchor="ctr"/>
-          <a:lstStyle/>
-          <a:p>
-            <a:pPr algn="ctr" indent="0" marL="0">
-              <a:buNone/>
-            </a:pPr>
-            <a:r>
-              <a:rPr lang="en-US" sz="1200" dirty="0">
-                <a:solidFill>
-                  <a:srgbClr val="94A3B8"/>
-                </a:solidFill>
-                <a:latin typeface="Arial" pitchFamily="34" charset="0"/>
-                <a:ea typeface="Arial" pitchFamily="34" charset="-122"/>
-                <a:cs typeface="Arial" pitchFamily="34" charset="-120"/>
-              </a:rPr>
-              <a:t>Módulo 1 - Hiperfoco e Hiperprodutividade</a:t>
-            </a:r>
-            <a:endParaRPr lang="en-US" sz="1200" dirty="0"/>
-          </a:p>
-        </p:txBody>
-      </p:sp>
+              <a:t>www.educacomtalento.com.br</a:t>
+            </a:r>
+            <a:endParaRPr lang="en-US" sz="1000" dirty="0"/>
+          </a:p>
+        </p:txBody>
+      </p:sp>
+      <p:pic>
+        <p:nvPicPr>
+          <p:cNvPr id="14" name="Image 0" descr="preencoded.png">    </p:cNvPr>
+          <p:cNvPicPr>
+            <a:picLocks noChangeAspect="1"/>
+          </p:cNvPicPr>
+          <p:nvPr/>
+        </p:nvPicPr>
+        <p:blipFill>
+          <a:blip r:embed="rId1"/>
+          <a:stretch>
+            <a:fillRect/>
+          </a:stretch>
+        </p:blipFill>
+        <p:spPr>
+          <a:xfrm>
+            <a:off x="6400800" y="3886200"/>
+            <a:ext cx="2286000" cy="914400"/>
+          </a:xfrm>
+          <a:prstGeom prst="rect">
+            <a:avLst/>
+          </a:prstGeom>
+        </p:spPr>
+      </p:pic>
     </p:spTree>
   </p:cSld>
   <p:clrMapOvr>
@@ -1680,7 +2580,7 @@
         <p:spPr>
           <a:xfrm>
             <a:off x="0" y="0"/>
-            <a:ext cx="9144000" cy="914400"/>
+            <a:ext cx="9144000" cy="822960"/>
           </a:xfrm>
           <a:prstGeom prst="rect">
             <a:avLst/>
@@ -1691,40 +2591,16 @@
           <a:ln/>
         </p:spPr>
       </p:sp>
-      <p:pic>
-        <p:nvPicPr>
-          <p:cNvPr id="3" name="Image 0" descr="preencoded.png">    </p:cNvPr>
-          <p:cNvPicPr>
-            <a:picLocks noChangeAspect="1"/>
-          </p:cNvPicPr>
-          <p:nvPr/>
-        </p:nvPicPr>
-        <p:blipFill>
-          <a:blip r:embed="rId1"/>
-          <a:stretch>
-            <a:fillRect/>
-          </a:stretch>
-        </p:blipFill>
-        <p:spPr>
-          <a:xfrm>
-            <a:off x="274320" y="137160"/>
-            <a:ext cx="914400" cy="457200"/>
-          </a:xfrm>
-          <a:prstGeom prst="rect">
-            <a:avLst/>
-          </a:prstGeom>
-        </p:spPr>
-      </p:pic>
-      <p:sp>
-        <p:nvSpPr>
-          <p:cNvPr id="4" name="Text 1"/>
-          <p:cNvSpPr/>
-          <p:nvPr/>
-        </p:nvSpPr>
-        <p:spPr>
-          <a:xfrm>
-            <a:off x="1371600" y="228600"/>
-            <a:ext cx="7315200" cy="457200"/>
+      <p:sp>
+        <p:nvSpPr>
+          <p:cNvPr id="3" name="Text 1"/>
+          <p:cNvSpPr/>
+          <p:nvPr/>
+        </p:nvSpPr>
+        <p:spPr>
+          <a:xfrm>
+            <a:off x="457200" y="228600"/>
+            <a:ext cx="8229600" cy="457200"/>
           </a:xfrm>
           <a:prstGeom prst="rect">
             <a:avLst/>
@@ -1748,7 +2624,7 @@
                 <a:ea typeface="Arial" pitchFamily="34" charset="-122"/>
                 <a:cs typeface="Arial" pitchFamily="34" charset="-120"/>
               </a:rPr>
-              <a:t>A Pergunta que Muda Tudo</a:t>
+              <a:t>🎯 Objetivos da Aula</a:t>
             </a:r>
             <a:endParaRPr lang="en-US" sz="2000" dirty="0"/>
           </a:p>
@@ -1756,14 +2632,59 @@
       </p:sp>
       <p:sp>
         <p:nvSpPr>
-          <p:cNvPr id="5" name="Text 2"/>
-          <p:cNvSpPr/>
-          <p:nvPr/>
-        </p:nvSpPr>
-        <p:spPr>
-          <a:xfrm>
-            <a:off x="457200" y="1645920"/>
-            <a:ext cx="8229600" cy="914400"/>
+          <p:cNvPr id="4" name="Shape 2"/>
+          <p:cNvSpPr/>
+          <p:nvPr/>
+        </p:nvSpPr>
+        <p:spPr>
+          <a:xfrm>
+            <a:off x="457200" y="1097280"/>
+            <a:ext cx="8229600" cy="822960"/>
+          </a:xfrm>
+          <a:prstGeom prst="roundRect">
+            <a:avLst/>
+          </a:prstGeom>
+          <a:solidFill>
+            <a:srgbClr val="2A2A4A"/>
+          </a:solidFill>
+          <a:ln w="25400">
+            <a:solidFill>
+              <a:srgbClr val="667EEA"/>
+            </a:solidFill>
+            <a:prstDash val="solid"/>
+          </a:ln>
+        </p:spPr>
+      </p:sp>
+      <p:sp>
+        <p:nvSpPr>
+          <p:cNvPr id="5" name="Shape 3"/>
+          <p:cNvSpPr/>
+          <p:nvPr/>
+        </p:nvSpPr>
+        <p:spPr>
+          <a:xfrm>
+            <a:off x="640080" y="1234440"/>
+            <a:ext cx="548640" cy="548640"/>
+          </a:xfrm>
+          <a:prstGeom prst="ellipse">
+            <a:avLst/>
+          </a:prstGeom>
+          <a:solidFill>
+            <a:srgbClr val="667EEA"/>
+          </a:solidFill>
+          <a:ln/>
+        </p:spPr>
+      </p:sp>
+      <p:sp>
+        <p:nvSpPr>
+          <p:cNvPr id="6" name="Text 4"/>
+          <p:cNvSpPr/>
+          <p:nvPr/>
+        </p:nvSpPr>
+        <p:spPr>
+          <a:xfrm>
+            <a:off x="640080" y="1325880"/>
+            <a:ext cx="548640" cy="365760"/>
           </a:xfrm>
           <a:prstGeom prst="rect">
             <a:avLst/>
@@ -1779,46 +2700,7 @@
               <a:buNone/>
             </a:pPr>
             <a:r>
-              <a:rPr lang="en-US" sz="6000" dirty="0">
-                <a:solidFill>
-                  <a:srgbClr val="000000"/>
-                </a:solidFill>
-                <a:latin typeface="Arial" pitchFamily="34" charset="0"/>
-                <a:ea typeface="Arial" pitchFamily="34" charset="-122"/>
-                <a:cs typeface="Arial" pitchFamily="34" charset="-120"/>
-              </a:rPr>
-              <a:t>❓</a:t>
-            </a:r>
-            <a:endParaRPr lang="en-US" sz="6000" dirty="0"/>
-          </a:p>
-        </p:txBody>
-      </p:sp>
-      <p:sp>
-        <p:nvSpPr>
-          <p:cNvPr id="6" name="Text 3"/>
-          <p:cNvSpPr/>
-          <p:nvPr/>
-        </p:nvSpPr>
-        <p:spPr>
-          <a:xfrm>
-            <a:off x="457200" y="2560320"/>
-            <a:ext cx="8229600" cy="914400"/>
-          </a:xfrm>
-          <a:prstGeom prst="rect">
-            <a:avLst/>
-          </a:prstGeom>
-          <a:noFill/>
-          <a:ln/>
-        </p:spPr>
-        <p:txBody>
-          <a:bodyPr wrap="square" rtlCol="0" anchor="ctr"/>
-          <a:lstStyle/>
-          <a:p>
-            <a:pPr algn="ctr" indent="0" marL="0">
-              <a:buNone/>
-            </a:pPr>
-            <a:r>
-              <a:rPr lang="en-US" sz="2200" b="1" dirty="0">
+              <a:rPr lang="en-US" sz="1800" b="1" dirty="0">
                 <a:solidFill>
                   <a:srgbClr val="FFFFFF"/>
                 </a:solidFill>
@@ -1826,16 +2708,38 @@
                 <a:ea typeface="Arial" pitchFamily="34" charset="-122"/>
                 <a:cs typeface="Arial" pitchFamily="34" charset="-120"/>
               </a:rPr>
-              <a:t>Você sabe a diferença entre</a:t>
-            </a:r>
-            <a:endParaRPr lang="en-US" sz="2200" dirty="0"/>
-          </a:p>
-          <a:p>
-            <a:pPr algn="ctr" indent="0" marL="0">
+              <a:t>1</a:t>
+            </a:r>
+            <a:endParaRPr lang="en-US" sz="1800" dirty="0"/>
+          </a:p>
+        </p:txBody>
+      </p:sp>
+      <p:sp>
+        <p:nvSpPr>
+          <p:cNvPr id="7" name="Text 5"/>
+          <p:cNvSpPr/>
+          <p:nvPr/>
+        </p:nvSpPr>
+        <p:spPr>
+          <a:xfrm>
+            <a:off x="1371600" y="1325880"/>
+            <a:ext cx="7132320" cy="457200"/>
+          </a:xfrm>
+          <a:prstGeom prst="rect">
+            <a:avLst/>
+          </a:prstGeom>
+          <a:noFill/>
+          <a:ln/>
+        </p:spPr>
+        <p:txBody>
+          <a:bodyPr wrap="square" rtlCol="0" anchor="ctr"/>
+          <a:lstStyle/>
+          <a:p>
+            <a:pPr indent="0" marL="0">
               <a:buNone/>
             </a:pPr>
             <a:r>
-              <a:rPr lang="en-US" sz="2200" b="1" dirty="0">
+              <a:rPr lang="en-US" sz="1600" dirty="0">
                 <a:solidFill>
                   <a:srgbClr val="FFFFFF"/>
                 </a:solidFill>
@@ -1843,22 +2747,67 @@
                 <a:ea typeface="Arial" pitchFamily="34" charset="-122"/>
                 <a:cs typeface="Arial" pitchFamily="34" charset="-120"/>
               </a:rPr>
-              <a:t>estar OCUPADO e ser PRODUTIVO?</a:t>
-            </a:r>
-            <a:endParaRPr lang="en-US" sz="2200" dirty="0"/>
-          </a:p>
-        </p:txBody>
-      </p:sp>
-      <p:sp>
-        <p:nvSpPr>
-          <p:cNvPr id="7" name="Text 4"/>
-          <p:cNvSpPr/>
-          <p:nvPr/>
-        </p:nvSpPr>
-        <p:spPr>
-          <a:xfrm>
-            <a:off x="457200" y="3657600"/>
-            <a:ext cx="8229600" cy="731520"/>
+              <a:t>Hiperfoco</a:t>
+            </a:r>
+            <a:endParaRPr lang="en-US" sz="1600" dirty="0"/>
+          </a:p>
+        </p:txBody>
+      </p:sp>
+      <p:sp>
+        <p:nvSpPr>
+          <p:cNvPr id="8" name="Shape 6"/>
+          <p:cNvSpPr/>
+          <p:nvPr/>
+        </p:nvSpPr>
+        <p:spPr>
+          <a:xfrm>
+            <a:off x="457200" y="2103120"/>
+            <a:ext cx="8229600" cy="822960"/>
+          </a:xfrm>
+          <a:prstGeom prst="roundRect">
+            <a:avLst/>
+          </a:prstGeom>
+          <a:solidFill>
+            <a:srgbClr val="2A2A4A"/>
+          </a:solidFill>
+          <a:ln w="25400">
+            <a:solidFill>
+              <a:srgbClr val="22C55E"/>
+            </a:solidFill>
+            <a:prstDash val="solid"/>
+          </a:ln>
+        </p:spPr>
+      </p:sp>
+      <p:sp>
+        <p:nvSpPr>
+          <p:cNvPr id="9" name="Shape 7"/>
+          <p:cNvSpPr/>
+          <p:nvPr/>
+        </p:nvSpPr>
+        <p:spPr>
+          <a:xfrm>
+            <a:off x="640080" y="2240280"/>
+            <a:ext cx="548640" cy="548640"/>
+          </a:xfrm>
+          <a:prstGeom prst="ellipse">
+            <a:avLst/>
+          </a:prstGeom>
+          <a:solidFill>
+            <a:srgbClr val="22C55E"/>
+          </a:solidFill>
+          <a:ln/>
+        </p:spPr>
+      </p:sp>
+      <p:sp>
+        <p:nvSpPr>
+          <p:cNvPr id="10" name="Text 8"/>
+          <p:cNvSpPr/>
+          <p:nvPr/>
+        </p:nvSpPr>
+        <p:spPr>
+          <a:xfrm>
+            <a:off x="640080" y="2331720"/>
+            <a:ext cx="548640" cy="365760"/>
           </a:xfrm>
           <a:prstGeom prst="rect">
             <a:avLst/>
@@ -1874,83 +2823,7 @@
               <a:buNone/>
             </a:pPr>
             <a:r>
-              <a:rPr lang="en-US" sz="1400" dirty="0">
-                <a:solidFill>
-                  <a:srgbClr val="94A3B8"/>
-                </a:solidFill>
-                <a:latin typeface="Arial" pitchFamily="34" charset="0"/>
-                <a:ea typeface="Arial" pitchFamily="34" charset="-122"/>
-                <a:cs typeface="Arial" pitchFamily="34" charset="-120"/>
-              </a:rPr>
-              <a:t>Muita gente passa o dia inteiro "estudando"...</a:t>
-            </a:r>
-            <a:endParaRPr lang="en-US" sz="1400" dirty="0"/>
-          </a:p>
-          <a:p>
-            <a:pPr algn="ctr" indent="0" marL="0">
-              <a:buNone/>
-            </a:pPr>
-            <a:r>
-              <a:rPr lang="en-US" sz="1400" dirty="0">
-                <a:solidFill>
-                  <a:srgbClr val="94A3B8"/>
-                </a:solidFill>
-                <a:latin typeface="Arial" pitchFamily="34" charset="0"/>
-                <a:ea typeface="Arial" pitchFamily="34" charset="-122"/>
-                <a:cs typeface="Arial" pitchFamily="34" charset="-120"/>
-              </a:rPr>
-              <a:t>mas no final percebe que não absorveu quase nada.</a:t>
-            </a:r>
-            <a:endParaRPr lang="en-US" sz="1400" dirty="0"/>
-          </a:p>
-        </p:txBody>
-      </p:sp>
-      <p:sp>
-        <p:nvSpPr>
-          <p:cNvPr id="8" name="Shape 5"/>
-          <p:cNvSpPr/>
-          <p:nvPr/>
-        </p:nvSpPr>
-        <p:spPr>
-          <a:xfrm>
-            <a:off x="1371600" y="4480560"/>
-            <a:ext cx="5943600" cy="548640"/>
-          </a:xfrm>
-          <a:prstGeom prst="rect">
-            <a:avLst/>
-          </a:prstGeom>
-          <a:solidFill>
-            <a:srgbClr val="22C55E"/>
-          </a:solidFill>
-          <a:ln/>
-        </p:spPr>
-      </p:sp>
-      <p:sp>
-        <p:nvSpPr>
-          <p:cNvPr id="9" name="Text 6"/>
-          <p:cNvSpPr/>
-          <p:nvPr/>
-        </p:nvSpPr>
-        <p:spPr>
-          <a:xfrm>
-            <a:off x="1371600" y="4572000"/>
-            <a:ext cx="5943600" cy="365760"/>
-          </a:xfrm>
-          <a:prstGeom prst="rect">
-            <a:avLst/>
-          </a:prstGeom>
-          <a:noFill/>
-          <a:ln/>
-        </p:spPr>
-        <p:txBody>
-          <a:bodyPr wrap="square" rtlCol="0" anchor="ctr"/>
-          <a:lstStyle/>
-          <a:p>
-            <a:pPr algn="ctr" indent="0" marL="0">
-              <a:buNone/>
-            </a:pPr>
-            <a:r>
-              <a:rPr lang="en-US" sz="1400" b="1" dirty="0">
+              <a:rPr lang="en-US" sz="1800" b="1" dirty="0">
                 <a:solidFill>
                   <a:srgbClr val="FFFFFF"/>
                 </a:solidFill>
@@ -1958,12 +2831,218 @@
                 <a:ea typeface="Arial" pitchFamily="34" charset="-122"/>
                 <a:cs typeface="Arial" pitchFamily="34" charset="-120"/>
               </a:rPr>
-              <a:t>O problema não é você. É o método.</a:t>
-            </a:r>
-            <a:endParaRPr lang="en-US" sz="1400" dirty="0"/>
-          </a:p>
-        </p:txBody>
-      </p:sp>
+              <a:t>2</a:t>
+            </a:r>
+            <a:endParaRPr lang="en-US" sz="1800" dirty="0"/>
+          </a:p>
+        </p:txBody>
+      </p:sp>
+      <p:sp>
+        <p:nvSpPr>
+          <p:cNvPr id="11" name="Text 9"/>
+          <p:cNvSpPr/>
+          <p:nvPr/>
+        </p:nvSpPr>
+        <p:spPr>
+          <a:xfrm>
+            <a:off x="1371600" y="2331720"/>
+            <a:ext cx="7132320" cy="457200"/>
+          </a:xfrm>
+          <a:prstGeom prst="rect">
+            <a:avLst/>
+          </a:prstGeom>
+          <a:noFill/>
+          <a:ln/>
+        </p:spPr>
+        <p:txBody>
+          <a:bodyPr wrap="square" rtlCol="0" anchor="ctr"/>
+          <a:lstStyle/>
+          <a:p>
+            <a:pPr indent="0" marL="0">
+              <a:buNone/>
+            </a:pPr>
+            <a:r>
+              <a:rPr lang="en-US" sz="1600" dirty="0">
+                <a:solidFill>
+                  <a:srgbClr val="FFFFFF"/>
+                </a:solidFill>
+                <a:latin typeface="Arial" pitchFamily="34" charset="0"/>
+                <a:ea typeface="Arial" pitchFamily="34" charset="-122"/>
+                <a:cs typeface="Arial" pitchFamily="34" charset="-120"/>
+              </a:rPr>
+              <a:t>Hiperprodutividade</a:t>
+            </a:r>
+            <a:endParaRPr lang="en-US" sz="1600" dirty="0"/>
+          </a:p>
+        </p:txBody>
+      </p:sp>
+      <p:sp>
+        <p:nvSpPr>
+          <p:cNvPr id="12" name="Shape 10"/>
+          <p:cNvSpPr/>
+          <p:nvPr/>
+        </p:nvSpPr>
+        <p:spPr>
+          <a:xfrm>
+            <a:off x="457200" y="3108960"/>
+            <a:ext cx="8229600" cy="822960"/>
+          </a:xfrm>
+          <a:prstGeom prst="roundRect">
+            <a:avLst/>
+          </a:prstGeom>
+          <a:solidFill>
+            <a:srgbClr val="2A2A4A"/>
+          </a:solidFill>
+          <a:ln w="25400">
+            <a:solidFill>
+              <a:srgbClr val="3B82F6"/>
+            </a:solidFill>
+            <a:prstDash val="solid"/>
+          </a:ln>
+        </p:spPr>
+      </p:sp>
+      <p:sp>
+        <p:nvSpPr>
+          <p:cNvPr id="13" name="Shape 11"/>
+          <p:cNvSpPr/>
+          <p:nvPr/>
+        </p:nvSpPr>
+        <p:spPr>
+          <a:xfrm>
+            <a:off x="640080" y="3246120"/>
+            <a:ext cx="548640" cy="548640"/>
+          </a:xfrm>
+          <a:prstGeom prst="ellipse">
+            <a:avLst/>
+          </a:prstGeom>
+          <a:solidFill>
+            <a:srgbClr val="3B82F6"/>
+          </a:solidFill>
+          <a:ln/>
+        </p:spPr>
+      </p:sp>
+      <p:sp>
+        <p:nvSpPr>
+          <p:cNvPr id="14" name="Text 12"/>
+          <p:cNvSpPr/>
+          <p:nvPr/>
+        </p:nvSpPr>
+        <p:spPr>
+          <a:xfrm>
+            <a:off x="640080" y="3337560"/>
+            <a:ext cx="548640" cy="365760"/>
+          </a:xfrm>
+          <a:prstGeom prst="rect">
+            <a:avLst/>
+          </a:prstGeom>
+          <a:noFill/>
+          <a:ln/>
+        </p:spPr>
+        <p:txBody>
+          <a:bodyPr wrap="square" rtlCol="0" anchor="ctr"/>
+          <a:lstStyle/>
+          <a:p>
+            <a:pPr algn="ctr" indent="0" marL="0">
+              <a:buNone/>
+            </a:pPr>
+            <a:r>
+              <a:rPr lang="en-US" sz="1800" b="1" dirty="0">
+                <a:solidFill>
+                  <a:srgbClr val="FFFFFF"/>
+                </a:solidFill>
+                <a:latin typeface="Arial" pitchFamily="34" charset="0"/>
+                <a:ea typeface="Arial" pitchFamily="34" charset="-122"/>
+                <a:cs typeface="Arial" pitchFamily="34" charset="-120"/>
+              </a:rPr>
+              <a:t>3</a:t>
+            </a:r>
+            <a:endParaRPr lang="en-US" sz="1800" dirty="0"/>
+          </a:p>
+        </p:txBody>
+      </p:sp>
+      <p:sp>
+        <p:nvSpPr>
+          <p:cNvPr id="15" name="Text 13"/>
+          <p:cNvSpPr/>
+          <p:nvPr/>
+        </p:nvSpPr>
+        <p:spPr>
+          <a:xfrm>
+            <a:off x="1371600" y="3337560"/>
+            <a:ext cx="7132320" cy="457200"/>
+          </a:xfrm>
+          <a:prstGeom prst="rect">
+            <a:avLst/>
+          </a:prstGeom>
+          <a:noFill/>
+          <a:ln/>
+        </p:spPr>
+        <p:txBody>
+          <a:bodyPr wrap="square" rtlCol="0" anchor="ctr"/>
+          <a:lstStyle/>
+          <a:p>
+            <a:pPr indent="0" marL="0">
+              <a:buNone/>
+            </a:pPr>
+            <a:r>
+              <a:rPr lang="en-US" sz="1600" dirty="0">
+                <a:solidFill>
+                  <a:srgbClr val="FFFFFF"/>
+                </a:solidFill>
+                <a:latin typeface="Arial" pitchFamily="34" charset="0"/>
+                <a:ea typeface="Arial" pitchFamily="34" charset="-122"/>
+                <a:cs typeface="Arial" pitchFamily="34" charset="-120"/>
+              </a:rPr>
+              <a:t>O cérebro opera em modo focado e modo difuso</a:t>
+            </a:r>
+            <a:endParaRPr lang="en-US" sz="1600" dirty="0"/>
+          </a:p>
+        </p:txBody>
+      </p:sp>
+      <p:sp>
+        <p:nvSpPr>
+          <p:cNvPr id="16" name="Shape 14"/>
+          <p:cNvSpPr/>
+          <p:nvPr/>
+        </p:nvSpPr>
+        <p:spPr>
+          <a:xfrm>
+            <a:off x="8869680" y="1097280"/>
+            <a:ext cx="91440" cy="3017520"/>
+          </a:xfrm>
+          <a:prstGeom prst="rect">
+            <a:avLst/>
+          </a:prstGeom>
+          <a:solidFill>
+            <a:srgbClr val="667EEA"/>
+          </a:solidFill>
+          <a:ln/>
+        </p:spPr>
+      </p:sp>
+      <p:pic>
+        <p:nvPicPr>
+          <p:cNvPr id="18" name="Image 0" descr="preencoded.png">    </p:cNvPr>
+          <p:cNvPicPr>
+            <a:picLocks noChangeAspect="1"/>
+          </p:cNvPicPr>
+          <p:nvPr/>
+        </p:nvPicPr>
+        <p:blipFill>
+          <a:blip r:embed="rId1"/>
+          <a:stretch>
+            <a:fillRect/>
+          </a:stretch>
+        </p:blipFill>
+        <p:spPr>
+          <a:xfrm>
+            <a:off x="7498080" y="4389120"/>
+            <a:ext cx="1371600" cy="548640"/>
+          </a:xfrm>
+          <a:prstGeom prst="rect">
+            <a:avLst/>
+          </a:prstGeom>
+        </p:spPr>
+      </p:pic>
     </p:spTree>
   </p:cSld>
   <p:clrMapOvr>
@@ -2005,7 +3084,7 @@
         <p:spPr>
           <a:xfrm>
             <a:off x="0" y="0"/>
-            <a:ext cx="9144000" cy="914400"/>
+            <a:ext cx="9144000" cy="822960"/>
           </a:xfrm>
           <a:prstGeom prst="rect">
             <a:avLst/>
@@ -2016,40 +3095,95 @@
           <a:ln/>
         </p:spPr>
       </p:sp>
-      <p:pic>
-        <p:nvPicPr>
-          <p:cNvPr id="3" name="Image 0" descr="preencoded.png">    </p:cNvPr>
-          <p:cNvPicPr>
-            <a:picLocks noChangeAspect="1"/>
-          </p:cNvPicPr>
-          <p:nvPr/>
-        </p:nvPicPr>
-        <p:blipFill>
-          <a:blip r:embed="rId1"/>
-          <a:stretch>
-            <a:fillRect/>
-          </a:stretch>
-        </p:blipFill>
+      <p:sp>
+        <p:nvSpPr>
+          <p:cNvPr id="3" name="Shape 1"/>
+          <p:cNvSpPr/>
+          <p:nvPr/>
+        </p:nvSpPr>
+        <p:spPr>
+          <a:xfrm>
+            <a:off x="0" y="777240"/>
+            <a:ext cx="2286000" cy="45720"/>
+          </a:xfrm>
+          <a:prstGeom prst="rect">
+            <a:avLst/>
+          </a:prstGeom>
+          <a:solidFill>
+            <a:srgbClr val="667EEA"/>
+          </a:solidFill>
+          <a:ln/>
+        </p:spPr>
+      </p:sp>
+      <p:sp>
+        <p:nvSpPr>
+          <p:cNvPr id="4" name="Shape 2"/>
+          <p:cNvSpPr/>
+          <p:nvPr/>
+        </p:nvSpPr>
         <p:spPr>
           <a:xfrm>
             <a:off x="274320" y="137160"/>
-            <a:ext cx="914400" cy="457200"/>
-          </a:xfrm>
-          <a:prstGeom prst="rect">
-            <a:avLst/>
-          </a:prstGeom>
-        </p:spPr>
-      </p:pic>
-      <p:sp>
-        <p:nvSpPr>
-          <p:cNvPr id="4" name="Text 1"/>
-          <p:cNvSpPr/>
-          <p:nvPr/>
-        </p:nvSpPr>
-        <p:spPr>
-          <a:xfrm>
-            <a:off x="1371600" y="228600"/>
-            <a:ext cx="7315200" cy="457200"/>
+            <a:ext cx="548640" cy="548640"/>
+          </a:xfrm>
+          <a:prstGeom prst="ellipse">
+            <a:avLst/>
+          </a:prstGeom>
+          <a:solidFill>
+            <a:srgbClr val="667EEA"/>
+          </a:solidFill>
+          <a:ln/>
+        </p:spPr>
+      </p:sp>
+      <p:sp>
+        <p:nvSpPr>
+          <p:cNvPr id="5" name="Text 3"/>
+          <p:cNvSpPr/>
+          <p:nvPr/>
+        </p:nvSpPr>
+        <p:spPr>
+          <a:xfrm>
+            <a:off x="274320" y="228600"/>
+            <a:ext cx="548640" cy="365760"/>
+          </a:xfrm>
+          <a:prstGeom prst="rect">
+            <a:avLst/>
+          </a:prstGeom>
+          <a:noFill/>
+          <a:ln/>
+        </p:spPr>
+        <p:txBody>
+          <a:bodyPr wrap="square" rtlCol="0" anchor="ctr"/>
+          <a:lstStyle/>
+          <a:p>
+            <a:pPr algn="ctr" indent="0" marL="0">
+              <a:buNone/>
+            </a:pPr>
+            <a:r>
+              <a:rPr lang="en-US" sz="1600" b="1" dirty="0">
+                <a:solidFill>
+                  <a:srgbClr val="FFFFFF"/>
+                </a:solidFill>
+                <a:latin typeface="Arial" pitchFamily="34" charset="0"/>
+                <a:ea typeface="Arial" pitchFamily="34" charset="-122"/>
+                <a:cs typeface="Arial" pitchFamily="34" charset="-120"/>
+              </a:rPr>
+              <a:t>1</a:t>
+            </a:r>
+            <a:endParaRPr lang="en-US" sz="1600" dirty="0"/>
+          </a:p>
+        </p:txBody>
+      </p:sp>
+      <p:sp>
+        <p:nvSpPr>
+          <p:cNvPr id="6" name="Text 4"/>
+          <p:cNvSpPr/>
+          <p:nvPr/>
+        </p:nvSpPr>
+        <p:spPr>
+          <a:xfrm>
+            <a:off x="1005840" y="228600"/>
+            <a:ext cx="7772400" cy="457200"/>
           </a:xfrm>
           <a:prstGeom prst="rect">
             <a:avLst/>
@@ -2073,7 +3207,7 @@
                 <a:ea typeface="Arial" pitchFamily="34" charset="-122"/>
                 <a:cs typeface="Arial" pitchFamily="34" charset="-120"/>
               </a:rPr>
-              <a:t>O que é Hiperfoco?</a:t>
+              <a:t>O que é Hiperfoco</a:t>
             </a:r>
             <a:endParaRPr lang="en-US" sz="2000" dirty="0"/>
           </a:p>
@@ -2081,14 +3215,59 @@
       </p:sp>
       <p:sp>
         <p:nvSpPr>
-          <p:cNvPr id="5" name="Text 2"/>
+          <p:cNvPr id="7" name="Shape 5"/>
           <p:cNvSpPr/>
           <p:nvPr/>
         </p:nvSpPr>
         <p:spPr>
           <a:xfrm>
             <a:off x="457200" y="1097280"/>
-            <a:ext cx="1371600" cy="731520"/>
+            <a:ext cx="8229600" cy="777240"/>
+          </a:xfrm>
+          <a:prstGeom prst="roundRect">
+            <a:avLst/>
+          </a:prstGeom>
+          <a:solidFill>
+            <a:srgbClr val="2A2A4A"/>
+          </a:solidFill>
+          <a:ln w="19050">
+            <a:solidFill>
+              <a:srgbClr val="667EEA"/>
+            </a:solidFill>
+            <a:prstDash val="solid"/>
+          </a:ln>
+        </p:spPr>
+      </p:sp>
+      <p:sp>
+        <p:nvSpPr>
+          <p:cNvPr id="8" name="Shape 6"/>
+          <p:cNvSpPr/>
+          <p:nvPr/>
+        </p:nvSpPr>
+        <p:spPr>
+          <a:xfrm>
+            <a:off x="457200" y="1097280"/>
+            <a:ext cx="109728" cy="777240"/>
+          </a:xfrm>
+          <a:prstGeom prst="rect">
+            <a:avLst/>
+          </a:prstGeom>
+          <a:solidFill>
+            <a:srgbClr val="667EEA"/>
+          </a:solidFill>
+          <a:ln/>
+        </p:spPr>
+      </p:sp>
+      <p:sp>
+        <p:nvSpPr>
+          <p:cNvPr id="9" name="Text 7"/>
+          <p:cNvSpPr/>
+          <p:nvPr/>
+        </p:nvSpPr>
+        <p:spPr>
+          <a:xfrm>
+            <a:off x="685800" y="1325880"/>
+            <a:ext cx="274320" cy="320040"/>
           </a:xfrm>
           <a:prstGeom prst="rect">
             <a:avLst/>
@@ -2100,34 +3279,34 @@
           <a:bodyPr wrap="square" rtlCol="0" anchor="ctr"/>
           <a:lstStyle/>
           <a:p>
-            <a:pPr algn="ctr" indent="0" marL="0">
+            <a:pPr indent="0" marL="0">
               <a:buNone/>
             </a:pPr>
             <a:r>
-              <a:rPr lang="en-US" sz="4000" dirty="0">
+              <a:rPr lang="en-US" sz="1600" b="1" dirty="0">
                 <a:solidFill>
-                  <a:srgbClr val="000000"/>
+                  <a:srgbClr val="667EEA"/>
                 </a:solidFill>
                 <a:latin typeface="Arial" pitchFamily="34" charset="0"/>
                 <a:ea typeface="Arial" pitchFamily="34" charset="-122"/>
                 <a:cs typeface="Arial" pitchFamily="34" charset="-120"/>
               </a:rPr>
-              <a:t>🎯</a:t>
-            </a:r>
-            <a:endParaRPr lang="en-US" sz="4000" dirty="0"/>
-          </a:p>
-        </p:txBody>
-      </p:sp>
-      <p:sp>
-        <p:nvSpPr>
-          <p:cNvPr id="6" name="Text 3"/>
-          <p:cNvSpPr/>
-          <p:nvPr/>
-        </p:nvSpPr>
-        <p:spPr>
-          <a:xfrm>
-            <a:off x="1828800" y="1188720"/>
-            <a:ext cx="6858000" cy="640080"/>
+              <a:t>▸</a:t>
+            </a:r>
+            <a:endParaRPr lang="en-US" sz="1600" dirty="0"/>
+          </a:p>
+        </p:txBody>
+      </p:sp>
+      <p:sp>
+        <p:nvSpPr>
+          <p:cNvPr id="10" name="Text 8"/>
+          <p:cNvSpPr/>
+          <p:nvPr/>
+        </p:nvSpPr>
+        <p:spPr>
+          <a:xfrm>
+            <a:off x="960120" y="1325880"/>
+            <a:ext cx="7498080" cy="411480"/>
           </a:xfrm>
           <a:prstGeom prst="rect">
             <a:avLst/>
@@ -2143,7 +3322,7 @@
               <a:buNone/>
             </a:pPr>
             <a:r>
-              <a:rPr lang="en-US" sz="1600" b="1" dirty="0">
+              <a:rPr lang="en-US" sz="1400" dirty="0">
                 <a:solidFill>
                   <a:srgbClr val="FFFFFF"/>
                 </a:solidFill>
@@ -2151,16 +3330,122 @@
                 <a:ea typeface="Arial" pitchFamily="34" charset="-122"/>
                 <a:cs typeface="Arial" pitchFamily="34" charset="-120"/>
               </a:rPr>
-              <a:t>Estado de concentração tão profunda</a:t>
-            </a:r>
-            <a:endParaRPr lang="en-US" sz="1600" dirty="0"/>
-          </a:p>
+              <a:t>Definição científica do estado de foco profundo</a:t>
+            </a:r>
+            <a:endParaRPr lang="en-US" sz="1400" dirty="0"/>
+          </a:p>
+        </p:txBody>
+      </p:sp>
+      <p:sp>
+        <p:nvSpPr>
+          <p:cNvPr id="11" name="Shape 9"/>
+          <p:cNvSpPr/>
+          <p:nvPr/>
+        </p:nvSpPr>
+        <p:spPr>
+          <a:xfrm>
+            <a:off x="457200" y="2011680"/>
+            <a:ext cx="8229600" cy="777240"/>
+          </a:xfrm>
+          <a:prstGeom prst="roundRect">
+            <a:avLst/>
+          </a:prstGeom>
+          <a:solidFill>
+            <a:srgbClr val="2A2A4A"/>
+          </a:solidFill>
+          <a:ln w="19050">
+            <a:solidFill>
+              <a:srgbClr val="667EEA"/>
+            </a:solidFill>
+            <a:prstDash val="solid"/>
+          </a:ln>
+        </p:spPr>
+      </p:sp>
+      <p:sp>
+        <p:nvSpPr>
+          <p:cNvPr id="12" name="Shape 10"/>
+          <p:cNvSpPr/>
+          <p:nvPr/>
+        </p:nvSpPr>
+        <p:spPr>
+          <a:xfrm>
+            <a:off x="457200" y="2011680"/>
+            <a:ext cx="109728" cy="777240"/>
+          </a:xfrm>
+          <a:prstGeom prst="rect">
+            <a:avLst/>
+          </a:prstGeom>
+          <a:solidFill>
+            <a:srgbClr val="667EEA"/>
+          </a:solidFill>
+          <a:ln/>
+        </p:spPr>
+      </p:sp>
+      <p:sp>
+        <p:nvSpPr>
+          <p:cNvPr id="13" name="Text 11"/>
+          <p:cNvSpPr/>
+          <p:nvPr/>
+        </p:nvSpPr>
+        <p:spPr>
+          <a:xfrm>
+            <a:off x="685800" y="2240280"/>
+            <a:ext cx="274320" cy="320040"/>
+          </a:xfrm>
+          <a:prstGeom prst="rect">
+            <a:avLst/>
+          </a:prstGeom>
+          <a:noFill/>
+          <a:ln/>
+        </p:spPr>
+        <p:txBody>
+          <a:bodyPr wrap="square" rtlCol="0" anchor="ctr"/>
+          <a:lstStyle/>
           <a:p>
             <a:pPr indent="0" marL="0">
               <a:buNone/>
             </a:pPr>
             <a:r>
               <a:rPr lang="en-US" sz="1600" b="1" dirty="0">
+                <a:solidFill>
+                  <a:srgbClr val="667EEA"/>
+                </a:solidFill>
+                <a:latin typeface="Arial" pitchFamily="34" charset="0"/>
+                <a:ea typeface="Arial" pitchFamily="34" charset="-122"/>
+                <a:cs typeface="Arial" pitchFamily="34" charset="-120"/>
+              </a:rPr>
+              <a:t>▸</a:t>
+            </a:r>
+            <a:endParaRPr lang="en-US" sz="1600" dirty="0"/>
+          </a:p>
+        </p:txBody>
+      </p:sp>
+      <p:sp>
+        <p:nvSpPr>
+          <p:cNvPr id="14" name="Text 12"/>
+          <p:cNvSpPr/>
+          <p:nvPr/>
+        </p:nvSpPr>
+        <p:spPr>
+          <a:xfrm>
+            <a:off x="960120" y="2240280"/>
+            <a:ext cx="7498080" cy="411480"/>
+          </a:xfrm>
+          <a:prstGeom prst="rect">
+            <a:avLst/>
+          </a:prstGeom>
+          <a:noFill/>
+          <a:ln/>
+        </p:spPr>
+        <p:txBody>
+          <a:bodyPr wrap="square" rtlCol="0" anchor="ctr"/>
+          <a:lstStyle/>
+          <a:p>
+            <a:pPr indent="0" marL="0">
+              <a:buNone/>
+            </a:pPr>
+            <a:r>
+              <a:rPr lang="en-US" sz="1400" dirty="0">
                 <a:solidFill>
                   <a:srgbClr val="FFFFFF"/>
                 </a:solidFill>
@@ -2168,22 +3453,67 @@
                 <a:ea typeface="Arial" pitchFamily="34" charset="-122"/>
                 <a:cs typeface="Arial" pitchFamily="34" charset="-120"/>
               </a:rPr>
-              <a:t>que você perde a noção do tempo</a:t>
-            </a:r>
-            <a:endParaRPr lang="en-US" sz="1600" dirty="0"/>
-          </a:p>
-        </p:txBody>
-      </p:sp>
-      <p:sp>
-        <p:nvSpPr>
-          <p:cNvPr id="7" name="Text 4"/>
-          <p:cNvSpPr/>
-          <p:nvPr/>
-        </p:nvSpPr>
-        <p:spPr>
-          <a:xfrm>
-            <a:off x="457200" y="2103120"/>
-            <a:ext cx="8229600" cy="365760"/>
+              <a:t>A neurociência por trás do hiperfoco</a:t>
+            </a:r>
+            <a:endParaRPr lang="en-US" sz="1400" dirty="0"/>
+          </a:p>
+        </p:txBody>
+      </p:sp>
+      <p:sp>
+        <p:nvSpPr>
+          <p:cNvPr id="15" name="Shape 13"/>
+          <p:cNvSpPr/>
+          <p:nvPr/>
+        </p:nvSpPr>
+        <p:spPr>
+          <a:xfrm>
+            <a:off x="457200" y="2926080"/>
+            <a:ext cx="8229600" cy="777240"/>
+          </a:xfrm>
+          <a:prstGeom prst="roundRect">
+            <a:avLst/>
+          </a:prstGeom>
+          <a:solidFill>
+            <a:srgbClr val="2A2A4A"/>
+          </a:solidFill>
+          <a:ln w="19050">
+            <a:solidFill>
+              <a:srgbClr val="667EEA"/>
+            </a:solidFill>
+            <a:prstDash val="solid"/>
+          </a:ln>
+        </p:spPr>
+      </p:sp>
+      <p:sp>
+        <p:nvSpPr>
+          <p:cNvPr id="16" name="Shape 14"/>
+          <p:cNvSpPr/>
+          <p:nvPr/>
+        </p:nvSpPr>
+        <p:spPr>
+          <a:xfrm>
+            <a:off x="457200" y="2926080"/>
+            <a:ext cx="109728" cy="777240"/>
+          </a:xfrm>
+          <a:prstGeom prst="rect">
+            <a:avLst/>
+          </a:prstGeom>
+          <a:solidFill>
+            <a:srgbClr val="667EEA"/>
+          </a:solidFill>
+          <a:ln/>
+        </p:spPr>
+      </p:sp>
+      <p:sp>
+        <p:nvSpPr>
+          <p:cNvPr id="17" name="Text 15"/>
+          <p:cNvSpPr/>
+          <p:nvPr/>
+        </p:nvSpPr>
+        <p:spPr>
+          <a:xfrm>
+            <a:off x="685800" y="3154680"/>
+            <a:ext cx="274320" cy="320040"/>
           </a:xfrm>
           <a:prstGeom prst="rect">
             <a:avLst/>
@@ -2199,7 +3529,7 @@
               <a:buNone/>
             </a:pPr>
             <a:r>
-              <a:rPr lang="en-US" sz="1400" b="1" dirty="0">
+              <a:rPr lang="en-US" sz="1600" b="1" dirty="0">
                 <a:solidFill>
                   <a:srgbClr val="667EEA"/>
                 </a:solidFill>
@@ -2207,47 +3537,22 @@
                 <a:ea typeface="Arial" pitchFamily="34" charset="-122"/>
                 <a:cs typeface="Arial" pitchFamily="34" charset="-120"/>
               </a:rPr>
-              <a:t>O que acontece no cérebro:</a:t>
-            </a:r>
-            <a:endParaRPr lang="en-US" sz="1400" dirty="0"/>
-          </a:p>
-        </p:txBody>
-      </p:sp>
-      <p:sp>
-        <p:nvSpPr>
-          <p:cNvPr id="8" name="Shape 5"/>
-          <p:cNvSpPr/>
-          <p:nvPr/>
-        </p:nvSpPr>
-        <p:spPr>
-          <a:xfrm>
-            <a:off x="457200" y="2560320"/>
-            <a:ext cx="3840480" cy="1188720"/>
-          </a:xfrm>
-          <a:prstGeom prst="rect">
-            <a:avLst/>
-          </a:prstGeom>
-          <a:solidFill>
-            <a:srgbClr val="1E293B"/>
-          </a:solidFill>
-          <a:ln w="12700">
-            <a:solidFill>
-              <a:srgbClr val="22C55E"/>
-            </a:solidFill>
-            <a:prstDash val="solid"/>
-          </a:ln>
-        </p:spPr>
-      </p:sp>
-      <p:sp>
-        <p:nvSpPr>
-          <p:cNvPr id="9" name="Text 6"/>
-          <p:cNvSpPr/>
-          <p:nvPr/>
-        </p:nvSpPr>
-        <p:spPr>
-          <a:xfrm>
-            <a:off x="457200" y="2651760"/>
-            <a:ext cx="3840480" cy="365760"/>
+              <a:t>▸</a:t>
+            </a:r>
+            <a:endParaRPr lang="en-US" sz="1600" dirty="0"/>
+          </a:p>
+        </p:txBody>
+      </p:sp>
+      <p:sp>
+        <p:nvSpPr>
+          <p:cNvPr id="18" name="Text 16"/>
+          <p:cNvSpPr/>
+          <p:nvPr/>
+        </p:nvSpPr>
+        <p:spPr>
+          <a:xfrm>
+            <a:off x="960120" y="3154680"/>
+            <a:ext cx="7498080" cy="411480"/>
           </a:xfrm>
           <a:prstGeom prst="rect">
             <a:avLst/>
@@ -2259,312 +3564,19 @@
           <a:bodyPr wrap="square" rtlCol="0" anchor="ctr"/>
           <a:lstStyle/>
           <a:p>
-            <a:pPr algn="ctr" indent="0" marL="0">
+            <a:pPr indent="0" marL="0">
               <a:buNone/>
             </a:pPr>
             <a:r>
-              <a:rPr lang="en-US" sz="1200" b="1" dirty="0">
+              <a:rPr lang="en-US" sz="1400" dirty="0">
                 <a:solidFill>
-                  <a:srgbClr val="22C55E"/>
+                  <a:srgbClr val="FFFFFF"/>
                 </a:solidFill>
                 <a:latin typeface="Arial" pitchFamily="34" charset="0"/>
                 <a:ea typeface="Arial" pitchFamily="34" charset="-122"/>
                 <a:cs typeface="Arial" pitchFamily="34" charset="-120"/>
               </a:rPr>
-              <a:t>Córtex Pré-frontal</a:t>
-            </a:r>
-            <a:endParaRPr lang="en-US" sz="1200" dirty="0"/>
-          </a:p>
-        </p:txBody>
-      </p:sp>
-      <p:sp>
-        <p:nvSpPr>
-          <p:cNvPr id="10" name="Text 7"/>
-          <p:cNvSpPr/>
-          <p:nvPr/>
-        </p:nvSpPr>
-        <p:spPr>
-          <a:xfrm>
-            <a:off x="548640" y="3017520"/>
-            <a:ext cx="3657600" cy="640080"/>
-          </a:xfrm>
-          <a:prstGeom prst="rect">
-            <a:avLst/>
-          </a:prstGeom>
-          <a:noFill/>
-          <a:ln/>
-        </p:spPr>
-        <p:txBody>
-          <a:bodyPr wrap="square" rtlCol="0" anchor="ctr"/>
-          <a:lstStyle/>
-          <a:p>
-            <a:pPr algn="ctr" indent="0" marL="0">
-              <a:buNone/>
-            </a:pPr>
-            <a:r>
-              <a:rPr lang="en-US" sz="1100" dirty="0">
-                <a:solidFill>
-                  <a:srgbClr val="94A3B8"/>
-                </a:solidFill>
-                <a:latin typeface="Arial" pitchFamily="34" charset="0"/>
-                <a:ea typeface="Arial" pitchFamily="34" charset="-122"/>
-                <a:cs typeface="Arial" pitchFamily="34" charset="-120"/>
-              </a:rPr>
-              <a:t>Assume controle total</a:t>
-            </a:r>
-            <a:endParaRPr lang="en-US" sz="1100" dirty="0"/>
-          </a:p>
-          <a:p>
-            <a:pPr algn="ctr" indent="0" marL="0">
-              <a:buNone/>
-            </a:pPr>
-            <a:r>
-              <a:rPr lang="en-US" sz="1100" dirty="0">
-                <a:solidFill>
-                  <a:srgbClr val="94A3B8"/>
-                </a:solidFill>
-                <a:latin typeface="Arial" pitchFamily="34" charset="0"/>
-                <a:ea typeface="Arial" pitchFamily="34" charset="-122"/>
-                <a:cs typeface="Arial" pitchFamily="34" charset="-120"/>
-              </a:rPr>
-              <a:t>(foco e planejamento)</a:t>
-            </a:r>
-            <a:endParaRPr lang="en-US" sz="1100" dirty="0"/>
-          </a:p>
-        </p:txBody>
-      </p:sp>
-      <p:sp>
-        <p:nvSpPr>
-          <p:cNvPr id="11" name="Shape 8"/>
-          <p:cNvSpPr/>
-          <p:nvPr/>
-        </p:nvSpPr>
-        <p:spPr>
-          <a:xfrm>
-            <a:off x="4846320" y="2560320"/>
-            <a:ext cx="3840480" cy="1188720"/>
-          </a:xfrm>
-          <a:prstGeom prst="rect">
-            <a:avLst/>
-          </a:prstGeom>
-          <a:solidFill>
-            <a:srgbClr val="1E293B"/>
-          </a:solidFill>
-          <a:ln w="12700">
-            <a:solidFill>
-              <a:srgbClr val="DC2626"/>
-            </a:solidFill>
-            <a:prstDash val="solid"/>
-          </a:ln>
-        </p:spPr>
-      </p:sp>
-      <p:sp>
-        <p:nvSpPr>
-          <p:cNvPr id="12" name="Text 9"/>
-          <p:cNvSpPr/>
-          <p:nvPr/>
-        </p:nvSpPr>
-        <p:spPr>
-          <a:xfrm>
-            <a:off x="4846320" y="2651760"/>
-            <a:ext cx="3840480" cy="365760"/>
-          </a:xfrm>
-          <a:prstGeom prst="rect">
-            <a:avLst/>
-          </a:prstGeom>
-          <a:noFill/>
-          <a:ln/>
-        </p:spPr>
-        <p:txBody>
-          <a:bodyPr wrap="square" rtlCol="0" anchor="ctr"/>
-          <a:lstStyle/>
-          <a:p>
-            <a:pPr algn="ctr" indent="0" marL="0">
-              <a:buNone/>
-            </a:pPr>
-            <a:r>
-              <a:rPr lang="en-US" sz="1200" b="1" dirty="0">
-                <a:solidFill>
-                  <a:srgbClr val="DC2626"/>
-                </a:solidFill>
-                <a:latin typeface="Arial" pitchFamily="34" charset="0"/>
-                <a:ea typeface="Arial" pitchFamily="34" charset="-122"/>
-                <a:cs typeface="Arial" pitchFamily="34" charset="-120"/>
-              </a:rPr>
-              <a:t>Amígdala</a:t>
-            </a:r>
-            <a:endParaRPr lang="en-US" sz="1200" dirty="0"/>
-          </a:p>
-        </p:txBody>
-      </p:sp>
-      <p:sp>
-        <p:nvSpPr>
-          <p:cNvPr id="13" name="Text 10"/>
-          <p:cNvSpPr/>
-          <p:nvPr/>
-        </p:nvSpPr>
-        <p:spPr>
-          <a:xfrm>
-            <a:off x="4937760" y="3017520"/>
-            <a:ext cx="3657600" cy="640080"/>
-          </a:xfrm>
-          <a:prstGeom prst="rect">
-            <a:avLst/>
-          </a:prstGeom>
-          <a:noFill/>
-          <a:ln/>
-        </p:spPr>
-        <p:txBody>
-          <a:bodyPr wrap="square" rtlCol="0" anchor="ctr"/>
-          <a:lstStyle/>
-          <a:p>
-            <a:pPr algn="ctr" indent="0" marL="0">
-              <a:buNone/>
-            </a:pPr>
-            <a:r>
-              <a:rPr lang="en-US" sz="1100" dirty="0">
-                <a:solidFill>
-                  <a:srgbClr val="94A3B8"/>
-                </a:solidFill>
-                <a:latin typeface="Arial" pitchFamily="34" charset="0"/>
-                <a:ea typeface="Arial" pitchFamily="34" charset="-122"/>
-                <a:cs typeface="Arial" pitchFamily="34" charset="-120"/>
-              </a:rPr>
-              <a:t>Fica "silenciada"</a:t>
-            </a:r>
-            <a:endParaRPr lang="en-US" sz="1100" dirty="0"/>
-          </a:p>
-          <a:p>
-            <a:pPr algn="ctr" indent="0" marL="0">
-              <a:buNone/>
-            </a:pPr>
-            <a:r>
-              <a:rPr lang="en-US" sz="1100" dirty="0">
-                <a:solidFill>
-                  <a:srgbClr val="94A3B8"/>
-                </a:solidFill>
-                <a:latin typeface="Arial" pitchFamily="34" charset="0"/>
-                <a:ea typeface="Arial" pitchFamily="34" charset="-122"/>
-                <a:cs typeface="Arial" pitchFamily="34" charset="-120"/>
-              </a:rPr>
-              <a:t>(detecta ameaças/distrações)</a:t>
-            </a:r>
-            <a:endParaRPr lang="en-US" sz="1100" dirty="0"/>
-          </a:p>
-        </p:txBody>
-      </p:sp>
-      <p:sp>
-        <p:nvSpPr>
-          <p:cNvPr id="14" name="Text 11"/>
-          <p:cNvSpPr/>
-          <p:nvPr/>
-        </p:nvSpPr>
-        <p:spPr>
-          <a:xfrm>
-            <a:off x="457200" y="4023360"/>
-            <a:ext cx="3840480" cy="274320"/>
-          </a:xfrm>
-          <a:prstGeom prst="rect">
-            <a:avLst/>
-          </a:prstGeom>
-          <a:noFill/>
-          <a:ln/>
-        </p:spPr>
-        <p:txBody>
-          <a:bodyPr wrap="square" rtlCol="0" anchor="ctr"/>
-          <a:lstStyle/>
-          <a:p>
-            <a:pPr algn="ctr" indent="0" marL="0">
-              <a:buNone/>
-            </a:pPr>
-            <a:r>
-              <a:rPr lang="en-US" sz="1200" b="1" dirty="0">
-                <a:solidFill>
-                  <a:srgbClr val="DC2626"/>
-                </a:solidFill>
-                <a:latin typeface="Arial" pitchFamily="34" charset="0"/>
-                <a:ea typeface="Arial" pitchFamily="34" charset="-122"/>
-                <a:cs typeface="Arial" pitchFamily="34" charset="-120"/>
-              </a:rPr>
-              <a:t>Atenção Superficial</a:t>
-            </a:r>
-            <a:endParaRPr lang="en-US" sz="1200" dirty="0"/>
-          </a:p>
-        </p:txBody>
-      </p:sp>
-      <p:sp>
-        <p:nvSpPr>
-          <p:cNvPr id="15" name="Text 12"/>
-          <p:cNvSpPr/>
-          <p:nvPr/>
-        </p:nvSpPr>
-        <p:spPr>
-          <a:xfrm>
-            <a:off x="457200" y="4297680"/>
-            <a:ext cx="3840480" cy="274320"/>
-          </a:xfrm>
-          <a:prstGeom prst="rect">
-            <a:avLst/>
-          </a:prstGeom>
-          <a:noFill/>
-          <a:ln/>
-        </p:spPr>
-        <p:txBody>
-          <a:bodyPr wrap="square" rtlCol="0" anchor="ctr"/>
-          <a:lstStyle/>
-          <a:p>
-            <a:pPr algn="ctr" indent="0" marL="0">
-              <a:buNone/>
-            </a:pPr>
-            <a:r>
-              <a:rPr lang="en-US" sz="1000" dirty="0">
-                <a:solidFill>
-                  <a:srgbClr val="94A3B8"/>
-                </a:solidFill>
-                <a:latin typeface="Arial" pitchFamily="34" charset="0"/>
-                <a:ea typeface="Arial" pitchFamily="34" charset="-122"/>
-                <a:cs typeface="Arial" pitchFamily="34" charset="-120"/>
-              </a:rPr>
-              <a:t>Corpo presente, mente ausente</a:t>
-            </a:r>
-            <a:endParaRPr lang="en-US" sz="1000" dirty="0"/>
-          </a:p>
-        </p:txBody>
-      </p:sp>
-      <p:sp>
-        <p:nvSpPr>
-          <p:cNvPr id="16" name="Text 13"/>
-          <p:cNvSpPr/>
-          <p:nvPr/>
-        </p:nvSpPr>
-        <p:spPr>
-          <a:xfrm>
-            <a:off x="4114800" y="4114800"/>
-            <a:ext cx="457200" cy="365760"/>
-          </a:xfrm>
-          <a:prstGeom prst="rect">
-            <a:avLst/>
-          </a:prstGeom>
-          <a:noFill/>
-          <a:ln/>
-        </p:spPr>
-        <p:txBody>
-          <a:bodyPr wrap="square" rtlCol="0" anchor="ctr"/>
-          <a:lstStyle/>
-          <a:p>
-            <a:pPr algn="ctr" indent="0" marL="0">
-              <a:buNone/>
-            </a:pPr>
-            <a:r>
-              <a:rPr lang="en-US" sz="1400" b="1" dirty="0">
-                <a:solidFill>
-                  <a:srgbClr val="94A3B8"/>
-                </a:solidFill>
-                <a:latin typeface="Arial" pitchFamily="34" charset="0"/>
-                <a:ea typeface="Arial" pitchFamily="34" charset="-122"/>
-                <a:cs typeface="Arial" pitchFamily="34" charset="-120"/>
-              </a:rPr>
-              <a:t>VS</a:t>
+              <a:t>Diferença entre atenção superficial e atenção profunda</a:t>
             </a:r>
             <a:endParaRPr lang="en-US" sz="1400" dirty="0"/>
           </a:p>
@@ -2572,82 +3584,48 @@
       </p:sp>
       <p:sp>
         <p:nvSpPr>
-          <p:cNvPr id="17" name="Text 14"/>
-          <p:cNvSpPr/>
-          <p:nvPr/>
-        </p:nvSpPr>
-        <p:spPr>
-          <a:xfrm>
-            <a:off x="4846320" y="4023360"/>
-            <a:ext cx="3840480" cy="274320"/>
-          </a:xfrm>
-          <a:prstGeom prst="rect">
-            <a:avLst/>
-          </a:prstGeom>
-          <a:noFill/>
-          <a:ln/>
-        </p:spPr>
-        <p:txBody>
-          <a:bodyPr wrap="square" rtlCol="0" anchor="ctr"/>
-          <a:lstStyle/>
-          <a:p>
-            <a:pPr algn="ctr" indent="0" marL="0">
-              <a:buNone/>
-            </a:pPr>
-            <a:r>
-              <a:rPr lang="en-US" sz="1200" b="1" dirty="0">
-                <a:solidFill>
-                  <a:srgbClr val="22C55E"/>
-                </a:solidFill>
-                <a:latin typeface="Arial" pitchFamily="34" charset="0"/>
-                <a:ea typeface="Arial" pitchFamily="34" charset="-122"/>
-                <a:cs typeface="Arial" pitchFamily="34" charset="-120"/>
-              </a:rPr>
-              <a:t>Hiperfoco</a:t>
-            </a:r>
-            <a:endParaRPr lang="en-US" sz="1200" dirty="0"/>
-          </a:p>
-        </p:txBody>
-      </p:sp>
-      <p:sp>
-        <p:nvSpPr>
-          <p:cNvPr id="18" name="Text 15"/>
-          <p:cNvSpPr/>
-          <p:nvPr/>
-        </p:nvSpPr>
-        <p:spPr>
-          <a:xfrm>
-            <a:off x="4846320" y="4297680"/>
-            <a:ext cx="3840480" cy="274320"/>
-          </a:xfrm>
-          <a:prstGeom prst="rect">
-            <a:avLst/>
-          </a:prstGeom>
-          <a:noFill/>
-          <a:ln/>
-        </p:spPr>
-        <p:txBody>
-          <a:bodyPr wrap="square" rtlCol="0" anchor="ctr"/>
-          <a:lstStyle/>
-          <a:p>
-            <a:pPr algn="ctr" indent="0" marL="0">
-              <a:buNone/>
-            </a:pPr>
-            <a:r>
-              <a:rPr lang="en-US" sz="1000" dirty="0">
-                <a:solidFill>
-                  <a:srgbClr val="94A3B8"/>
-                </a:solidFill>
-                <a:latin typeface="Arial" pitchFamily="34" charset="0"/>
-                <a:ea typeface="Arial" pitchFamily="34" charset="-122"/>
-                <a:cs typeface="Arial" pitchFamily="34" charset="-120"/>
-              </a:rPr>
-              <a:t>Atenção total, sem divisão</a:t>
-            </a:r>
-            <a:endParaRPr lang="en-US" sz="1000" dirty="0"/>
-          </a:p>
-        </p:txBody>
-      </p:sp>
+          <p:cNvPr id="19" name="Shape 17"/>
+          <p:cNvSpPr/>
+          <p:nvPr/>
+        </p:nvSpPr>
+        <p:spPr>
+          <a:xfrm>
+            <a:off x="8686800" y="4114800"/>
+            <a:ext cx="457200" cy="457200"/>
+          </a:xfrm>
+          <a:prstGeom prst="rect">
+            <a:avLst/>
+          </a:prstGeom>
+          <a:solidFill>
+            <a:srgbClr val="667EEA"/>
+          </a:solidFill>
+          <a:ln/>
+        </p:spPr>
+      </p:sp>
+      <p:pic>
+        <p:nvPicPr>
+          <p:cNvPr id="21" name="Image 0" descr="preencoded.png">    </p:cNvPr>
+          <p:cNvPicPr>
+            <a:picLocks noChangeAspect="1"/>
+          </p:cNvPicPr>
+          <p:nvPr/>
+        </p:nvPicPr>
+        <p:blipFill>
+          <a:blip r:embed="rId1"/>
+          <a:stretch>
+            <a:fillRect/>
+          </a:stretch>
+        </p:blipFill>
+        <p:spPr>
+          <a:xfrm>
+            <a:off x="7498080" y="4389120"/>
+            <a:ext cx="1371600" cy="548640"/>
+          </a:xfrm>
+          <a:prstGeom prst="rect">
+            <a:avLst/>
+          </a:prstGeom>
+        </p:spPr>
+      </p:pic>
     </p:spTree>
   </p:cSld>
   <p:clrMapOvr>
@@ -2689,7 +3667,7 @@
         <p:spPr>
           <a:xfrm>
             <a:off x="0" y="0"/>
-            <a:ext cx="9144000" cy="914400"/>
+            <a:ext cx="9144000" cy="822960"/>
           </a:xfrm>
           <a:prstGeom prst="rect">
             <a:avLst/>
@@ -2700,40 +3678,95 @@
           <a:ln/>
         </p:spPr>
       </p:sp>
-      <p:pic>
-        <p:nvPicPr>
-          <p:cNvPr id="3" name="Image 0" descr="preencoded.png">    </p:cNvPr>
-          <p:cNvPicPr>
-            <a:picLocks noChangeAspect="1"/>
-          </p:cNvPicPr>
-          <p:nvPr/>
-        </p:nvPicPr>
-        <p:blipFill>
-          <a:blip r:embed="rId1"/>
-          <a:stretch>
-            <a:fillRect/>
-          </a:stretch>
-        </p:blipFill>
+      <p:sp>
+        <p:nvSpPr>
+          <p:cNvPr id="3" name="Shape 1"/>
+          <p:cNvSpPr/>
+          <p:nvPr/>
+        </p:nvSpPr>
+        <p:spPr>
+          <a:xfrm>
+            <a:off x="0" y="777240"/>
+            <a:ext cx="4572000" cy="45720"/>
+          </a:xfrm>
+          <a:prstGeom prst="rect">
+            <a:avLst/>
+          </a:prstGeom>
+          <a:solidFill>
+            <a:srgbClr val="22C55E"/>
+          </a:solidFill>
+          <a:ln/>
+        </p:spPr>
+      </p:sp>
+      <p:sp>
+        <p:nvSpPr>
+          <p:cNvPr id="4" name="Shape 2"/>
+          <p:cNvSpPr/>
+          <p:nvPr/>
+        </p:nvSpPr>
         <p:spPr>
           <a:xfrm>
             <a:off x="274320" y="137160"/>
-            <a:ext cx="914400" cy="457200"/>
-          </a:xfrm>
-          <a:prstGeom prst="rect">
-            <a:avLst/>
-          </a:prstGeom>
-        </p:spPr>
-      </p:pic>
-      <p:sp>
-        <p:nvSpPr>
-          <p:cNvPr id="4" name="Text 1"/>
-          <p:cNvSpPr/>
-          <p:nvPr/>
-        </p:nvSpPr>
-        <p:spPr>
-          <a:xfrm>
-            <a:off x="1371600" y="228600"/>
-            <a:ext cx="7315200" cy="457200"/>
+            <a:ext cx="548640" cy="548640"/>
+          </a:xfrm>
+          <a:prstGeom prst="ellipse">
+            <a:avLst/>
+          </a:prstGeom>
+          <a:solidFill>
+            <a:srgbClr val="22C55E"/>
+          </a:solidFill>
+          <a:ln/>
+        </p:spPr>
+      </p:sp>
+      <p:sp>
+        <p:nvSpPr>
+          <p:cNvPr id="5" name="Text 3"/>
+          <p:cNvSpPr/>
+          <p:nvPr/>
+        </p:nvSpPr>
+        <p:spPr>
+          <a:xfrm>
+            <a:off x="274320" y="228600"/>
+            <a:ext cx="548640" cy="365760"/>
+          </a:xfrm>
+          <a:prstGeom prst="rect">
+            <a:avLst/>
+          </a:prstGeom>
+          <a:noFill/>
+          <a:ln/>
+        </p:spPr>
+        <p:txBody>
+          <a:bodyPr wrap="square" rtlCol="0" anchor="ctr"/>
+          <a:lstStyle/>
+          <a:p>
+            <a:pPr algn="ctr" indent="0" marL="0">
+              <a:buNone/>
+            </a:pPr>
+            <a:r>
+              <a:rPr lang="en-US" sz="1600" b="1" dirty="0">
+                <a:solidFill>
+                  <a:srgbClr val="FFFFFF"/>
+                </a:solidFill>
+                <a:latin typeface="Arial" pitchFamily="34" charset="0"/>
+                <a:ea typeface="Arial" pitchFamily="34" charset="-122"/>
+                <a:cs typeface="Arial" pitchFamily="34" charset="-120"/>
+              </a:rPr>
+              <a:t>2</a:t>
+            </a:r>
+            <a:endParaRPr lang="en-US" sz="1600" dirty="0"/>
+          </a:p>
+        </p:txBody>
+      </p:sp>
+      <p:sp>
+        <p:nvSpPr>
+          <p:cNvPr id="6" name="Text 4"/>
+          <p:cNvSpPr/>
+          <p:nvPr/>
+        </p:nvSpPr>
+        <p:spPr>
+          <a:xfrm>
+            <a:off x="1005840" y="228600"/>
+            <a:ext cx="7772400" cy="457200"/>
           </a:xfrm>
           <a:prstGeom prst="rect">
             <a:avLst/>
@@ -2757,7 +3790,7 @@
                 <a:ea typeface="Arial" pitchFamily="34" charset="-122"/>
                 <a:cs typeface="Arial" pitchFamily="34" charset="-120"/>
               </a:rPr>
-              <a:t>A Equação da Hiperprodutividade</a:t>
+              <a:t>O que é Hiperprodutividade</a:t>
             </a:r>
             <a:endParaRPr lang="en-US" sz="2000" dirty="0"/>
           </a:p>
@@ -2765,34 +3798,59 @@
       </p:sp>
       <p:sp>
         <p:nvSpPr>
-          <p:cNvPr id="5" name="Shape 2"/>
-          <p:cNvSpPr/>
-          <p:nvPr/>
-        </p:nvSpPr>
-        <p:spPr>
-          <a:xfrm>
-            <a:off x="914400" y="1188720"/>
-            <a:ext cx="6858000" cy="1097280"/>
-          </a:xfrm>
-          <a:prstGeom prst="rect">
-            <a:avLst/>
-          </a:prstGeom>
-          <a:solidFill>
-            <a:srgbClr val="667EEA"/>
-          </a:solidFill>
-          <a:ln/>
-        </p:spPr>
-      </p:sp>
-      <p:sp>
-        <p:nvSpPr>
-          <p:cNvPr id="6" name="Text 3"/>
-          <p:cNvSpPr/>
-          <p:nvPr/>
-        </p:nvSpPr>
-        <p:spPr>
-          <a:xfrm>
-            <a:off x="914400" y="1371600"/>
-            <a:ext cx="6858000" cy="731520"/>
+          <p:cNvPr id="7" name="Shape 5"/>
+          <p:cNvSpPr/>
+          <p:nvPr/>
+        </p:nvSpPr>
+        <p:spPr>
+          <a:xfrm>
+            <a:off x="457200" y="1097280"/>
+            <a:ext cx="8229600" cy="777240"/>
+          </a:xfrm>
+          <a:prstGeom prst="roundRect">
+            <a:avLst/>
+          </a:prstGeom>
+          <a:solidFill>
+            <a:srgbClr val="2A2A4A"/>
+          </a:solidFill>
+          <a:ln w="19050">
+            <a:solidFill>
+              <a:srgbClr val="22C55E"/>
+            </a:solidFill>
+            <a:prstDash val="solid"/>
+          </a:ln>
+        </p:spPr>
+      </p:sp>
+      <p:sp>
+        <p:nvSpPr>
+          <p:cNvPr id="8" name="Shape 6"/>
+          <p:cNvSpPr/>
+          <p:nvPr/>
+        </p:nvSpPr>
+        <p:spPr>
+          <a:xfrm>
+            <a:off x="457200" y="1097280"/>
+            <a:ext cx="109728" cy="777240"/>
+          </a:xfrm>
+          <a:prstGeom prst="rect">
+            <a:avLst/>
+          </a:prstGeom>
+          <a:solidFill>
+            <a:srgbClr val="22C55E"/>
+          </a:solidFill>
+          <a:ln/>
+        </p:spPr>
+      </p:sp>
+      <p:sp>
+        <p:nvSpPr>
+          <p:cNvPr id="9" name="Text 7"/>
+          <p:cNvSpPr/>
+          <p:nvPr/>
+        </p:nvSpPr>
+        <p:spPr>
+          <a:xfrm>
+            <a:off x="685800" y="1325880"/>
+            <a:ext cx="274320" cy="320040"/>
           </a:xfrm>
           <a:prstGeom prst="rect">
             <a:avLst/>
@@ -2804,11 +3862,50 @@
           <a:bodyPr wrap="square" rtlCol="0" anchor="ctr"/>
           <a:lstStyle/>
           <a:p>
-            <a:pPr algn="ctr" indent="0" marL="0">
+            <a:pPr indent="0" marL="0">
               <a:buNone/>
             </a:pPr>
             <a:r>
-              <a:rPr lang="en-US" sz="2000" b="1" dirty="0">
+              <a:rPr lang="en-US" sz="1600" b="1" dirty="0">
+                <a:solidFill>
+                  <a:srgbClr val="22C55E"/>
+                </a:solidFill>
+                <a:latin typeface="Arial" pitchFamily="34" charset="0"/>
+                <a:ea typeface="Arial" pitchFamily="34" charset="-122"/>
+                <a:cs typeface="Arial" pitchFamily="34" charset="-120"/>
+              </a:rPr>
+              <a:t>▸</a:t>
+            </a:r>
+            <a:endParaRPr lang="en-US" sz="1600" dirty="0"/>
+          </a:p>
+        </p:txBody>
+      </p:sp>
+      <p:sp>
+        <p:nvSpPr>
+          <p:cNvPr id="10" name="Text 8"/>
+          <p:cNvSpPr/>
+          <p:nvPr/>
+        </p:nvSpPr>
+        <p:spPr>
+          <a:xfrm>
+            <a:off x="960120" y="1325880"/>
+            <a:ext cx="7498080" cy="411480"/>
+          </a:xfrm>
+          <a:prstGeom prst="rect">
+            <a:avLst/>
+          </a:prstGeom>
+          <a:noFill/>
+          <a:ln/>
+        </p:spPr>
+        <p:txBody>
+          <a:bodyPr wrap="square" rtlCol="0" anchor="ctr"/>
+          <a:lstStyle/>
+          <a:p>
+            <a:pPr indent="0" marL="0">
+              <a:buNone/>
+            </a:pPr>
+            <a:r>
+              <a:rPr lang="en-US" sz="1400" dirty="0">
                 <a:solidFill>
                   <a:srgbClr val="FFFFFF"/>
                 </a:solidFill>
@@ -2816,32 +3913,32 @@
                 <a:ea typeface="Arial" pitchFamily="34" charset="-122"/>
                 <a:cs typeface="Arial" pitchFamily="34" charset="-120"/>
               </a:rPr>
-              <a:t>Resultado = Tempo × Intensidade × Estratégia</a:t>
-            </a:r>
-            <a:endParaRPr lang="en-US" sz="2000" dirty="0"/>
-          </a:p>
-        </p:txBody>
-      </p:sp>
-      <p:sp>
-        <p:nvSpPr>
-          <p:cNvPr id="7" name="Shape 4"/>
-          <p:cNvSpPr/>
-          <p:nvPr/>
-        </p:nvSpPr>
-        <p:spPr>
-          <a:xfrm>
-            <a:off x="457200" y="2560320"/>
-            <a:ext cx="2743200" cy="1645920"/>
-          </a:xfrm>
-          <a:prstGeom prst="rect">
-            <a:avLst/>
-          </a:prstGeom>
-          <a:solidFill>
-            <a:srgbClr val="1E293B"/>
-          </a:solidFill>
-          <a:ln w="12700">
+              <a:t>Produtividade vs. ocupação</a:t>
+            </a:r>
+            <a:endParaRPr lang="en-US" sz="1400" dirty="0"/>
+          </a:p>
+        </p:txBody>
+      </p:sp>
+      <p:sp>
+        <p:nvSpPr>
+          <p:cNvPr id="11" name="Shape 9"/>
+          <p:cNvSpPr/>
+          <p:nvPr/>
+        </p:nvSpPr>
+        <p:spPr>
+          <a:xfrm>
+            <a:off x="457200" y="2011680"/>
+            <a:ext cx="8229600" cy="777240"/>
+          </a:xfrm>
+          <a:prstGeom prst="roundRect">
+            <a:avLst/>
+          </a:prstGeom>
+          <a:solidFill>
+            <a:srgbClr val="2A2A4A"/>
+          </a:solidFill>
+          <a:ln w="19050">
             <a:solidFill>
-              <a:srgbClr val="3B82F6"/>
+              <a:srgbClr val="22C55E"/>
             </a:solidFill>
             <a:prstDash val="solid"/>
           </a:ln>
@@ -2849,34 +3946,34 @@
       </p:sp>
       <p:sp>
         <p:nvSpPr>
-          <p:cNvPr id="8" name="Shape 5"/>
-          <p:cNvSpPr/>
-          <p:nvPr/>
-        </p:nvSpPr>
-        <p:spPr>
-          <a:xfrm>
-            <a:off x="1463040" y="2743200"/>
-            <a:ext cx="731520" cy="731520"/>
-          </a:xfrm>
-          <a:prstGeom prst="ellipse">
-            <a:avLst/>
-          </a:prstGeom>
-          <a:solidFill>
-            <a:srgbClr val="3B82F6"/>
-          </a:solidFill>
-          <a:ln/>
-        </p:spPr>
-      </p:sp>
-      <p:sp>
-        <p:nvSpPr>
-          <p:cNvPr id="9" name="Text 6"/>
-          <p:cNvSpPr/>
-          <p:nvPr/>
-        </p:nvSpPr>
-        <p:spPr>
-          <a:xfrm>
-            <a:off x="1463040" y="2880360"/>
-            <a:ext cx="731520" cy="457200"/>
+          <p:cNvPr id="12" name="Shape 10"/>
+          <p:cNvSpPr/>
+          <p:nvPr/>
+        </p:nvSpPr>
+        <p:spPr>
+          <a:xfrm>
+            <a:off x="457200" y="2011680"/>
+            <a:ext cx="109728" cy="777240"/>
+          </a:xfrm>
+          <a:prstGeom prst="rect">
+            <a:avLst/>
+          </a:prstGeom>
+          <a:solidFill>
+            <a:srgbClr val="22C55E"/>
+          </a:solidFill>
+          <a:ln/>
+        </p:spPr>
+      </p:sp>
+      <p:sp>
+        <p:nvSpPr>
+          <p:cNvPr id="13" name="Text 11"/>
+          <p:cNvSpPr/>
+          <p:nvPr/>
+        </p:nvSpPr>
+        <p:spPr>
+          <a:xfrm>
+            <a:off x="685800" y="2240280"/>
+            <a:ext cx="274320" cy="320040"/>
           </a:xfrm>
           <a:prstGeom prst="rect">
             <a:avLst/>
@@ -2888,11 +3985,50 @@
           <a:bodyPr wrap="square" rtlCol="0" anchor="ctr"/>
           <a:lstStyle/>
           <a:p>
-            <a:pPr algn="ctr" indent="0" marL="0">
+            <a:pPr indent="0" marL="0">
               <a:buNone/>
             </a:pPr>
             <a:r>
-              <a:rPr lang="en-US" sz="2000" b="1" dirty="0">
+              <a:rPr lang="en-US" sz="1600" b="1" dirty="0">
+                <a:solidFill>
+                  <a:srgbClr val="22C55E"/>
+                </a:solidFill>
+                <a:latin typeface="Arial" pitchFamily="34" charset="0"/>
+                <a:ea typeface="Arial" pitchFamily="34" charset="-122"/>
+                <a:cs typeface="Arial" pitchFamily="34" charset="-120"/>
+              </a:rPr>
+              <a:t>▸</a:t>
+            </a:r>
+            <a:endParaRPr lang="en-US" sz="1600" dirty="0"/>
+          </a:p>
+        </p:txBody>
+      </p:sp>
+      <p:sp>
+        <p:nvSpPr>
+          <p:cNvPr id="14" name="Text 12"/>
+          <p:cNvSpPr/>
+          <p:nvPr/>
+        </p:nvSpPr>
+        <p:spPr>
+          <a:xfrm>
+            <a:off x="960120" y="2240280"/>
+            <a:ext cx="7498080" cy="411480"/>
+          </a:xfrm>
+          <a:prstGeom prst="rect">
+            <a:avLst/>
+          </a:prstGeom>
+          <a:noFill/>
+          <a:ln/>
+        </p:spPr>
+        <p:txBody>
+          <a:bodyPr wrap="square" rtlCol="0" anchor="ctr"/>
+          <a:lstStyle/>
+          <a:p>
+            <a:pPr indent="0" marL="0">
+              <a:buNone/>
+            </a:pPr>
+            <a:r>
+              <a:rPr lang="en-US" sz="1400" dirty="0">
                 <a:solidFill>
                   <a:srgbClr val="FFFFFF"/>
                 </a:solidFill>
@@ -2900,22 +4036,67 @@
                 <a:ea typeface="Arial" pitchFamily="34" charset="-122"/>
                 <a:cs typeface="Arial" pitchFamily="34" charset="-120"/>
               </a:rPr>
-              <a:t>T</a:t>
-            </a:r>
-            <a:endParaRPr lang="en-US" sz="2000" dirty="0"/>
-          </a:p>
-        </p:txBody>
-      </p:sp>
-      <p:sp>
-        <p:nvSpPr>
-          <p:cNvPr id="10" name="Text 7"/>
-          <p:cNvSpPr/>
-          <p:nvPr/>
-        </p:nvSpPr>
-        <p:spPr>
-          <a:xfrm>
-            <a:off x="457200" y="3566160"/>
-            <a:ext cx="2743200" cy="320040"/>
+              <a:t>A equação da hiperprodutividade</a:t>
+            </a:r>
+            <a:endParaRPr lang="en-US" sz="1400" dirty="0"/>
+          </a:p>
+        </p:txBody>
+      </p:sp>
+      <p:sp>
+        <p:nvSpPr>
+          <p:cNvPr id="15" name="Shape 13"/>
+          <p:cNvSpPr/>
+          <p:nvPr/>
+        </p:nvSpPr>
+        <p:spPr>
+          <a:xfrm>
+            <a:off x="457200" y="2926080"/>
+            <a:ext cx="8229600" cy="777240"/>
+          </a:xfrm>
+          <a:prstGeom prst="roundRect">
+            <a:avLst/>
+          </a:prstGeom>
+          <a:solidFill>
+            <a:srgbClr val="2A2A4A"/>
+          </a:solidFill>
+          <a:ln w="19050">
+            <a:solidFill>
+              <a:srgbClr val="22C55E"/>
+            </a:solidFill>
+            <a:prstDash val="solid"/>
+          </a:ln>
+        </p:spPr>
+      </p:sp>
+      <p:sp>
+        <p:nvSpPr>
+          <p:cNvPr id="16" name="Shape 14"/>
+          <p:cNvSpPr/>
+          <p:nvPr/>
+        </p:nvSpPr>
+        <p:spPr>
+          <a:xfrm>
+            <a:off x="457200" y="2926080"/>
+            <a:ext cx="109728" cy="777240"/>
+          </a:xfrm>
+          <a:prstGeom prst="rect">
+            <a:avLst/>
+          </a:prstGeom>
+          <a:solidFill>
+            <a:srgbClr val="22C55E"/>
+          </a:solidFill>
+          <a:ln/>
+        </p:spPr>
+      </p:sp>
+      <p:sp>
+        <p:nvSpPr>
+          <p:cNvPr id="17" name="Text 15"/>
+          <p:cNvSpPr/>
+          <p:nvPr/>
+        </p:nvSpPr>
+        <p:spPr>
+          <a:xfrm>
+            <a:off x="685800" y="3154680"/>
+            <a:ext cx="274320" cy="320040"/>
           </a:xfrm>
           <a:prstGeom prst="rect">
             <a:avLst/>
@@ -2927,34 +4108,34 @@
           <a:bodyPr wrap="square" rtlCol="0" anchor="ctr"/>
           <a:lstStyle/>
           <a:p>
-            <a:pPr algn="ctr" indent="0" marL="0">
+            <a:pPr indent="0" marL="0">
               <a:buNone/>
             </a:pPr>
             <a:r>
-              <a:rPr lang="en-US" sz="1100" b="1" dirty="0">
+              <a:rPr lang="en-US" sz="1600" b="1" dirty="0">
                 <a:solidFill>
-                  <a:srgbClr val="3B82F6"/>
+                  <a:srgbClr val="22C55E"/>
                 </a:solidFill>
                 <a:latin typeface="Arial" pitchFamily="34" charset="0"/>
                 <a:ea typeface="Arial" pitchFamily="34" charset="-122"/>
                 <a:cs typeface="Arial" pitchFamily="34" charset="-120"/>
               </a:rPr>
-              <a:t>TEMPO</a:t>
-            </a:r>
-            <a:endParaRPr lang="en-US" sz="1100" dirty="0"/>
-          </a:p>
-        </p:txBody>
-      </p:sp>
-      <p:sp>
-        <p:nvSpPr>
-          <p:cNvPr id="11" name="Text 8"/>
-          <p:cNvSpPr/>
-          <p:nvPr/>
-        </p:nvSpPr>
-        <p:spPr>
-          <a:xfrm>
-            <a:off x="548640" y="3886200"/>
-            <a:ext cx="2560320" cy="320040"/>
+              <a:t>▸</a:t>
+            </a:r>
+            <a:endParaRPr lang="en-US" sz="1600" dirty="0"/>
+          </a:p>
+        </p:txBody>
+      </p:sp>
+      <p:sp>
+        <p:nvSpPr>
+          <p:cNvPr id="18" name="Text 16"/>
+          <p:cNvSpPr/>
+          <p:nvPr/>
+        </p:nvSpPr>
+        <p:spPr>
+          <a:xfrm>
+            <a:off x="960120" y="3154680"/>
+            <a:ext cx="7498080" cy="411480"/>
           </a:xfrm>
           <a:prstGeom prst="rect">
             <a:avLst/>
@@ -2966,95 +4147,11 @@
           <a:bodyPr wrap="square" rtlCol="0" anchor="ctr"/>
           <a:lstStyle/>
           <a:p>
-            <a:pPr algn="ctr" indent="0" marL="0">
+            <a:pPr indent="0" marL="0">
               <a:buNone/>
             </a:pPr>
             <a:r>
-              <a:rPr lang="en-US" sz="900" dirty="0">
-                <a:solidFill>
-                  <a:srgbClr val="94A3B8"/>
-                </a:solidFill>
-                <a:latin typeface="Arial" pitchFamily="34" charset="0"/>
-                <a:ea typeface="Arial" pitchFamily="34" charset="-122"/>
-                <a:cs typeface="Arial" pitchFamily="34" charset="-120"/>
-              </a:rPr>
-              <a:t>Quantas horas você dedica</a:t>
-            </a:r>
-            <a:endParaRPr lang="en-US" sz="900" dirty="0"/>
-          </a:p>
-        </p:txBody>
-      </p:sp>
-      <p:sp>
-        <p:nvSpPr>
-          <p:cNvPr id="12" name="Shape 9"/>
-          <p:cNvSpPr/>
-          <p:nvPr/>
-        </p:nvSpPr>
-        <p:spPr>
-          <a:xfrm>
-            <a:off x="3337560" y="2560320"/>
-            <a:ext cx="2743200" cy="1645920"/>
-          </a:xfrm>
-          <a:prstGeom prst="rect">
-            <a:avLst/>
-          </a:prstGeom>
-          <a:solidFill>
-            <a:srgbClr val="1E293B"/>
-          </a:solidFill>
-          <a:ln w="12700">
-            <a:solidFill>
-              <a:srgbClr val="F59E0B"/>
-            </a:solidFill>
-            <a:prstDash val="solid"/>
-          </a:ln>
-        </p:spPr>
-      </p:sp>
-      <p:sp>
-        <p:nvSpPr>
-          <p:cNvPr id="13" name="Shape 10"/>
-          <p:cNvSpPr/>
-          <p:nvPr/>
-        </p:nvSpPr>
-        <p:spPr>
-          <a:xfrm>
-            <a:off x="4343400" y="2743200"/>
-            <a:ext cx="731520" cy="731520"/>
-          </a:xfrm>
-          <a:prstGeom prst="ellipse">
-            <a:avLst/>
-          </a:prstGeom>
-          <a:solidFill>
-            <a:srgbClr val="F59E0B"/>
-          </a:solidFill>
-          <a:ln/>
-        </p:spPr>
-      </p:sp>
-      <p:sp>
-        <p:nvSpPr>
-          <p:cNvPr id="14" name="Text 11"/>
-          <p:cNvSpPr/>
-          <p:nvPr/>
-        </p:nvSpPr>
-        <p:spPr>
-          <a:xfrm>
-            <a:off x="4343400" y="2880360"/>
-            <a:ext cx="731520" cy="457200"/>
-          </a:xfrm>
-          <a:prstGeom prst="rect">
-            <a:avLst/>
-          </a:prstGeom>
-          <a:noFill/>
-          <a:ln/>
-        </p:spPr>
-        <p:txBody>
-          <a:bodyPr wrap="square" rtlCol="0" anchor="ctr"/>
-          <a:lstStyle/>
-          <a:p>
-            <a:pPr algn="ctr" indent="0" marL="0">
-              <a:buNone/>
-            </a:pPr>
-            <a:r>
-              <a:rPr lang="en-US" sz="2000" b="1" dirty="0">
+              <a:rPr lang="en-US" sz="1400" dirty="0">
                 <a:solidFill>
                   <a:srgbClr val="FFFFFF"/>
                 </a:solidFill>
@@ -3062,127 +4159,24 @@
                 <a:ea typeface="Arial" pitchFamily="34" charset="-122"/>
                 <a:cs typeface="Arial" pitchFamily="34" charset="-120"/>
               </a:rPr>
-              <a:t>I</a:t>
-            </a:r>
-            <a:endParaRPr lang="en-US" sz="2000" dirty="0"/>
-          </a:p>
-        </p:txBody>
-      </p:sp>
-      <p:sp>
-        <p:nvSpPr>
-          <p:cNvPr id="15" name="Text 12"/>
-          <p:cNvSpPr/>
-          <p:nvPr/>
-        </p:nvSpPr>
-        <p:spPr>
-          <a:xfrm>
-            <a:off x="3337560" y="3566160"/>
-            <a:ext cx="2743200" cy="320040"/>
-          </a:xfrm>
-          <a:prstGeom prst="rect">
-            <a:avLst/>
-          </a:prstGeom>
-          <a:noFill/>
-          <a:ln/>
-        </p:spPr>
-        <p:txBody>
-          <a:bodyPr wrap="square" rtlCol="0" anchor="ctr"/>
-          <a:lstStyle/>
-          <a:p>
-            <a:pPr algn="ctr" indent="0" marL="0">
-              <a:buNone/>
-            </a:pPr>
-            <a:r>
-              <a:rPr lang="en-US" sz="1100" b="1" dirty="0">
-                <a:solidFill>
-                  <a:srgbClr val="F59E0B"/>
-                </a:solidFill>
-                <a:latin typeface="Arial" pitchFamily="34" charset="0"/>
-                <a:ea typeface="Arial" pitchFamily="34" charset="-122"/>
-                <a:cs typeface="Arial" pitchFamily="34" charset="-120"/>
-              </a:rPr>
-              <a:t>INTENSIDADE</a:t>
-            </a:r>
-            <a:endParaRPr lang="en-US" sz="1100" dirty="0"/>
-          </a:p>
-        </p:txBody>
-      </p:sp>
-      <p:sp>
-        <p:nvSpPr>
-          <p:cNvPr id="16" name="Text 13"/>
-          <p:cNvSpPr/>
-          <p:nvPr/>
-        </p:nvSpPr>
-        <p:spPr>
-          <a:xfrm>
-            <a:off x="3429000" y="3886200"/>
-            <a:ext cx="2560320" cy="320040"/>
-          </a:xfrm>
-          <a:prstGeom prst="rect">
-            <a:avLst/>
-          </a:prstGeom>
-          <a:noFill/>
-          <a:ln/>
-        </p:spPr>
-        <p:txBody>
-          <a:bodyPr wrap="square" rtlCol="0" anchor="ctr"/>
-          <a:lstStyle/>
-          <a:p>
-            <a:pPr algn="ctr" indent="0" marL="0">
-              <a:buNone/>
-            </a:pPr>
-            <a:r>
-              <a:rPr lang="en-US" sz="900" dirty="0">
-                <a:solidFill>
-                  <a:srgbClr val="94A3B8"/>
-                </a:solidFill>
-                <a:latin typeface="Arial" pitchFamily="34" charset="0"/>
-                <a:ea typeface="Arial" pitchFamily="34" charset="-122"/>
-                <a:cs typeface="Arial" pitchFamily="34" charset="-120"/>
-              </a:rPr>
-              <a:t>Seu nível de foco (hiperfoco!)</a:t>
-            </a:r>
-            <a:endParaRPr lang="en-US" sz="900" dirty="0"/>
-          </a:p>
-        </p:txBody>
-      </p:sp>
-      <p:sp>
-        <p:nvSpPr>
-          <p:cNvPr id="17" name="Shape 14"/>
-          <p:cNvSpPr/>
-          <p:nvPr/>
-        </p:nvSpPr>
-        <p:spPr>
-          <a:xfrm>
-            <a:off x="6217920" y="2560320"/>
-            <a:ext cx="2743200" cy="1645920"/>
-          </a:xfrm>
-          <a:prstGeom prst="rect">
-            <a:avLst/>
-          </a:prstGeom>
-          <a:solidFill>
-            <a:srgbClr val="1E293B"/>
-          </a:solidFill>
-          <a:ln w="12700">
-            <a:solidFill>
-              <a:srgbClr val="22C55E"/>
-            </a:solidFill>
-            <a:prstDash val="solid"/>
-          </a:ln>
-        </p:spPr>
-      </p:sp>
-      <p:sp>
-        <p:nvSpPr>
-          <p:cNvPr id="18" name="Shape 15"/>
-          <p:cNvSpPr/>
-          <p:nvPr/>
-        </p:nvSpPr>
-        <p:spPr>
-          <a:xfrm>
-            <a:off x="7223760" y="2743200"/>
-            <a:ext cx="731520" cy="731520"/>
-          </a:xfrm>
-          <a:prstGeom prst="ellipse">
+              <a:t>Qualidade vs. quantidade no estudo</a:t>
+            </a:r>
+            <a:endParaRPr lang="en-US" sz="1400" dirty="0"/>
+          </a:p>
+        </p:txBody>
+      </p:sp>
+      <p:sp>
+        <p:nvSpPr>
+          <p:cNvPr id="19" name="Shape 17"/>
+          <p:cNvSpPr/>
+          <p:nvPr/>
+        </p:nvSpPr>
+        <p:spPr>
+          <a:xfrm>
+            <a:off x="8686800" y="4114800"/>
+            <a:ext cx="457200" cy="457200"/>
+          </a:xfrm>
+          <a:prstGeom prst="rect">
             <a:avLst/>
           </a:prstGeom>
           <a:solidFill>
@@ -3191,182 +4185,30 @@
           <a:ln/>
         </p:spPr>
       </p:sp>
-      <p:sp>
-        <p:nvSpPr>
-          <p:cNvPr id="19" name="Text 16"/>
-          <p:cNvSpPr/>
-          <p:nvPr/>
-        </p:nvSpPr>
-        <p:spPr>
-          <a:xfrm>
-            <a:off x="7223760" y="2880360"/>
-            <a:ext cx="731520" cy="457200"/>
-          </a:xfrm>
-          <a:prstGeom prst="rect">
-            <a:avLst/>
-          </a:prstGeom>
-          <a:noFill/>
-          <a:ln/>
-        </p:spPr>
-        <p:txBody>
-          <a:bodyPr wrap="square" rtlCol="0" anchor="ctr"/>
-          <a:lstStyle/>
-          <a:p>
-            <a:pPr algn="ctr" indent="0" marL="0">
-              <a:buNone/>
-            </a:pPr>
-            <a:r>
-              <a:rPr lang="en-US" sz="2000" b="1" dirty="0">
-                <a:solidFill>
-                  <a:srgbClr val="FFFFFF"/>
-                </a:solidFill>
-                <a:latin typeface="Arial" pitchFamily="34" charset="0"/>
-                <a:ea typeface="Arial" pitchFamily="34" charset="-122"/>
-                <a:cs typeface="Arial" pitchFamily="34" charset="-120"/>
-              </a:rPr>
-              <a:t>E</a:t>
-            </a:r>
-            <a:endParaRPr lang="en-US" sz="2000" dirty="0"/>
-          </a:p>
-        </p:txBody>
-      </p:sp>
-      <p:sp>
-        <p:nvSpPr>
-          <p:cNvPr id="20" name="Text 17"/>
-          <p:cNvSpPr/>
-          <p:nvPr/>
-        </p:nvSpPr>
-        <p:spPr>
-          <a:xfrm>
-            <a:off x="6217920" y="3566160"/>
-            <a:ext cx="2743200" cy="320040"/>
-          </a:xfrm>
-          <a:prstGeom prst="rect">
-            <a:avLst/>
-          </a:prstGeom>
-          <a:noFill/>
-          <a:ln/>
-        </p:spPr>
-        <p:txBody>
-          <a:bodyPr wrap="square" rtlCol="0" anchor="ctr"/>
-          <a:lstStyle/>
-          <a:p>
-            <a:pPr algn="ctr" indent="0" marL="0">
-              <a:buNone/>
-            </a:pPr>
-            <a:r>
-              <a:rPr lang="en-US" sz="1100" b="1" dirty="0">
-                <a:solidFill>
-                  <a:srgbClr val="22C55E"/>
-                </a:solidFill>
-                <a:latin typeface="Arial" pitchFamily="34" charset="0"/>
-                <a:ea typeface="Arial" pitchFamily="34" charset="-122"/>
-                <a:cs typeface="Arial" pitchFamily="34" charset="-120"/>
-              </a:rPr>
-              <a:t>ESTRATÉGIA</a:t>
-            </a:r>
-            <a:endParaRPr lang="en-US" sz="1100" dirty="0"/>
-          </a:p>
-        </p:txBody>
-      </p:sp>
-      <p:sp>
-        <p:nvSpPr>
-          <p:cNvPr id="21" name="Text 18"/>
-          <p:cNvSpPr/>
-          <p:nvPr/>
-        </p:nvSpPr>
-        <p:spPr>
-          <a:xfrm>
-            <a:off x="6309360" y="3886200"/>
-            <a:ext cx="2560320" cy="320040"/>
-          </a:xfrm>
-          <a:prstGeom prst="rect">
-            <a:avLst/>
-          </a:prstGeom>
-          <a:noFill/>
-          <a:ln/>
-        </p:spPr>
-        <p:txBody>
-          <a:bodyPr wrap="square" rtlCol="0" anchor="ctr"/>
-          <a:lstStyle/>
-          <a:p>
-            <a:pPr algn="ctr" indent="0" marL="0">
-              <a:buNone/>
-            </a:pPr>
-            <a:r>
-              <a:rPr lang="en-US" sz="900" dirty="0">
-                <a:solidFill>
-                  <a:srgbClr val="94A3B8"/>
-                </a:solidFill>
-                <a:latin typeface="Arial" pitchFamily="34" charset="0"/>
-                <a:ea typeface="Arial" pitchFamily="34" charset="-122"/>
-                <a:cs typeface="Arial" pitchFamily="34" charset="-120"/>
-              </a:rPr>
-              <a:t>As técnicas que você usa</a:t>
-            </a:r>
-            <a:endParaRPr lang="en-US" sz="900" dirty="0"/>
-          </a:p>
-        </p:txBody>
-      </p:sp>
-      <p:sp>
-        <p:nvSpPr>
-          <p:cNvPr id="22" name="Shape 19"/>
-          <p:cNvSpPr/>
-          <p:nvPr/>
-        </p:nvSpPr>
-        <p:spPr>
-          <a:xfrm>
-            <a:off x="1371600" y="4480560"/>
-            <a:ext cx="5943600" cy="548640"/>
-          </a:xfrm>
-          <a:prstGeom prst="rect">
-            <a:avLst/>
-          </a:prstGeom>
-          <a:solidFill>
-            <a:srgbClr val="22C55E"/>
-          </a:solidFill>
-          <a:ln/>
-        </p:spPr>
-      </p:sp>
-      <p:sp>
-        <p:nvSpPr>
-          <p:cNvPr id="23" name="Text 20"/>
-          <p:cNvSpPr/>
-          <p:nvPr/>
-        </p:nvSpPr>
-        <p:spPr>
-          <a:xfrm>
-            <a:off x="1371600" y="4572000"/>
-            <a:ext cx="5943600" cy="365760"/>
-          </a:xfrm>
-          <a:prstGeom prst="rect">
-            <a:avLst/>
-          </a:prstGeom>
-          <a:noFill/>
-          <a:ln/>
-        </p:spPr>
-        <p:txBody>
-          <a:bodyPr wrap="square" rtlCol="0" anchor="ctr"/>
-          <a:lstStyle/>
-          <a:p>
-            <a:pPr algn="ctr" indent="0" marL="0">
-              <a:buNone/>
-            </a:pPr>
-            <a:r>
-              <a:rPr lang="en-US" sz="1300" b="1" dirty="0">
-                <a:solidFill>
-                  <a:srgbClr val="22C55E"/>
-                </a:solidFill>
-                <a:latin typeface="Arial" pitchFamily="34" charset="0"/>
-                <a:ea typeface="Arial" pitchFamily="34" charset="-122"/>
-                <a:cs typeface="Arial" pitchFamily="34" charset="-120"/>
-              </a:rPr>
-              <a:t>Não é estudar MAIS. É estudar MELHOR.</a:t>
-            </a:r>
-            <a:endParaRPr lang="en-US" sz="1300" dirty="0"/>
-          </a:p>
-        </p:txBody>
-      </p:sp>
+      <p:pic>
+        <p:nvPicPr>
+          <p:cNvPr id="21" name="Image 0" descr="preencoded.png">    </p:cNvPr>
+          <p:cNvPicPr>
+            <a:picLocks noChangeAspect="1"/>
+          </p:cNvPicPr>
+          <p:nvPr/>
+        </p:nvPicPr>
+        <p:blipFill>
+          <a:blip r:embed="rId1"/>
+          <a:stretch>
+            <a:fillRect/>
+          </a:stretch>
+        </p:blipFill>
+        <p:spPr>
+          <a:xfrm>
+            <a:off x="7498080" y="4389120"/>
+            <a:ext cx="1371600" cy="548640"/>
+          </a:xfrm>
+          <a:prstGeom prst="rect">
+            <a:avLst/>
+          </a:prstGeom>
+        </p:spPr>
+      </p:pic>
     </p:spTree>
   </p:cSld>
   <p:clrMapOvr>
@@ -3408,7 +4250,7 @@
         <p:spPr>
           <a:xfrm>
             <a:off x="0" y="0"/>
-            <a:ext cx="9144000" cy="914400"/>
+            <a:ext cx="9144000" cy="822960"/>
           </a:xfrm>
           <a:prstGeom prst="rect">
             <a:avLst/>
@@ -3419,40 +4261,95 @@
           <a:ln/>
         </p:spPr>
       </p:sp>
-      <p:pic>
-        <p:nvPicPr>
-          <p:cNvPr id="3" name="Image 0" descr="preencoded.png">    </p:cNvPr>
-          <p:cNvPicPr>
-            <a:picLocks noChangeAspect="1"/>
-          </p:cNvPicPr>
-          <p:nvPr/>
-        </p:nvPicPr>
-        <p:blipFill>
-          <a:blip r:embed="rId1"/>
-          <a:stretch>
-            <a:fillRect/>
-          </a:stretch>
-        </p:blipFill>
+      <p:sp>
+        <p:nvSpPr>
+          <p:cNvPr id="3" name="Shape 1"/>
+          <p:cNvSpPr/>
+          <p:nvPr/>
+        </p:nvSpPr>
+        <p:spPr>
+          <a:xfrm>
+            <a:off x="0" y="777240"/>
+            <a:ext cx="6858000" cy="45720"/>
+          </a:xfrm>
+          <a:prstGeom prst="rect">
+            <a:avLst/>
+          </a:prstGeom>
+          <a:solidFill>
+            <a:srgbClr val="3B82F6"/>
+          </a:solidFill>
+          <a:ln/>
+        </p:spPr>
+      </p:sp>
+      <p:sp>
+        <p:nvSpPr>
+          <p:cNvPr id="4" name="Shape 2"/>
+          <p:cNvSpPr/>
+          <p:nvPr/>
+        </p:nvSpPr>
         <p:spPr>
           <a:xfrm>
             <a:off x="274320" y="137160"/>
-            <a:ext cx="914400" cy="457200"/>
-          </a:xfrm>
-          <a:prstGeom prst="rect">
-            <a:avLst/>
-          </a:prstGeom>
-        </p:spPr>
-      </p:pic>
-      <p:sp>
-        <p:nvSpPr>
-          <p:cNvPr id="4" name="Text 1"/>
-          <p:cNvSpPr/>
-          <p:nvPr/>
-        </p:nvSpPr>
-        <p:spPr>
-          <a:xfrm>
-            <a:off x="1371600" y="228600"/>
-            <a:ext cx="7315200" cy="457200"/>
+            <a:ext cx="548640" cy="548640"/>
+          </a:xfrm>
+          <a:prstGeom prst="ellipse">
+            <a:avLst/>
+          </a:prstGeom>
+          <a:solidFill>
+            <a:srgbClr val="3B82F6"/>
+          </a:solidFill>
+          <a:ln/>
+        </p:spPr>
+      </p:sp>
+      <p:sp>
+        <p:nvSpPr>
+          <p:cNvPr id="5" name="Text 3"/>
+          <p:cNvSpPr/>
+          <p:nvPr/>
+        </p:nvSpPr>
+        <p:spPr>
+          <a:xfrm>
+            <a:off x="274320" y="228600"/>
+            <a:ext cx="548640" cy="365760"/>
+          </a:xfrm>
+          <a:prstGeom prst="rect">
+            <a:avLst/>
+          </a:prstGeom>
+          <a:noFill/>
+          <a:ln/>
+        </p:spPr>
+        <p:txBody>
+          <a:bodyPr wrap="square" rtlCol="0" anchor="ctr"/>
+          <a:lstStyle/>
+          <a:p>
+            <a:pPr algn="ctr" indent="0" marL="0">
+              <a:buNone/>
+            </a:pPr>
+            <a:r>
+              <a:rPr lang="en-US" sz="1600" b="1" dirty="0">
+                <a:solidFill>
+                  <a:srgbClr val="FFFFFF"/>
+                </a:solidFill>
+                <a:latin typeface="Arial" pitchFamily="34" charset="0"/>
+                <a:ea typeface="Arial" pitchFamily="34" charset="-122"/>
+                <a:cs typeface="Arial" pitchFamily="34" charset="-120"/>
+              </a:rPr>
+              <a:t>3</a:t>
+            </a:r>
+            <a:endParaRPr lang="en-US" sz="1600" dirty="0"/>
+          </a:p>
+        </p:txBody>
+      </p:sp>
+      <p:sp>
+        <p:nvSpPr>
+          <p:cNvPr id="6" name="Text 4"/>
+          <p:cNvSpPr/>
+          <p:nvPr/>
+        </p:nvSpPr>
+        <p:spPr>
+          <a:xfrm>
+            <a:off x="1005840" y="228600"/>
+            <a:ext cx="7772400" cy="457200"/>
           </a:xfrm>
           <a:prstGeom prst="rect">
             <a:avLst/>
@@ -3476,7 +4373,7 @@
                 <a:ea typeface="Arial" pitchFamily="34" charset="-122"/>
                 <a:cs typeface="Arial" pitchFamily="34" charset="-120"/>
               </a:rPr>
-              <a:t>Os Dois Modos do Cérebro</a:t>
+              <a:t>Os dois modos do cérebro</a:t>
             </a:r>
             <a:endParaRPr lang="en-US" sz="2000" dirty="0"/>
           </a:p>
@@ -3484,24 +4381,24 @@
       </p:sp>
       <p:sp>
         <p:nvSpPr>
-          <p:cNvPr id="5" name="Shape 2"/>
-          <p:cNvSpPr/>
-          <p:nvPr/>
-        </p:nvSpPr>
-        <p:spPr>
-          <a:xfrm>
-            <a:off x="457200" y="1188720"/>
-            <a:ext cx="3840480" cy="2560320"/>
-          </a:xfrm>
-          <a:prstGeom prst="rect">
-            <a:avLst/>
-          </a:prstGeom>
-          <a:solidFill>
-            <a:srgbClr val="1E293B"/>
-          </a:solidFill>
-          <a:ln w="12700">
+          <p:cNvPr id="7" name="Shape 5"/>
+          <p:cNvSpPr/>
+          <p:nvPr/>
+        </p:nvSpPr>
+        <p:spPr>
+          <a:xfrm>
+            <a:off x="457200" y="1097280"/>
+            <a:ext cx="8229600" cy="777240"/>
+          </a:xfrm>
+          <a:prstGeom prst="roundRect">
+            <a:avLst/>
+          </a:prstGeom>
+          <a:solidFill>
+            <a:srgbClr val="2A2A4A"/>
+          </a:solidFill>
+          <a:ln w="19050">
             <a:solidFill>
-              <a:srgbClr val="667EEA"/>
+              <a:srgbClr val="3B82F6"/>
             </a:solidFill>
             <a:prstDash val="solid"/>
           </a:ln>
@@ -3509,14 +4406,34 @@
       </p:sp>
       <p:sp>
         <p:nvSpPr>
-          <p:cNvPr id="6" name="Text 3"/>
-          <p:cNvSpPr/>
-          <p:nvPr/>
-        </p:nvSpPr>
-        <p:spPr>
-          <a:xfrm>
-            <a:off x="457200" y="1371600"/>
-            <a:ext cx="3840480" cy="548640"/>
+          <p:cNvPr id="8" name="Shape 6"/>
+          <p:cNvSpPr/>
+          <p:nvPr/>
+        </p:nvSpPr>
+        <p:spPr>
+          <a:xfrm>
+            <a:off x="457200" y="1097280"/>
+            <a:ext cx="109728" cy="777240"/>
+          </a:xfrm>
+          <a:prstGeom prst="rect">
+            <a:avLst/>
+          </a:prstGeom>
+          <a:solidFill>
+            <a:srgbClr val="3B82F6"/>
+          </a:solidFill>
+          <a:ln/>
+        </p:spPr>
+      </p:sp>
+      <p:sp>
+        <p:nvSpPr>
+          <p:cNvPr id="9" name="Text 7"/>
+          <p:cNvSpPr/>
+          <p:nvPr/>
+        </p:nvSpPr>
+        <p:spPr>
+          <a:xfrm>
+            <a:off x="685800" y="1325880"/>
+            <a:ext cx="274320" cy="320040"/>
           </a:xfrm>
           <a:prstGeom prst="rect">
             <a:avLst/>
@@ -3528,34 +4445,34 @@
           <a:bodyPr wrap="square" rtlCol="0" anchor="ctr"/>
           <a:lstStyle/>
           <a:p>
-            <a:pPr algn="ctr" indent="0" marL="0">
+            <a:pPr indent="0" marL="0">
               <a:buNone/>
             </a:pPr>
             <a:r>
-              <a:rPr lang="en-US" sz="3000" dirty="0">
+              <a:rPr lang="en-US" sz="1600" b="1" dirty="0">
                 <a:solidFill>
-                  <a:srgbClr val="000000"/>
+                  <a:srgbClr val="3B82F6"/>
                 </a:solidFill>
                 <a:latin typeface="Arial" pitchFamily="34" charset="0"/>
                 <a:ea typeface="Arial" pitchFamily="34" charset="-122"/>
                 <a:cs typeface="Arial" pitchFamily="34" charset="-120"/>
               </a:rPr>
-              <a:t>🎯</a:t>
-            </a:r>
-            <a:endParaRPr lang="en-US" sz="3000" dirty="0"/>
-          </a:p>
-        </p:txBody>
-      </p:sp>
-      <p:sp>
-        <p:nvSpPr>
-          <p:cNvPr id="7" name="Text 4"/>
-          <p:cNvSpPr/>
-          <p:nvPr/>
-        </p:nvSpPr>
-        <p:spPr>
-          <a:xfrm>
-            <a:off x="457200" y="1920240"/>
-            <a:ext cx="3840480" cy="365760"/>
+              <a:t>▸</a:t>
+            </a:r>
+            <a:endParaRPr lang="en-US" sz="1600" dirty="0"/>
+          </a:p>
+        </p:txBody>
+      </p:sp>
+      <p:sp>
+        <p:nvSpPr>
+          <p:cNvPr id="10" name="Text 8"/>
+          <p:cNvSpPr/>
+          <p:nvPr/>
+        </p:nvSpPr>
+        <p:spPr>
+          <a:xfrm>
+            <a:off x="960120" y="1325880"/>
+            <a:ext cx="7498080" cy="411480"/>
           </a:xfrm>
           <a:prstGeom prst="rect">
             <a:avLst/>
@@ -3567,19 +4484,19 @@
           <a:bodyPr wrap="square" rtlCol="0" anchor="ctr"/>
           <a:lstStyle/>
           <a:p>
-            <a:pPr algn="ctr" indent="0" marL="0">
+            <a:pPr indent="0" marL="0">
               <a:buNone/>
             </a:pPr>
             <a:r>
-              <a:rPr lang="en-US" sz="1400" b="1" dirty="0">
+              <a:rPr lang="en-US" sz="1400" dirty="0">
                 <a:solidFill>
-                  <a:srgbClr val="667EEA"/>
+                  <a:srgbClr val="FFFFFF"/>
                 </a:solidFill>
                 <a:latin typeface="Arial" pitchFamily="34" charset="0"/>
                 <a:ea typeface="Arial" pitchFamily="34" charset="-122"/>
                 <a:cs typeface="Arial" pitchFamily="34" charset="-120"/>
               </a:rPr>
-              <a:t>MODO FOCADO</a:t>
+              <a:t>Modo focado vs. modo difuso</a:t>
             </a:r>
             <a:endParaRPr lang="en-US" sz="1400" dirty="0"/>
           </a:p>
@@ -3587,14 +4504,59 @@
       </p:sp>
       <p:sp>
         <p:nvSpPr>
-          <p:cNvPr id="8" name="Text 5"/>
-          <p:cNvSpPr/>
-          <p:nvPr/>
-        </p:nvSpPr>
-        <p:spPr>
-          <a:xfrm>
-            <a:off x="640080" y="2377440"/>
-            <a:ext cx="3474720" cy="1188720"/>
+          <p:cNvPr id="11" name="Shape 9"/>
+          <p:cNvSpPr/>
+          <p:nvPr/>
+        </p:nvSpPr>
+        <p:spPr>
+          <a:xfrm>
+            <a:off x="457200" y="2011680"/>
+            <a:ext cx="8229600" cy="777240"/>
+          </a:xfrm>
+          <a:prstGeom prst="roundRect">
+            <a:avLst/>
+          </a:prstGeom>
+          <a:solidFill>
+            <a:srgbClr val="2A2A4A"/>
+          </a:solidFill>
+          <a:ln w="19050">
+            <a:solidFill>
+              <a:srgbClr val="3B82F6"/>
+            </a:solidFill>
+            <a:prstDash val="solid"/>
+          </a:ln>
+        </p:spPr>
+      </p:sp>
+      <p:sp>
+        <p:nvSpPr>
+          <p:cNvPr id="12" name="Shape 10"/>
+          <p:cNvSpPr/>
+          <p:nvPr/>
+        </p:nvSpPr>
+        <p:spPr>
+          <a:xfrm>
+            <a:off x="457200" y="2011680"/>
+            <a:ext cx="109728" cy="777240"/>
+          </a:xfrm>
+          <a:prstGeom prst="rect">
+            <a:avLst/>
+          </a:prstGeom>
+          <a:solidFill>
+            <a:srgbClr val="3B82F6"/>
+          </a:solidFill>
+          <a:ln/>
+        </p:spPr>
+      </p:sp>
+      <p:sp>
+        <p:nvSpPr>
+          <p:cNvPr id="13" name="Text 11"/>
+          <p:cNvSpPr/>
+          <p:nvPr/>
+        </p:nvSpPr>
+        <p:spPr>
+          <a:xfrm>
+            <a:off x="685800" y="2240280"/>
+            <a:ext cx="274320" cy="320040"/>
           </a:xfrm>
           <a:prstGeom prst="rect">
             <a:avLst/>
@@ -3610,169 +4572,177 @@
               <a:buNone/>
             </a:pPr>
             <a:r>
-              <a:rPr lang="en-US" sz="1100" dirty="0">
+              <a:rPr lang="en-US" sz="1600" b="1" dirty="0">
                 <a:solidFill>
-                  <a:srgbClr val="94A3B8"/>
+                  <a:srgbClr val="3B82F6"/>
                 </a:solidFill>
                 <a:latin typeface="Arial" pitchFamily="34" charset="0"/>
                 <a:ea typeface="Arial" pitchFamily="34" charset="-122"/>
                 <a:cs typeface="Arial" pitchFamily="34" charset="-120"/>
               </a:rPr>
-              <a:t>• Atenção direcionada</a:t>
-            </a:r>
-            <a:endParaRPr lang="en-US" sz="1100" dirty="0"/>
-          </a:p>
+              <a:t>▸</a:t>
+            </a:r>
+            <a:endParaRPr lang="en-US" sz="1600" dirty="0"/>
+          </a:p>
+        </p:txBody>
+      </p:sp>
+      <p:sp>
+        <p:nvSpPr>
+          <p:cNvPr id="14" name="Text 12"/>
+          <p:cNvSpPr/>
+          <p:nvPr/>
+        </p:nvSpPr>
+        <p:spPr>
+          <a:xfrm>
+            <a:off x="960120" y="2240280"/>
+            <a:ext cx="7498080" cy="411480"/>
+          </a:xfrm>
+          <a:prstGeom prst="rect">
+            <a:avLst/>
+          </a:prstGeom>
+          <a:noFill/>
+          <a:ln/>
+        </p:spPr>
+        <p:txBody>
+          <a:bodyPr wrap="square" rtlCol="0" anchor="ctr"/>
+          <a:lstStyle/>
           <a:p>
             <a:pPr indent="0" marL="0">
               <a:buNone/>
             </a:pPr>
             <a:r>
-              <a:rPr lang="en-US" sz="1100" dirty="0">
+              <a:rPr lang="en-US" sz="1400" dirty="0">
                 <a:solidFill>
-                  <a:srgbClr val="94A3B8"/>
+                  <a:srgbClr val="FFFFFF"/>
                 </a:solidFill>
                 <a:latin typeface="Arial" pitchFamily="34" charset="0"/>
                 <a:ea typeface="Arial" pitchFamily="34" charset="-122"/>
                 <a:cs typeface="Arial" pitchFamily="34" charset="-120"/>
               </a:rPr>
-              <a:t>• Concentração intensa</a:t>
-            </a:r>
-            <a:endParaRPr lang="en-US" sz="1100" dirty="0"/>
-          </a:p>
+              <a:t>Quando usar cada um</a:t>
+            </a:r>
+            <a:endParaRPr lang="en-US" sz="1400" dirty="0"/>
+          </a:p>
+        </p:txBody>
+      </p:sp>
+      <p:sp>
+        <p:nvSpPr>
+          <p:cNvPr id="15" name="Shape 13"/>
+          <p:cNvSpPr/>
+          <p:nvPr/>
+        </p:nvSpPr>
+        <p:spPr>
+          <a:xfrm>
+            <a:off x="457200" y="2926080"/>
+            <a:ext cx="8229600" cy="777240"/>
+          </a:xfrm>
+          <a:prstGeom prst="roundRect">
+            <a:avLst/>
+          </a:prstGeom>
+          <a:solidFill>
+            <a:srgbClr val="2A2A4A"/>
+          </a:solidFill>
+          <a:ln w="19050">
+            <a:solidFill>
+              <a:srgbClr val="3B82F6"/>
+            </a:solidFill>
+            <a:prstDash val="solid"/>
+          </a:ln>
+        </p:spPr>
+      </p:sp>
+      <p:sp>
+        <p:nvSpPr>
+          <p:cNvPr id="16" name="Shape 14"/>
+          <p:cNvSpPr/>
+          <p:nvPr/>
+        </p:nvSpPr>
+        <p:spPr>
+          <a:xfrm>
+            <a:off x="457200" y="2926080"/>
+            <a:ext cx="109728" cy="777240"/>
+          </a:xfrm>
+          <a:prstGeom prst="rect">
+            <a:avLst/>
+          </a:prstGeom>
+          <a:solidFill>
+            <a:srgbClr val="3B82F6"/>
+          </a:solidFill>
+          <a:ln/>
+        </p:spPr>
+      </p:sp>
+      <p:sp>
+        <p:nvSpPr>
+          <p:cNvPr id="17" name="Text 15"/>
+          <p:cNvSpPr/>
+          <p:nvPr/>
+        </p:nvSpPr>
+        <p:spPr>
+          <a:xfrm>
+            <a:off x="685800" y="3154680"/>
+            <a:ext cx="274320" cy="320040"/>
+          </a:xfrm>
+          <a:prstGeom prst="rect">
+            <a:avLst/>
+          </a:prstGeom>
+          <a:noFill/>
+          <a:ln/>
+        </p:spPr>
+        <p:txBody>
+          <a:bodyPr wrap="square" rtlCol="0" anchor="ctr"/>
+          <a:lstStyle/>
           <a:p>
             <a:pPr indent="0" marL="0">
               <a:buNone/>
             </a:pPr>
             <a:r>
-              <a:rPr lang="en-US" sz="1100" dirty="0">
+              <a:rPr lang="en-US" sz="1600" b="1" dirty="0">
                 <a:solidFill>
-                  <a:srgbClr val="94A3B8"/>
+                  <a:srgbClr val="3B82F6"/>
                 </a:solidFill>
                 <a:latin typeface="Arial" pitchFamily="34" charset="0"/>
                 <a:ea typeface="Arial" pitchFamily="34" charset="-122"/>
                 <a:cs typeface="Arial" pitchFamily="34" charset="-120"/>
               </a:rPr>
-              <a:t>• Processamento profundo</a:t>
-            </a:r>
-            <a:endParaRPr lang="en-US" sz="1100" dirty="0"/>
-          </a:p>
+              <a:t>▸</a:t>
+            </a:r>
+            <a:endParaRPr lang="en-US" sz="1600" dirty="0"/>
+          </a:p>
+        </p:txBody>
+      </p:sp>
+      <p:sp>
+        <p:nvSpPr>
+          <p:cNvPr id="18" name="Text 16"/>
+          <p:cNvSpPr/>
+          <p:nvPr/>
+        </p:nvSpPr>
+        <p:spPr>
+          <a:xfrm>
+            <a:off x="960120" y="3154680"/>
+            <a:ext cx="7498080" cy="411480"/>
+          </a:xfrm>
+          <a:prstGeom prst="rect">
+            <a:avLst/>
+          </a:prstGeom>
+          <a:noFill/>
+          <a:ln/>
+        </p:spPr>
+        <p:txBody>
+          <a:bodyPr wrap="square" rtlCol="0" anchor="ctr"/>
+          <a:lstStyle/>
           <a:p>
             <a:pPr indent="0" marL="0">
               <a:buNone/>
             </a:pPr>
             <a:r>
-              <a:rPr lang="en-US" sz="1100" dirty="0">
+              <a:rPr lang="en-US" sz="1400" dirty="0">
                 <a:solidFill>
-                  <a:srgbClr val="94A3B8"/>
+                  <a:srgbClr val="FFFFFF"/>
                 </a:solidFill>
                 <a:latin typeface="Arial" pitchFamily="34" charset="0"/>
                 <a:ea typeface="Arial" pitchFamily="34" charset="-122"/>
                 <a:cs typeface="Arial" pitchFamily="34" charset="-120"/>
               </a:rPr>
-              <a:t>• Absorve informação nova</a:t>
-            </a:r>
-            <a:endParaRPr lang="en-US" sz="1100" dirty="0"/>
-          </a:p>
-        </p:txBody>
-      </p:sp>
-      <p:sp>
-        <p:nvSpPr>
-          <p:cNvPr id="9" name="Shape 6"/>
-          <p:cNvSpPr/>
-          <p:nvPr/>
-        </p:nvSpPr>
-        <p:spPr>
-          <a:xfrm>
-            <a:off x="4846320" y="1188720"/>
-            <a:ext cx="3840480" cy="2560320"/>
-          </a:xfrm>
-          <a:prstGeom prst="rect">
-            <a:avLst/>
-          </a:prstGeom>
-          <a:solidFill>
-            <a:srgbClr val="1E293B"/>
-          </a:solidFill>
-          <a:ln w="12700">
-            <a:solidFill>
-              <a:srgbClr val="F59E0B"/>
-            </a:solidFill>
-            <a:prstDash val="solid"/>
-          </a:ln>
-        </p:spPr>
-      </p:sp>
-      <p:sp>
-        <p:nvSpPr>
-          <p:cNvPr id="10" name="Text 7"/>
-          <p:cNvSpPr/>
-          <p:nvPr/>
-        </p:nvSpPr>
-        <p:spPr>
-          <a:xfrm>
-            <a:off x="4846320" y="1371600"/>
-            <a:ext cx="3840480" cy="548640"/>
-          </a:xfrm>
-          <a:prstGeom prst="rect">
-            <a:avLst/>
-          </a:prstGeom>
-          <a:noFill/>
-          <a:ln/>
-        </p:spPr>
-        <p:txBody>
-          <a:bodyPr wrap="square" rtlCol="0" anchor="ctr"/>
-          <a:lstStyle/>
-          <a:p>
-            <a:pPr algn="ctr" indent="0" marL="0">
-              <a:buNone/>
-            </a:pPr>
-            <a:r>
-              <a:rPr lang="en-US" sz="3000" dirty="0">
-                <a:solidFill>
-                  <a:srgbClr val="000000"/>
-                </a:solidFill>
-                <a:latin typeface="Arial" pitchFamily="34" charset="0"/>
-                <a:ea typeface="Arial" pitchFamily="34" charset="-122"/>
-                <a:cs typeface="Arial" pitchFamily="34" charset="-120"/>
-              </a:rPr>
-              <a:t>💡</a:t>
-            </a:r>
-            <a:endParaRPr lang="en-US" sz="3000" dirty="0"/>
-          </a:p>
-        </p:txBody>
-      </p:sp>
-      <p:sp>
-        <p:nvSpPr>
-          <p:cNvPr id="11" name="Text 8"/>
-          <p:cNvSpPr/>
-          <p:nvPr/>
-        </p:nvSpPr>
-        <p:spPr>
-          <a:xfrm>
-            <a:off x="4846320" y="1920240"/>
-            <a:ext cx="3840480" cy="365760"/>
-          </a:xfrm>
-          <a:prstGeom prst="rect">
-            <a:avLst/>
-          </a:prstGeom>
-          <a:noFill/>
-          <a:ln/>
-        </p:spPr>
-        <p:txBody>
-          <a:bodyPr wrap="square" rtlCol="0" anchor="ctr"/>
-          <a:lstStyle/>
-          <a:p>
-            <a:pPr algn="ctr" indent="0" marL="0">
-              <a:buNone/>
-            </a:pPr>
-            <a:r>
-              <a:rPr lang="en-US" sz="1400" b="1" dirty="0">
-                <a:solidFill>
-                  <a:srgbClr val="F59E0B"/>
-                </a:solidFill>
-                <a:latin typeface="Arial" pitchFamily="34" charset="0"/>
-                <a:ea typeface="Arial" pitchFamily="34" charset="-122"/>
-                <a:cs typeface="Arial" pitchFamily="34" charset="-120"/>
-              </a:rPr>
-              <a:t>MODO DIFUSO</a:t>
+              <a:t>A importância do equilíbrio</a:t>
             </a:r>
             <a:endParaRPr lang="en-US" sz="1400" dirty="0"/>
           </a:p>
@@ -3780,153 +4750,48 @@
       </p:sp>
       <p:sp>
         <p:nvSpPr>
-          <p:cNvPr id="12" name="Text 9"/>
-          <p:cNvSpPr/>
-          <p:nvPr/>
-        </p:nvSpPr>
-        <p:spPr>
-          <a:xfrm>
-            <a:off x="5029200" y="2377440"/>
-            <a:ext cx="3474720" cy="1188720"/>
-          </a:xfrm>
-          <a:prstGeom prst="rect">
-            <a:avLst/>
-          </a:prstGeom>
-          <a:noFill/>
-          <a:ln/>
-        </p:spPr>
-        <p:txBody>
-          <a:bodyPr wrap="square" rtlCol="0" anchor="ctr"/>
-          <a:lstStyle/>
-          <a:p>
-            <a:pPr indent="0" marL="0">
-              <a:buNone/>
-            </a:pPr>
-            <a:r>
-              <a:rPr lang="en-US" sz="1100" dirty="0">
-                <a:solidFill>
-                  <a:srgbClr val="94A3B8"/>
-                </a:solidFill>
-                <a:latin typeface="Arial" pitchFamily="34" charset="0"/>
-                <a:ea typeface="Arial" pitchFamily="34" charset="-122"/>
-                <a:cs typeface="Arial" pitchFamily="34" charset="-120"/>
-              </a:rPr>
-              <a:t>• Mente relaxada</a:t>
-            </a:r>
-            <a:endParaRPr lang="en-US" sz="1100" dirty="0"/>
-          </a:p>
-          <a:p>
-            <a:pPr indent="0" marL="0">
-              <a:buNone/>
-            </a:pPr>
-            <a:r>
-              <a:rPr lang="en-US" sz="1100" dirty="0">
-                <a:solidFill>
-                  <a:srgbClr val="94A3B8"/>
-                </a:solidFill>
-                <a:latin typeface="Arial" pitchFamily="34" charset="0"/>
-                <a:ea typeface="Arial" pitchFamily="34" charset="-122"/>
-                <a:cs typeface="Arial" pitchFamily="34" charset="-120"/>
-              </a:rPr>
-              <a:t>• Conexões aleatórias</a:t>
-            </a:r>
-            <a:endParaRPr lang="en-US" sz="1100" dirty="0"/>
-          </a:p>
-          <a:p>
-            <a:pPr indent="0" marL="0">
-              <a:buNone/>
-            </a:pPr>
-            <a:r>
-              <a:rPr lang="en-US" sz="1100" dirty="0">
-                <a:solidFill>
-                  <a:srgbClr val="94A3B8"/>
-                </a:solidFill>
-                <a:latin typeface="Arial" pitchFamily="34" charset="0"/>
-                <a:ea typeface="Arial" pitchFamily="34" charset="-122"/>
-                <a:cs typeface="Arial" pitchFamily="34" charset="-120"/>
-              </a:rPr>
-              <a:t>• Insights e criatividade</a:t>
-            </a:r>
-            <a:endParaRPr lang="en-US" sz="1100" dirty="0"/>
-          </a:p>
-          <a:p>
-            <a:pPr indent="0" marL="0">
-              <a:buNone/>
-            </a:pPr>
-            <a:r>
-              <a:rPr lang="en-US" sz="1100" dirty="0">
-                <a:solidFill>
-                  <a:srgbClr val="94A3B8"/>
-                </a:solidFill>
-                <a:latin typeface="Arial" pitchFamily="34" charset="0"/>
-                <a:ea typeface="Arial" pitchFamily="34" charset="-122"/>
-                <a:cs typeface="Arial" pitchFamily="34" charset="-120"/>
-              </a:rPr>
-              <a:t>• Consolida memórias</a:t>
-            </a:r>
-            <a:endParaRPr lang="en-US" sz="1100" dirty="0"/>
-          </a:p>
-        </p:txBody>
-      </p:sp>
-      <p:sp>
-        <p:nvSpPr>
-          <p:cNvPr id="13" name="Shape 10"/>
-          <p:cNvSpPr/>
-          <p:nvPr/>
-        </p:nvSpPr>
-        <p:spPr>
-          <a:xfrm>
-            <a:off x="457200" y="4023360"/>
-            <a:ext cx="8229600" cy="731520"/>
-          </a:xfrm>
-          <a:prstGeom prst="rect">
-            <a:avLst/>
-          </a:prstGeom>
-          <a:solidFill>
-            <a:srgbClr val="22C55E"/>
-          </a:solidFill>
-          <a:ln/>
-        </p:spPr>
-      </p:sp>
-      <p:sp>
-        <p:nvSpPr>
-          <p:cNvPr id="14" name="Text 11"/>
-          <p:cNvSpPr/>
-          <p:nvPr/>
-        </p:nvSpPr>
-        <p:spPr>
-          <a:xfrm>
-            <a:off x="457200" y="4160520"/>
-            <a:ext cx="8229600" cy="457200"/>
-          </a:xfrm>
-          <a:prstGeom prst="rect">
-            <a:avLst/>
-          </a:prstGeom>
-          <a:noFill/>
-          <a:ln/>
-        </p:spPr>
-        <p:txBody>
-          <a:bodyPr wrap="square" rtlCol="0" anchor="ctr"/>
-          <a:lstStyle/>
-          <a:p>
-            <a:pPr algn="ctr" indent="0" marL="0">
-              <a:buNone/>
-            </a:pPr>
-            <a:r>
-              <a:rPr lang="en-US" sz="1400" b="1" dirty="0">
-                <a:solidFill>
-                  <a:srgbClr val="22C55E"/>
-                </a:solidFill>
-                <a:latin typeface="Arial" pitchFamily="34" charset="0"/>
-                <a:ea typeface="Arial" pitchFamily="34" charset="-122"/>
-                <a:cs typeface="Arial" pitchFamily="34" charset="-120"/>
-              </a:rPr>
-              <a:t>Ambos são ESSENCIAIS para o aprendizado!</a:t>
-            </a:r>
-            <a:endParaRPr lang="en-US" sz="1400" dirty="0"/>
-          </a:p>
-        </p:txBody>
-      </p:sp>
+          <p:cNvPr id="19" name="Shape 17"/>
+          <p:cNvSpPr/>
+          <p:nvPr/>
+        </p:nvSpPr>
+        <p:spPr>
+          <a:xfrm>
+            <a:off x="8686800" y="4114800"/>
+            <a:ext cx="457200" cy="457200"/>
+          </a:xfrm>
+          <a:prstGeom prst="rect">
+            <a:avLst/>
+          </a:prstGeom>
+          <a:solidFill>
+            <a:srgbClr val="3B82F6"/>
+          </a:solidFill>
+          <a:ln/>
+        </p:spPr>
+      </p:sp>
+      <p:pic>
+        <p:nvPicPr>
+          <p:cNvPr id="21" name="Image 0" descr="preencoded.png">    </p:cNvPr>
+          <p:cNvPicPr>
+            <a:picLocks noChangeAspect="1"/>
+          </p:cNvPicPr>
+          <p:nvPr/>
+        </p:nvPicPr>
+        <p:blipFill>
+          <a:blip r:embed="rId1"/>
+          <a:stretch>
+            <a:fillRect/>
+          </a:stretch>
+        </p:blipFill>
+        <p:spPr>
+          <a:xfrm>
+            <a:off x="7498080" y="4389120"/>
+            <a:ext cx="1371600" cy="548640"/>
+          </a:xfrm>
+          <a:prstGeom prst="rect">
+            <a:avLst/>
+          </a:prstGeom>
+        </p:spPr>
+      </p:pic>
     </p:spTree>
   </p:cSld>
   <p:clrMapOvr>
@@ -3968,7 +4833,7 @@
         <p:spPr>
           <a:xfrm>
             <a:off x="0" y="0"/>
-            <a:ext cx="9144000" cy="914400"/>
+            <a:ext cx="9144000" cy="822960"/>
           </a:xfrm>
           <a:prstGeom prst="rect">
             <a:avLst/>
@@ -3979,40 +4844,95 @@
           <a:ln/>
         </p:spPr>
       </p:sp>
-      <p:pic>
-        <p:nvPicPr>
-          <p:cNvPr id="3" name="Image 0" descr="preencoded.png">    </p:cNvPr>
-          <p:cNvPicPr>
-            <a:picLocks noChangeAspect="1"/>
-          </p:cNvPicPr>
-          <p:nvPr/>
-        </p:nvPicPr>
-        <p:blipFill>
-          <a:blip r:embed="rId1"/>
-          <a:stretch>
-            <a:fillRect/>
-          </a:stretch>
-        </p:blipFill>
+      <p:sp>
+        <p:nvSpPr>
+          <p:cNvPr id="3" name="Shape 1"/>
+          <p:cNvSpPr/>
+          <p:nvPr/>
+        </p:nvSpPr>
+        <p:spPr>
+          <a:xfrm>
+            <a:off x="0" y="777240"/>
+            <a:ext cx="9144000" cy="45720"/>
+          </a:xfrm>
+          <a:prstGeom prst="rect">
+            <a:avLst/>
+          </a:prstGeom>
+          <a:solidFill>
+            <a:srgbClr val="9333EA"/>
+          </a:solidFill>
+          <a:ln/>
+        </p:spPr>
+      </p:sp>
+      <p:sp>
+        <p:nvSpPr>
+          <p:cNvPr id="4" name="Shape 2"/>
+          <p:cNvSpPr/>
+          <p:nvPr/>
+        </p:nvSpPr>
         <p:spPr>
           <a:xfrm>
             <a:off x="274320" y="137160"/>
-            <a:ext cx="914400" cy="457200"/>
-          </a:xfrm>
-          <a:prstGeom prst="rect">
-            <a:avLst/>
-          </a:prstGeom>
-        </p:spPr>
-      </p:pic>
-      <p:sp>
-        <p:nvSpPr>
-          <p:cNvPr id="4" name="Text 1"/>
-          <p:cNvSpPr/>
-          <p:nvPr/>
-        </p:nvSpPr>
-        <p:spPr>
-          <a:xfrm>
-            <a:off x="1371600" y="228600"/>
-            <a:ext cx="7315200" cy="457200"/>
+            <a:ext cx="548640" cy="548640"/>
+          </a:xfrm>
+          <a:prstGeom prst="ellipse">
+            <a:avLst/>
+          </a:prstGeom>
+          <a:solidFill>
+            <a:srgbClr val="9333EA"/>
+          </a:solidFill>
+          <a:ln/>
+        </p:spPr>
+      </p:sp>
+      <p:sp>
+        <p:nvSpPr>
+          <p:cNvPr id="5" name="Text 3"/>
+          <p:cNvSpPr/>
+          <p:nvPr/>
+        </p:nvSpPr>
+        <p:spPr>
+          <a:xfrm>
+            <a:off x="274320" y="228600"/>
+            <a:ext cx="548640" cy="365760"/>
+          </a:xfrm>
+          <a:prstGeom prst="rect">
+            <a:avLst/>
+          </a:prstGeom>
+          <a:noFill/>
+          <a:ln/>
+        </p:spPr>
+        <p:txBody>
+          <a:bodyPr wrap="square" rtlCol="0" anchor="ctr"/>
+          <a:lstStyle/>
+          <a:p>
+            <a:pPr algn="ctr" indent="0" marL="0">
+              <a:buNone/>
+            </a:pPr>
+            <a:r>
+              <a:rPr lang="en-US" sz="1600" b="1" dirty="0">
+                <a:solidFill>
+                  <a:srgbClr val="FFFFFF"/>
+                </a:solidFill>
+                <a:latin typeface="Arial" pitchFamily="34" charset="0"/>
+                <a:ea typeface="Arial" pitchFamily="34" charset="-122"/>
+                <a:cs typeface="Arial" pitchFamily="34" charset="-120"/>
+              </a:rPr>
+              <a:t>4</a:t>
+            </a:r>
+            <a:endParaRPr lang="en-US" sz="1600" dirty="0"/>
+          </a:p>
+        </p:txBody>
+      </p:sp>
+      <p:sp>
+        <p:nvSpPr>
+          <p:cNvPr id="6" name="Text 4"/>
+          <p:cNvSpPr/>
+          <p:nvPr/>
+        </p:nvSpPr>
+        <p:spPr>
+          <a:xfrm>
+            <a:off x="1005840" y="228600"/>
+            <a:ext cx="7772400" cy="457200"/>
           </a:xfrm>
           <a:prstGeom prst="rect">
             <a:avLst/>
@@ -4036,7 +4956,7 @@
                 <a:ea typeface="Arial" pitchFamily="34" charset="-122"/>
                 <a:cs typeface="Arial" pitchFamily="34" charset="-120"/>
               </a:rPr>
-              <a:t>Benefícios do Hiperfoco</a:t>
+              <a:t>Os benefícios do hiperfoco nos estudos</a:t>
             </a:r>
             <a:endParaRPr lang="en-US" sz="2000" dirty="0"/>
           </a:p>
@@ -4044,24 +4964,24 @@
       </p:sp>
       <p:sp>
         <p:nvSpPr>
-          <p:cNvPr id="5" name="Shape 2"/>
-          <p:cNvSpPr/>
-          <p:nvPr/>
-        </p:nvSpPr>
-        <p:spPr>
-          <a:xfrm>
-            <a:off x="457200" y="1188720"/>
-            <a:ext cx="8229600" cy="1005840"/>
-          </a:xfrm>
-          <a:prstGeom prst="rect">
-            <a:avLst/>
-          </a:prstGeom>
-          <a:solidFill>
-            <a:srgbClr val="1E293B"/>
-          </a:solidFill>
-          <a:ln w="12700">
+          <p:cNvPr id="7" name="Shape 5"/>
+          <p:cNvSpPr/>
+          <p:nvPr/>
+        </p:nvSpPr>
+        <p:spPr>
+          <a:xfrm>
+            <a:off x="457200" y="1097280"/>
+            <a:ext cx="8229600" cy="777240"/>
+          </a:xfrm>
+          <a:prstGeom prst="roundRect">
+            <a:avLst/>
+          </a:prstGeom>
+          <a:solidFill>
+            <a:srgbClr val="2A2A4A"/>
+          </a:solidFill>
+          <a:ln w="19050">
             <a:solidFill>
-              <a:srgbClr val="22C55E"/>
+              <a:srgbClr val="9333EA"/>
             </a:solidFill>
             <a:prstDash val="solid"/>
           </a:ln>
@@ -4069,14 +4989,34 @@
       </p:sp>
       <p:sp>
         <p:nvSpPr>
-          <p:cNvPr id="6" name="Text 3"/>
-          <p:cNvSpPr/>
-          <p:nvPr/>
-        </p:nvSpPr>
-        <p:spPr>
-          <a:xfrm>
-            <a:off x="640080" y="1325880"/>
-            <a:ext cx="731520" cy="731520"/>
+          <p:cNvPr id="8" name="Shape 6"/>
+          <p:cNvSpPr/>
+          <p:nvPr/>
+        </p:nvSpPr>
+        <p:spPr>
+          <a:xfrm>
+            <a:off x="457200" y="1097280"/>
+            <a:ext cx="109728" cy="777240"/>
+          </a:xfrm>
+          <a:prstGeom prst="rect">
+            <a:avLst/>
+          </a:prstGeom>
+          <a:solidFill>
+            <a:srgbClr val="9333EA"/>
+          </a:solidFill>
+          <a:ln/>
+        </p:spPr>
+      </p:sp>
+      <p:sp>
+        <p:nvSpPr>
+          <p:cNvPr id="9" name="Text 7"/>
+          <p:cNvSpPr/>
+          <p:nvPr/>
+        </p:nvSpPr>
+        <p:spPr>
+          <a:xfrm>
+            <a:off x="685800" y="1325880"/>
+            <a:ext cx="274320" cy="320040"/>
           </a:xfrm>
           <a:prstGeom prst="rect">
             <a:avLst/>
@@ -4092,30 +5032,30 @@
               <a:buNone/>
             </a:pPr>
             <a:r>
-              <a:rPr lang="en-US" sz="2800" dirty="0">
+              <a:rPr lang="en-US" sz="1600" b="1" dirty="0">
                 <a:solidFill>
-                  <a:srgbClr val="000000"/>
+                  <a:srgbClr val="9333EA"/>
                 </a:solidFill>
                 <a:latin typeface="Arial" pitchFamily="34" charset="0"/>
                 <a:ea typeface="Arial" pitchFamily="34" charset="-122"/>
                 <a:cs typeface="Arial" pitchFamily="34" charset="-120"/>
               </a:rPr>
-              <a:t>🧠</a:t>
-            </a:r>
-            <a:endParaRPr lang="en-US" sz="2800" dirty="0"/>
-          </a:p>
-        </p:txBody>
-      </p:sp>
-      <p:sp>
-        <p:nvSpPr>
-          <p:cNvPr id="7" name="Text 4"/>
-          <p:cNvSpPr/>
-          <p:nvPr/>
-        </p:nvSpPr>
-        <p:spPr>
-          <a:xfrm>
-            <a:off x="1554480" y="1280160"/>
-            <a:ext cx="6858000" cy="365760"/>
+              <a:t>▸</a:t>
+            </a:r>
+            <a:endParaRPr lang="en-US" sz="1600" dirty="0"/>
+          </a:p>
+        </p:txBody>
+      </p:sp>
+      <p:sp>
+        <p:nvSpPr>
+          <p:cNvPr id="10" name="Text 8"/>
+          <p:cNvSpPr/>
+          <p:nvPr/>
+        </p:nvSpPr>
+        <p:spPr>
+          <a:xfrm>
+            <a:off x="960120" y="1325880"/>
+            <a:ext cx="7498080" cy="411480"/>
           </a:xfrm>
           <a:prstGeom prst="rect">
             <a:avLst/>
@@ -4131,15 +5071,15 @@
               <a:buNone/>
             </a:pPr>
             <a:r>
-              <a:rPr lang="en-US" sz="1400" b="1" dirty="0">
+              <a:rPr lang="en-US" sz="1400" dirty="0">
                 <a:solidFill>
-                  <a:srgbClr val="22C55E"/>
+                  <a:srgbClr val="FFFFFF"/>
                 </a:solidFill>
                 <a:latin typeface="Arial" pitchFamily="34" charset="0"/>
                 <a:ea typeface="Arial" pitchFamily="34" charset="-122"/>
                 <a:cs typeface="Arial" pitchFamily="34" charset="-120"/>
               </a:rPr>
-              <a:t>Retenção Aumentada</a:t>
+              <a:t>Retenção aumentada</a:t>
             </a:r>
             <a:endParaRPr lang="en-US" sz="1400" dirty="0"/>
           </a:p>
@@ -4147,14 +5087,59 @@
       </p:sp>
       <p:sp>
         <p:nvSpPr>
-          <p:cNvPr id="8" name="Text 5"/>
-          <p:cNvSpPr/>
-          <p:nvPr/>
-        </p:nvSpPr>
-        <p:spPr>
-          <a:xfrm>
-            <a:off x="1554480" y="1691640"/>
-            <a:ext cx="6858000" cy="365760"/>
+          <p:cNvPr id="11" name="Shape 9"/>
+          <p:cNvSpPr/>
+          <p:nvPr/>
+        </p:nvSpPr>
+        <p:spPr>
+          <a:xfrm>
+            <a:off x="457200" y="2011680"/>
+            <a:ext cx="8229600" cy="777240"/>
+          </a:xfrm>
+          <a:prstGeom prst="roundRect">
+            <a:avLst/>
+          </a:prstGeom>
+          <a:solidFill>
+            <a:srgbClr val="2A2A4A"/>
+          </a:solidFill>
+          <a:ln w="19050">
+            <a:solidFill>
+              <a:srgbClr val="9333EA"/>
+            </a:solidFill>
+            <a:prstDash val="solid"/>
+          </a:ln>
+        </p:spPr>
+      </p:sp>
+      <p:sp>
+        <p:nvSpPr>
+          <p:cNvPr id="12" name="Shape 10"/>
+          <p:cNvSpPr/>
+          <p:nvPr/>
+        </p:nvSpPr>
+        <p:spPr>
+          <a:xfrm>
+            <a:off x="457200" y="2011680"/>
+            <a:ext cx="109728" cy="777240"/>
+          </a:xfrm>
+          <a:prstGeom prst="rect">
+            <a:avLst/>
+          </a:prstGeom>
+          <a:solidFill>
+            <a:srgbClr val="9333EA"/>
+          </a:solidFill>
+          <a:ln/>
+        </p:spPr>
+      </p:sp>
+      <p:sp>
+        <p:nvSpPr>
+          <p:cNvPr id="13" name="Text 11"/>
+          <p:cNvSpPr/>
+          <p:nvPr/>
+        </p:nvSpPr>
+        <p:spPr>
+          <a:xfrm>
+            <a:off x="685800" y="2240280"/>
+            <a:ext cx="274320" cy="320040"/>
           </a:xfrm>
           <a:prstGeom prst="rect">
             <a:avLst/>
@@ -4170,55 +5155,30 @@
               <a:buNone/>
             </a:pPr>
             <a:r>
-              <a:rPr lang="en-US" sz="1200" dirty="0">
+              <a:rPr lang="en-US" sz="1600" b="1" dirty="0">
                 <a:solidFill>
-                  <a:srgbClr val="94A3B8"/>
+                  <a:srgbClr val="9333EA"/>
                 </a:solidFill>
                 <a:latin typeface="Arial" pitchFamily="34" charset="0"/>
                 <a:ea typeface="Arial" pitchFamily="34" charset="-122"/>
                 <a:cs typeface="Arial" pitchFamily="34" charset="-120"/>
               </a:rPr>
-              <a:t>Informação vai direto para a memória de longo prazo</a:t>
-            </a:r>
-            <a:endParaRPr lang="en-US" sz="1200" dirty="0"/>
-          </a:p>
-        </p:txBody>
-      </p:sp>
-      <p:sp>
-        <p:nvSpPr>
-          <p:cNvPr id="9" name="Shape 6"/>
-          <p:cNvSpPr/>
-          <p:nvPr/>
-        </p:nvSpPr>
-        <p:spPr>
-          <a:xfrm>
-            <a:off x="457200" y="2377440"/>
-            <a:ext cx="8229600" cy="1005840"/>
-          </a:xfrm>
-          <a:prstGeom prst="rect">
-            <a:avLst/>
-          </a:prstGeom>
-          <a:solidFill>
-            <a:srgbClr val="1E293B"/>
-          </a:solidFill>
-          <a:ln w="12700">
-            <a:solidFill>
-              <a:srgbClr val="22C55E"/>
-            </a:solidFill>
-            <a:prstDash val="solid"/>
-          </a:ln>
-        </p:spPr>
-      </p:sp>
-      <p:sp>
-        <p:nvSpPr>
-          <p:cNvPr id="10" name="Text 7"/>
-          <p:cNvSpPr/>
-          <p:nvPr/>
-        </p:nvSpPr>
-        <p:spPr>
-          <a:xfrm>
-            <a:off x="640080" y="2514600"/>
-            <a:ext cx="731520" cy="731520"/>
+              <a:t>▸</a:t>
+            </a:r>
+            <a:endParaRPr lang="en-US" sz="1600" dirty="0"/>
+          </a:p>
+        </p:txBody>
+      </p:sp>
+      <p:sp>
+        <p:nvSpPr>
+          <p:cNvPr id="14" name="Text 12"/>
+          <p:cNvSpPr/>
+          <p:nvPr/>
+        </p:nvSpPr>
+        <p:spPr>
+          <a:xfrm>
+            <a:off x="960120" y="2240280"/>
+            <a:ext cx="7498080" cy="411480"/>
           </a:xfrm>
           <a:prstGeom prst="rect">
             <a:avLst/>
@@ -4234,30 +5194,75 @@
               <a:buNone/>
             </a:pPr>
             <a:r>
-              <a:rPr lang="en-US" sz="2800" dirty="0">
+              <a:rPr lang="en-US" sz="1400" dirty="0">
                 <a:solidFill>
-                  <a:srgbClr val="000000"/>
+                  <a:srgbClr val="FFFFFF"/>
                 </a:solidFill>
                 <a:latin typeface="Arial" pitchFamily="34" charset="0"/>
                 <a:ea typeface="Arial" pitchFamily="34" charset="-122"/>
                 <a:cs typeface="Arial" pitchFamily="34" charset="-120"/>
               </a:rPr>
-              <a:t>⏱️</a:t>
-            </a:r>
-            <a:endParaRPr lang="en-US" sz="2800" dirty="0"/>
-          </a:p>
-        </p:txBody>
-      </p:sp>
-      <p:sp>
-        <p:nvSpPr>
-          <p:cNvPr id="11" name="Text 8"/>
-          <p:cNvSpPr/>
-          <p:nvPr/>
-        </p:nvSpPr>
-        <p:spPr>
-          <a:xfrm>
-            <a:off x="1554480" y="2468880"/>
-            <a:ext cx="6858000" cy="365760"/>
+              <a:t>Menos tempo, mais resultado</a:t>
+            </a:r>
+            <a:endParaRPr lang="en-US" sz="1400" dirty="0"/>
+          </a:p>
+        </p:txBody>
+      </p:sp>
+      <p:sp>
+        <p:nvSpPr>
+          <p:cNvPr id="15" name="Shape 13"/>
+          <p:cNvSpPr/>
+          <p:nvPr/>
+        </p:nvSpPr>
+        <p:spPr>
+          <a:xfrm>
+            <a:off x="457200" y="2926080"/>
+            <a:ext cx="8229600" cy="777240"/>
+          </a:xfrm>
+          <a:prstGeom prst="roundRect">
+            <a:avLst/>
+          </a:prstGeom>
+          <a:solidFill>
+            <a:srgbClr val="2A2A4A"/>
+          </a:solidFill>
+          <a:ln w="19050">
+            <a:solidFill>
+              <a:srgbClr val="9333EA"/>
+            </a:solidFill>
+            <a:prstDash val="solid"/>
+          </a:ln>
+        </p:spPr>
+      </p:sp>
+      <p:sp>
+        <p:nvSpPr>
+          <p:cNvPr id="16" name="Shape 14"/>
+          <p:cNvSpPr/>
+          <p:nvPr/>
+        </p:nvSpPr>
+        <p:spPr>
+          <a:xfrm>
+            <a:off x="457200" y="2926080"/>
+            <a:ext cx="109728" cy="777240"/>
+          </a:xfrm>
+          <a:prstGeom prst="rect">
+            <a:avLst/>
+          </a:prstGeom>
+          <a:solidFill>
+            <a:srgbClr val="9333EA"/>
+          </a:solidFill>
+          <a:ln/>
+        </p:spPr>
+      </p:sp>
+      <p:sp>
+        <p:nvSpPr>
+          <p:cNvPr id="17" name="Text 15"/>
+          <p:cNvSpPr/>
+          <p:nvPr/>
+        </p:nvSpPr>
+        <p:spPr>
+          <a:xfrm>
+            <a:off x="685800" y="3154680"/>
+            <a:ext cx="274320" cy="320040"/>
           </a:xfrm>
           <a:prstGeom prst="rect">
             <a:avLst/>
@@ -4273,30 +5278,30 @@
               <a:buNone/>
             </a:pPr>
             <a:r>
-              <a:rPr lang="en-US" sz="1400" b="1" dirty="0">
+              <a:rPr lang="en-US" sz="1600" b="1" dirty="0">
                 <a:solidFill>
-                  <a:srgbClr val="22C55E"/>
+                  <a:srgbClr val="9333EA"/>
                 </a:solidFill>
                 <a:latin typeface="Arial" pitchFamily="34" charset="0"/>
                 <a:ea typeface="Arial" pitchFamily="34" charset="-122"/>
                 <a:cs typeface="Arial" pitchFamily="34" charset="-120"/>
               </a:rPr>
-              <a:t>Menos Tempo, Mais Resultado</a:t>
-            </a:r>
-            <a:endParaRPr lang="en-US" sz="1400" dirty="0"/>
-          </a:p>
-        </p:txBody>
-      </p:sp>
-      <p:sp>
-        <p:nvSpPr>
-          <p:cNvPr id="12" name="Text 9"/>
-          <p:cNvSpPr/>
-          <p:nvPr/>
-        </p:nvSpPr>
-        <p:spPr>
-          <a:xfrm>
-            <a:off x="1554480" y="2880360"/>
-            <a:ext cx="6858000" cy="365760"/>
+              <a:t>▸</a:t>
+            </a:r>
+            <a:endParaRPr lang="en-US" sz="1600" dirty="0"/>
+          </a:p>
+        </p:txBody>
+      </p:sp>
+      <p:sp>
+        <p:nvSpPr>
+          <p:cNvPr id="18" name="Text 16"/>
+          <p:cNvSpPr/>
+          <p:nvPr/>
+        </p:nvSpPr>
+        <p:spPr>
+          <a:xfrm>
+            <a:off x="960120" y="3154680"/>
+            <a:ext cx="7498080" cy="411480"/>
           </a:xfrm>
           <a:prstGeom prst="rect">
             <a:avLst/>
@@ -4312,118 +5317,15 @@
               <a:buNone/>
             </a:pPr>
             <a:r>
-              <a:rPr lang="en-US" sz="1200" dirty="0">
+              <a:rPr lang="en-US" sz="1400" dirty="0">
                 <a:solidFill>
-                  <a:srgbClr val="94A3B8"/>
+                  <a:srgbClr val="FFFFFF"/>
                 </a:solidFill>
                 <a:latin typeface="Arial" pitchFamily="34" charset="0"/>
                 <a:ea typeface="Arial" pitchFamily="34" charset="-122"/>
                 <a:cs typeface="Arial" pitchFamily="34" charset="-120"/>
               </a:rPr>
-              <a:t>1 hora focada vale mais que 3 horas distraídas</a:t>
-            </a:r>
-            <a:endParaRPr lang="en-US" sz="1200" dirty="0"/>
-          </a:p>
-        </p:txBody>
-      </p:sp>
-      <p:sp>
-        <p:nvSpPr>
-          <p:cNvPr id="13" name="Shape 10"/>
-          <p:cNvSpPr/>
-          <p:nvPr/>
-        </p:nvSpPr>
-        <p:spPr>
-          <a:xfrm>
-            <a:off x="457200" y="3566160"/>
-            <a:ext cx="8229600" cy="1005840"/>
-          </a:xfrm>
-          <a:prstGeom prst="rect">
-            <a:avLst/>
-          </a:prstGeom>
-          <a:solidFill>
-            <a:srgbClr val="1E293B"/>
-          </a:solidFill>
-          <a:ln w="12700">
-            <a:solidFill>
-              <a:srgbClr val="22C55E"/>
-            </a:solidFill>
-            <a:prstDash val="solid"/>
-          </a:ln>
-        </p:spPr>
-      </p:sp>
-      <p:sp>
-        <p:nvSpPr>
-          <p:cNvPr id="14" name="Text 11"/>
-          <p:cNvSpPr/>
-          <p:nvPr/>
-        </p:nvSpPr>
-        <p:spPr>
-          <a:xfrm>
-            <a:off x="640080" y="3703320"/>
-            <a:ext cx="731520" cy="731520"/>
-          </a:xfrm>
-          <a:prstGeom prst="rect">
-            <a:avLst/>
-          </a:prstGeom>
-          <a:noFill/>
-          <a:ln/>
-        </p:spPr>
-        <p:txBody>
-          <a:bodyPr wrap="square" rtlCol="0" anchor="ctr"/>
-          <a:lstStyle/>
-          <a:p>
-            <a:pPr indent="0" marL="0">
-              <a:buNone/>
-            </a:pPr>
-            <a:r>
-              <a:rPr lang="en-US" sz="2800" dirty="0">
-                <a:solidFill>
-                  <a:srgbClr val="000000"/>
-                </a:solidFill>
-                <a:latin typeface="Arial" pitchFamily="34" charset="0"/>
-                <a:ea typeface="Arial" pitchFamily="34" charset="-122"/>
-                <a:cs typeface="Arial" pitchFamily="34" charset="-120"/>
-              </a:rPr>
-              <a:t>😌</a:t>
-            </a:r>
-            <a:endParaRPr lang="en-US" sz="2800" dirty="0"/>
-          </a:p>
-        </p:txBody>
-      </p:sp>
-      <p:sp>
-        <p:nvSpPr>
-          <p:cNvPr id="15" name="Text 12"/>
-          <p:cNvSpPr/>
-          <p:nvPr/>
-        </p:nvSpPr>
-        <p:spPr>
-          <a:xfrm>
-            <a:off x="1554480" y="3657600"/>
-            <a:ext cx="6858000" cy="365760"/>
-          </a:xfrm>
-          <a:prstGeom prst="rect">
-            <a:avLst/>
-          </a:prstGeom>
-          <a:noFill/>
-          <a:ln/>
-        </p:spPr>
-        <p:txBody>
-          <a:bodyPr wrap="square" rtlCol="0" anchor="ctr"/>
-          <a:lstStyle/>
-          <a:p>
-            <a:pPr indent="0" marL="0">
-              <a:buNone/>
-            </a:pPr>
-            <a:r>
-              <a:rPr lang="en-US" sz="1400" b="1" dirty="0">
-                <a:solidFill>
-                  <a:srgbClr val="22C55E"/>
-                </a:solidFill>
-                <a:latin typeface="Arial" pitchFamily="34" charset="0"/>
-                <a:ea typeface="Arial" pitchFamily="34" charset="-122"/>
-                <a:cs typeface="Arial" pitchFamily="34" charset="-120"/>
-              </a:rPr>
-              <a:t>Menos Estresse</a:t>
+              <a:t>Redução do estresse e ansiedade</a:t>
             </a:r>
             <a:endParaRPr lang="en-US" sz="1400" dirty="0"/>
           </a:p>
@@ -4431,82 +5333,48 @@
       </p:sp>
       <p:sp>
         <p:nvSpPr>
-          <p:cNvPr id="16" name="Text 13"/>
-          <p:cNvSpPr/>
-          <p:nvPr/>
-        </p:nvSpPr>
-        <p:spPr>
-          <a:xfrm>
-            <a:off x="1554480" y="4069080"/>
-            <a:ext cx="6858000" cy="365760"/>
-          </a:xfrm>
-          <a:prstGeom prst="rect">
-            <a:avLst/>
-          </a:prstGeom>
-          <a:noFill/>
-          <a:ln/>
-        </p:spPr>
-        <p:txBody>
-          <a:bodyPr wrap="square" rtlCol="0" anchor="ctr"/>
-          <a:lstStyle/>
-          <a:p>
-            <a:pPr indent="0" marL="0">
-              <a:buNone/>
-            </a:pPr>
-            <a:r>
-              <a:rPr lang="en-US" sz="1200" dirty="0">
-                <a:solidFill>
-                  <a:srgbClr val="94A3B8"/>
-                </a:solidFill>
-                <a:latin typeface="Arial" pitchFamily="34" charset="0"/>
-                <a:ea typeface="Arial" pitchFamily="34" charset="-122"/>
-                <a:cs typeface="Arial" pitchFamily="34" charset="-120"/>
-              </a:rPr>
-              <a:t>Confiança no método traz paz mental</a:t>
-            </a:r>
-            <a:endParaRPr lang="en-US" sz="1200" dirty="0"/>
-          </a:p>
-        </p:txBody>
-      </p:sp>
-      <p:sp>
-        <p:nvSpPr>
-          <p:cNvPr id="17" name="Text 14"/>
-          <p:cNvSpPr/>
-          <p:nvPr/>
-        </p:nvSpPr>
-        <p:spPr>
-          <a:xfrm>
-            <a:off x="457200" y="4572000"/>
-            <a:ext cx="8229600" cy="365760"/>
-          </a:xfrm>
-          <a:prstGeom prst="rect">
-            <a:avLst/>
-          </a:prstGeom>
-          <a:noFill/>
-          <a:ln/>
-        </p:spPr>
-        <p:txBody>
-          <a:bodyPr wrap="square" rtlCol="0" anchor="ctr"/>
-          <a:lstStyle/>
-          <a:p>
-            <a:pPr algn="ctr" indent="0" marL="0">
-              <a:buNone/>
-            </a:pPr>
-            <a:r>
-              <a:rPr lang="en-US" sz="1200" i="1" dirty="0">
-                <a:solidFill>
-                  <a:srgbClr val="667EEA"/>
-                </a:solidFill>
-                <a:latin typeface="Arial" pitchFamily="34" charset="0"/>
-                <a:ea typeface="Arial" pitchFamily="34" charset="-122"/>
-                <a:cs typeface="Arial" pitchFamily="34" charset="-120"/>
-              </a:rPr>
-              <a:t>O hiperfoco não é um dom. É uma HABILIDADE que você vai desenvolver.</a:t>
-            </a:r>
-            <a:endParaRPr lang="en-US" sz="1200" dirty="0"/>
-          </a:p>
-        </p:txBody>
-      </p:sp>
+          <p:cNvPr id="19" name="Shape 17"/>
+          <p:cNvSpPr/>
+          <p:nvPr/>
+        </p:nvSpPr>
+        <p:spPr>
+          <a:xfrm>
+            <a:off x="8686800" y="4114800"/>
+            <a:ext cx="457200" cy="457200"/>
+          </a:xfrm>
+          <a:prstGeom prst="rect">
+            <a:avLst/>
+          </a:prstGeom>
+          <a:solidFill>
+            <a:srgbClr val="9333EA"/>
+          </a:solidFill>
+          <a:ln/>
+        </p:spPr>
+      </p:sp>
+      <p:pic>
+        <p:nvPicPr>
+          <p:cNvPr id="21" name="Image 0" descr="preencoded.png">    </p:cNvPr>
+          <p:cNvPicPr>
+            <a:picLocks noChangeAspect="1"/>
+          </p:cNvPicPr>
+          <p:nvPr/>
+        </p:nvPicPr>
+        <p:blipFill>
+          <a:blip r:embed="rId1"/>
+          <a:stretch>
+            <a:fillRect/>
+          </a:stretch>
+        </p:blipFill>
+        <p:spPr>
+          <a:xfrm>
+            <a:off x="7498080" y="4389120"/>
+            <a:ext cx="1371600" cy="548640"/>
+          </a:xfrm>
+          <a:prstGeom prst="rect">
+            <a:avLst/>
+          </a:prstGeom>
+        </p:spPr>
+      </p:pic>
     </p:spTree>
   </p:cSld>
   <p:clrMapOvr>
@@ -4548,51 +5416,27 @@
         <p:spPr>
           <a:xfrm>
             <a:off x="0" y="0"/>
-            <a:ext cx="9144000" cy="914400"/>
-          </a:xfrm>
-          <a:prstGeom prst="rect">
-            <a:avLst/>
-          </a:prstGeom>
-          <a:solidFill>
-            <a:srgbClr val="22C55E"/>
-          </a:solidFill>
-          <a:ln/>
-        </p:spPr>
-      </p:sp>
-      <p:pic>
-        <p:nvPicPr>
-          <p:cNvPr id="3" name="Image 0" descr="preencoded.png">    </p:cNvPr>
-          <p:cNvPicPr>
-            <a:picLocks noChangeAspect="1"/>
-          </p:cNvPicPr>
-          <p:nvPr/>
-        </p:nvPicPr>
-        <p:blipFill>
-          <a:blip r:embed="rId1"/>
-          <a:stretch>
-            <a:fillRect/>
-          </a:stretch>
-        </p:blipFill>
-        <p:spPr>
-          <a:xfrm>
-            <a:off x="274320" y="137160"/>
-            <a:ext cx="914400" cy="457200"/>
-          </a:xfrm>
-          <a:prstGeom prst="rect">
-            <a:avLst/>
-          </a:prstGeom>
-        </p:spPr>
-      </p:pic>
-      <p:sp>
-        <p:nvSpPr>
-          <p:cNvPr id="4" name="Text 1"/>
-          <p:cNvSpPr/>
-          <p:nvPr/>
-        </p:nvSpPr>
-        <p:spPr>
-          <a:xfrm>
-            <a:off x="1371600" y="228600"/>
-            <a:ext cx="7315200" cy="457200"/>
+            <a:ext cx="9144000" cy="822960"/>
+          </a:xfrm>
+          <a:prstGeom prst="rect">
+            <a:avLst/>
+          </a:prstGeom>
+          <a:solidFill>
+            <a:srgbClr val="0F172A"/>
+          </a:solidFill>
+          <a:ln/>
+        </p:spPr>
+      </p:sp>
+      <p:sp>
+        <p:nvSpPr>
+          <p:cNvPr id="3" name="Text 1"/>
+          <p:cNvSpPr/>
+          <p:nvPr/>
+        </p:nvSpPr>
+        <p:spPr>
+          <a:xfrm>
+            <a:off x="457200" y="228600"/>
+            <a:ext cx="8229600" cy="457200"/>
           </a:xfrm>
           <a:prstGeom prst="rect">
             <a:avLst/>
@@ -4616,7 +5460,7 @@
                 <a:ea typeface="Arial" pitchFamily="34" charset="-122"/>
                 <a:cs typeface="Arial" pitchFamily="34" charset="-120"/>
               </a:rPr>
-              <a:t>Atividade Prática</a:t>
+              <a:t>✅ Pontos-Chave</a:t>
             </a:r>
             <a:endParaRPr lang="en-US" sz="2000" dirty="0"/>
           </a:p>
@@ -4624,14 +5468,74 @@
       </p:sp>
       <p:sp>
         <p:nvSpPr>
-          <p:cNvPr id="5" name="Text 2"/>
-          <p:cNvSpPr/>
-          <p:nvPr/>
-        </p:nvSpPr>
-        <p:spPr>
-          <a:xfrm>
-            <a:off x="457200" y="1097280"/>
-            <a:ext cx="8229600" cy="457200"/>
+          <p:cNvPr id="4" name="Shape 2"/>
+          <p:cNvSpPr/>
+          <p:nvPr/>
+        </p:nvSpPr>
+        <p:spPr>
+          <a:xfrm>
+            <a:off x="0" y="777240"/>
+            <a:ext cx="9144000" cy="45720"/>
+          </a:xfrm>
+          <a:prstGeom prst="rect">
+            <a:avLst/>
+          </a:prstGeom>
+          <a:solidFill>
+            <a:srgbClr val="22C55E"/>
+          </a:solidFill>
+          <a:ln/>
+        </p:spPr>
+      </p:sp>
+      <p:sp>
+        <p:nvSpPr>
+          <p:cNvPr id="5" name="Shape 3"/>
+          <p:cNvSpPr/>
+          <p:nvPr/>
+        </p:nvSpPr>
+        <p:spPr>
+          <a:xfrm>
+            <a:off x="685800" y="1097280"/>
+            <a:ext cx="54864" cy="3200400"/>
+          </a:xfrm>
+          <a:prstGeom prst="rect">
+            <a:avLst/>
+          </a:prstGeom>
+          <a:solidFill>
+            <a:srgbClr val="3D3D5C"/>
+          </a:solidFill>
+          <a:ln/>
+        </p:spPr>
+      </p:sp>
+      <p:sp>
+        <p:nvSpPr>
+          <p:cNvPr id="6" name="Shape 4"/>
+          <p:cNvSpPr/>
+          <p:nvPr/>
+        </p:nvSpPr>
+        <p:spPr>
+          <a:xfrm>
+            <a:off x="502920" y="1188720"/>
+            <a:ext cx="457200" cy="457200"/>
+          </a:xfrm>
+          <a:prstGeom prst="ellipse">
+            <a:avLst/>
+          </a:prstGeom>
+          <a:solidFill>
+            <a:srgbClr val="667EEA"/>
+          </a:solidFill>
+          <a:ln/>
+        </p:spPr>
+      </p:sp>
+      <p:sp>
+        <p:nvSpPr>
+          <p:cNvPr id="7" name="Text 5"/>
+          <p:cNvSpPr/>
+          <p:nvPr/>
+        </p:nvSpPr>
+        <p:spPr>
+          <a:xfrm>
+            <a:off x="502920" y="1234440"/>
+            <a:ext cx="457200" cy="365760"/>
           </a:xfrm>
           <a:prstGeom prst="rect">
             <a:avLst/>
@@ -4647,7 +5551,7 @@
               <a:buNone/>
             </a:pPr>
             <a:r>
-              <a:rPr lang="en-US" sz="1800" b="1" dirty="0">
+              <a:rPr lang="en-US" sz="1600" b="1" dirty="0">
                 <a:solidFill>
                   <a:srgbClr val="FFFFFF"/>
                 </a:solidFill>
@@ -4655,32 +5559,32 @@
                 <a:ea typeface="Arial" pitchFamily="34" charset="-122"/>
                 <a:cs typeface="Arial" pitchFamily="34" charset="-120"/>
               </a:rPr>
-              <a:t>Autodiagnóstico do Foco</a:t>
-            </a:r>
-            <a:endParaRPr lang="en-US" sz="1800" dirty="0"/>
-          </a:p>
-        </p:txBody>
-      </p:sp>
-      <p:sp>
-        <p:nvSpPr>
-          <p:cNvPr id="6" name="Shape 3"/>
-          <p:cNvSpPr/>
-          <p:nvPr/>
-        </p:nvSpPr>
-        <p:spPr>
-          <a:xfrm>
-            <a:off x="457200" y="1645920"/>
-            <a:ext cx="8229600" cy="777240"/>
-          </a:xfrm>
-          <a:prstGeom prst="rect">
-            <a:avLst/>
-          </a:prstGeom>
-          <a:solidFill>
-            <a:srgbClr val="1E293B"/>
-          </a:solidFill>
-          <a:ln w="12700">
+              <a:t>✓</a:t>
+            </a:r>
+            <a:endParaRPr lang="en-US" sz="1600" dirty="0"/>
+          </a:p>
+        </p:txBody>
+      </p:sp>
+      <p:sp>
+        <p:nvSpPr>
+          <p:cNvPr id="8" name="Shape 6"/>
+          <p:cNvSpPr/>
+          <p:nvPr/>
+        </p:nvSpPr>
+        <p:spPr>
+          <a:xfrm>
+            <a:off x="1188720" y="1097280"/>
+            <a:ext cx="7498080" cy="640080"/>
+          </a:xfrm>
+          <a:prstGeom prst="roundRect">
+            <a:avLst/>
+          </a:prstGeom>
+          <a:solidFill>
+            <a:srgbClr val="2A2A4A"/>
+          </a:solidFill>
+          <a:ln w="25400">
             <a:solidFill>
-              <a:srgbClr val="22C55E"/>
+              <a:srgbClr val="667EEA"/>
             </a:solidFill>
             <a:prstDash val="solid"/>
           </a:ln>
@@ -4688,34 +5592,14 @@
       </p:sp>
       <p:sp>
         <p:nvSpPr>
-          <p:cNvPr id="7" name="Shape 4"/>
-          <p:cNvSpPr/>
-          <p:nvPr/>
-        </p:nvSpPr>
-        <p:spPr>
-          <a:xfrm>
-            <a:off x="640080" y="1737360"/>
-            <a:ext cx="457200" cy="457200"/>
-          </a:xfrm>
-          <a:prstGeom prst="ellipse">
-            <a:avLst/>
-          </a:prstGeom>
-          <a:solidFill>
-            <a:srgbClr val="22C55E"/>
-          </a:solidFill>
-          <a:ln/>
-        </p:spPr>
-      </p:sp>
-      <p:sp>
-        <p:nvSpPr>
-          <p:cNvPr id="8" name="Text 5"/>
-          <p:cNvSpPr/>
-          <p:nvPr/>
-        </p:nvSpPr>
-        <p:spPr>
-          <a:xfrm>
-            <a:off x="640080" y="1783080"/>
-            <a:ext cx="457200" cy="365760"/>
+          <p:cNvPr id="9" name="Text 7"/>
+          <p:cNvSpPr/>
+          <p:nvPr/>
+        </p:nvSpPr>
+        <p:spPr>
+          <a:xfrm>
+            <a:off x="1371600" y="1234440"/>
+            <a:ext cx="7132320" cy="411480"/>
           </a:xfrm>
           <a:prstGeom prst="rect">
             <a:avLst/>
@@ -4727,11 +5611,11 @@
           <a:bodyPr wrap="square" rtlCol="0" anchor="ctr"/>
           <a:lstStyle/>
           <a:p>
-            <a:pPr algn="ctr" indent="0" marL="0">
+            <a:pPr indent="0" marL="0">
               <a:buNone/>
             </a:pPr>
             <a:r>
-              <a:rPr lang="en-US" sz="1400" b="1" dirty="0">
+              <a:rPr lang="en-US" sz="1400" dirty="0">
                 <a:solidFill>
                   <a:srgbClr val="FFFFFF"/>
                 </a:solidFill>
@@ -4739,7 +5623,7 @@
                 <a:ea typeface="Arial" pitchFamily="34" charset="-122"/>
                 <a:cs typeface="Arial" pitchFamily="34" charset="-120"/>
               </a:rPr>
-              <a:t>1</a:t>
+              <a:t>Hiperfoco = estado de concentração profunda e intencional</a:t>
             </a:r>
             <a:endParaRPr lang="en-US" sz="1400" dirty="0"/>
           </a:p>
@@ -4747,14 +5631,34 @@
       </p:sp>
       <p:sp>
         <p:nvSpPr>
-          <p:cNvPr id="9" name="Text 6"/>
-          <p:cNvSpPr/>
-          <p:nvPr/>
-        </p:nvSpPr>
-        <p:spPr>
-          <a:xfrm>
-            <a:off x="1280160" y="1691640"/>
-            <a:ext cx="4572000" cy="365760"/>
+          <p:cNvPr id="10" name="Shape 8"/>
+          <p:cNvSpPr/>
+          <p:nvPr/>
+        </p:nvSpPr>
+        <p:spPr>
+          <a:xfrm>
+            <a:off x="502920" y="2011680"/>
+            <a:ext cx="457200" cy="457200"/>
+          </a:xfrm>
+          <a:prstGeom prst="ellipse">
+            <a:avLst/>
+          </a:prstGeom>
+          <a:solidFill>
+            <a:srgbClr val="22C55E"/>
+          </a:solidFill>
+          <a:ln/>
+        </p:spPr>
+      </p:sp>
+      <p:sp>
+        <p:nvSpPr>
+          <p:cNvPr id="11" name="Text 9"/>
+          <p:cNvSpPr/>
+          <p:nvPr/>
+        </p:nvSpPr>
+        <p:spPr>
+          <a:xfrm>
+            <a:off x="502920" y="2057400"/>
+            <a:ext cx="457200" cy="365760"/>
           </a:xfrm>
           <a:prstGeom prst="rect">
             <a:avLst/>
@@ -4766,11 +5670,11 @@
           <a:bodyPr wrap="square" rtlCol="0" anchor="ctr"/>
           <a:lstStyle/>
           <a:p>
-            <a:pPr indent="0" marL="0">
+            <a:pPr algn="ctr" indent="0" marL="0">
               <a:buNone/>
             </a:pPr>
             <a:r>
-              <a:rPr lang="en-US" sz="1200" b="1" dirty="0">
+              <a:rPr lang="en-US" sz="1600" b="1" dirty="0">
                 <a:solidFill>
                   <a:srgbClr val="FFFFFF"/>
                 </a:solidFill>
@@ -4778,108 +5682,30 @@
                 <a:ea typeface="Arial" pitchFamily="34" charset="-122"/>
                 <a:cs typeface="Arial" pitchFamily="34" charset="-120"/>
               </a:rPr>
-              <a:t>Experiência de Hiperfoco</a:t>
-            </a:r>
-            <a:endParaRPr lang="en-US" sz="1200" dirty="0"/>
-          </a:p>
-        </p:txBody>
-      </p:sp>
-      <p:sp>
-        <p:nvSpPr>
-          <p:cNvPr id="10" name="Text 7"/>
-          <p:cNvSpPr/>
-          <p:nvPr/>
-        </p:nvSpPr>
-        <p:spPr>
-          <a:xfrm>
-            <a:off x="6858000" y="1691640"/>
-            <a:ext cx="1645920" cy="365760"/>
-          </a:xfrm>
-          <a:prstGeom prst="rect">
-            <a:avLst/>
-          </a:prstGeom>
-          <a:noFill/>
-          <a:ln/>
-        </p:spPr>
-        <p:txBody>
-          <a:bodyPr wrap="square" rtlCol="0" anchor="ctr"/>
-          <a:lstStyle/>
-          <a:p>
-            <a:pPr algn="r" indent="0" marL="0">
-              <a:buNone/>
-            </a:pPr>
-            <a:r>
-              <a:rPr lang="en-US" sz="1000" dirty="0">
-                <a:solidFill>
-                  <a:srgbClr val="F59E0B"/>
-                </a:solidFill>
-                <a:latin typeface="Arial" pitchFamily="34" charset="0"/>
-                <a:ea typeface="Arial" pitchFamily="34" charset="-122"/>
-                <a:cs typeface="Arial" pitchFamily="34" charset="-120"/>
-              </a:rPr>
-              <a:t>10 min</a:t>
-            </a:r>
-            <a:endParaRPr lang="en-US" sz="1000" dirty="0"/>
-          </a:p>
-        </p:txBody>
-      </p:sp>
-      <p:sp>
-        <p:nvSpPr>
-          <p:cNvPr id="11" name="Text 8"/>
-          <p:cNvSpPr/>
-          <p:nvPr/>
-        </p:nvSpPr>
-        <p:spPr>
-          <a:xfrm>
-            <a:off x="1280160" y="2057400"/>
-            <a:ext cx="7132320" cy="365760"/>
-          </a:xfrm>
-          <a:prstGeom prst="rect">
-            <a:avLst/>
-          </a:prstGeom>
-          <a:noFill/>
-          <a:ln/>
-        </p:spPr>
-        <p:txBody>
-          <a:bodyPr wrap="square" rtlCol="0" anchor="ctr"/>
-          <a:lstStyle/>
-          <a:p>
-            <a:pPr indent="0" marL="0">
-              <a:buNone/>
-            </a:pPr>
-            <a:r>
-              <a:rPr lang="en-US" sz="1000" dirty="0">
-                <a:solidFill>
-                  <a:srgbClr val="94A3B8"/>
-                </a:solidFill>
-                <a:latin typeface="Arial" pitchFamily="34" charset="0"/>
-                <a:ea typeface="Arial" pitchFamily="34" charset="-122"/>
-                <a:cs typeface="Arial" pitchFamily="34" charset="-120"/>
-              </a:rPr>
-              <a:t>Descreva uma vez que você focou profundamente</a:t>
-            </a:r>
-            <a:endParaRPr lang="en-US" sz="1000" dirty="0"/>
-          </a:p>
-        </p:txBody>
-      </p:sp>
-      <p:sp>
-        <p:nvSpPr>
-          <p:cNvPr id="12" name="Shape 9"/>
-          <p:cNvSpPr/>
-          <p:nvPr/>
-        </p:nvSpPr>
-        <p:spPr>
-          <a:xfrm>
-            <a:off x="457200" y="2560320"/>
-            <a:ext cx="8229600" cy="777240"/>
-          </a:xfrm>
-          <a:prstGeom prst="rect">
-            <a:avLst/>
-          </a:prstGeom>
-          <a:solidFill>
-            <a:srgbClr val="1E293B"/>
-          </a:solidFill>
-          <a:ln w="12700">
+              <a:t>✓</a:t>
+            </a:r>
+            <a:endParaRPr lang="en-US" sz="1600" dirty="0"/>
+          </a:p>
+        </p:txBody>
+      </p:sp>
+      <p:sp>
+        <p:nvSpPr>
+          <p:cNvPr id="12" name="Shape 10"/>
+          <p:cNvSpPr/>
+          <p:nvPr/>
+        </p:nvSpPr>
+        <p:spPr>
+          <a:xfrm>
+            <a:off x="1188720" y="1920240"/>
+            <a:ext cx="7498080" cy="640080"/>
+          </a:xfrm>
+          <a:prstGeom prst="roundRect">
+            <a:avLst/>
+          </a:prstGeom>
+          <a:solidFill>
+            <a:srgbClr val="2A2A4A"/>
+          </a:solidFill>
+          <a:ln w="25400">
             <a:solidFill>
               <a:srgbClr val="22C55E"/>
             </a:solidFill>
@@ -4889,34 +5715,14 @@
       </p:sp>
       <p:sp>
         <p:nvSpPr>
-          <p:cNvPr id="13" name="Shape 10"/>
-          <p:cNvSpPr/>
-          <p:nvPr/>
-        </p:nvSpPr>
-        <p:spPr>
-          <a:xfrm>
-            <a:off x="640080" y="2651760"/>
-            <a:ext cx="457200" cy="457200"/>
-          </a:xfrm>
-          <a:prstGeom prst="ellipse">
-            <a:avLst/>
-          </a:prstGeom>
-          <a:solidFill>
-            <a:srgbClr val="22C55E"/>
-          </a:solidFill>
-          <a:ln/>
-        </p:spPr>
-      </p:sp>
-      <p:sp>
-        <p:nvSpPr>
-          <p:cNvPr id="14" name="Text 11"/>
-          <p:cNvSpPr/>
-          <p:nvPr/>
-        </p:nvSpPr>
-        <p:spPr>
-          <a:xfrm>
-            <a:off x="640080" y="2697480"/>
-            <a:ext cx="457200" cy="365760"/>
+          <p:cNvPr id="13" name="Text 11"/>
+          <p:cNvSpPr/>
+          <p:nvPr/>
+        </p:nvSpPr>
+        <p:spPr>
+          <a:xfrm>
+            <a:off x="1371600" y="2057400"/>
+            <a:ext cx="7132320" cy="411480"/>
           </a:xfrm>
           <a:prstGeom prst="rect">
             <a:avLst/>
@@ -4928,11 +5734,11 @@
           <a:bodyPr wrap="square" rtlCol="0" anchor="ctr"/>
           <a:lstStyle/>
           <a:p>
-            <a:pPr algn="ctr" indent="0" marL="0">
+            <a:pPr indent="0" marL="0">
               <a:buNone/>
             </a:pPr>
             <a:r>
-              <a:rPr lang="en-US" sz="1400" b="1" dirty="0">
+              <a:rPr lang="en-US" sz="1400" dirty="0">
                 <a:solidFill>
                   <a:srgbClr val="FFFFFF"/>
                 </a:solidFill>
@@ -4940,7 +5746,7 @@
                 <a:ea typeface="Arial" pitchFamily="34" charset="-122"/>
                 <a:cs typeface="Arial" pitchFamily="34" charset="-120"/>
               </a:rPr>
-              <a:t>2</a:t>
+              <a:t>Hiperprodutividade = Tempo × Intensidade × Estratégia</a:t>
             </a:r>
             <a:endParaRPr lang="en-US" sz="1400" dirty="0"/>
           </a:p>
@@ -4948,14 +5754,34 @@
       </p:sp>
       <p:sp>
         <p:nvSpPr>
-          <p:cNvPr id="15" name="Text 12"/>
-          <p:cNvSpPr/>
-          <p:nvPr/>
-        </p:nvSpPr>
-        <p:spPr>
-          <a:xfrm>
-            <a:off x="1280160" y="2606040"/>
-            <a:ext cx="4572000" cy="365760"/>
+          <p:cNvPr id="14" name="Shape 12"/>
+          <p:cNvSpPr/>
+          <p:nvPr/>
+        </p:nvSpPr>
+        <p:spPr>
+          <a:xfrm>
+            <a:off x="502920" y="2834640"/>
+            <a:ext cx="457200" cy="457200"/>
+          </a:xfrm>
+          <a:prstGeom prst="ellipse">
+            <a:avLst/>
+          </a:prstGeom>
+          <a:solidFill>
+            <a:srgbClr val="3B82F6"/>
+          </a:solidFill>
+          <a:ln/>
+        </p:spPr>
+      </p:sp>
+      <p:sp>
+        <p:nvSpPr>
+          <p:cNvPr id="15" name="Text 13"/>
+          <p:cNvSpPr/>
+          <p:nvPr/>
+        </p:nvSpPr>
+        <p:spPr>
+          <a:xfrm>
+            <a:off x="502920" y="2880360"/>
+            <a:ext cx="457200" cy="365760"/>
           </a:xfrm>
           <a:prstGeom prst="rect">
             <a:avLst/>
@@ -4967,11 +5793,11 @@
           <a:bodyPr wrap="square" rtlCol="0" anchor="ctr"/>
           <a:lstStyle/>
           <a:p>
-            <a:pPr indent="0" marL="0">
+            <a:pPr algn="ctr" indent="0" marL="0">
               <a:buNone/>
             </a:pPr>
             <a:r>
-              <a:rPr lang="en-US" sz="1200" b="1" dirty="0">
+              <a:rPr lang="en-US" sz="1600" b="1" dirty="0">
                 <a:solidFill>
                   <a:srgbClr val="FFFFFF"/>
                 </a:solidFill>
@@ -4979,61 +5805,47 @@
                 <a:ea typeface="Arial" pitchFamily="34" charset="-122"/>
                 <a:cs typeface="Arial" pitchFamily="34" charset="-120"/>
               </a:rPr>
-              <a:t>Análise do Padrão Atual</a:t>
-            </a:r>
-            <a:endParaRPr lang="en-US" sz="1200" dirty="0"/>
-          </a:p>
-        </p:txBody>
-      </p:sp>
-      <p:sp>
-        <p:nvSpPr>
-          <p:cNvPr id="16" name="Text 13"/>
-          <p:cNvSpPr/>
-          <p:nvPr/>
-        </p:nvSpPr>
-        <p:spPr>
-          <a:xfrm>
-            <a:off x="6858000" y="2606040"/>
-            <a:ext cx="1645920" cy="365760"/>
-          </a:xfrm>
-          <a:prstGeom prst="rect">
-            <a:avLst/>
-          </a:prstGeom>
-          <a:noFill/>
-          <a:ln/>
-        </p:spPr>
-        <p:txBody>
-          <a:bodyPr wrap="square" rtlCol="0" anchor="ctr"/>
-          <a:lstStyle/>
-          <a:p>
-            <a:pPr algn="r" indent="0" marL="0">
-              <a:buNone/>
-            </a:pPr>
-            <a:r>
-              <a:rPr lang="en-US" sz="1000" dirty="0">
-                <a:solidFill>
-                  <a:srgbClr val="F59E0B"/>
-                </a:solidFill>
-                <a:latin typeface="Arial" pitchFamily="34" charset="0"/>
-                <a:ea typeface="Arial" pitchFamily="34" charset="-122"/>
-                <a:cs typeface="Arial" pitchFamily="34" charset="-120"/>
-              </a:rPr>
-              <a:t>15 min</a:t>
-            </a:r>
-            <a:endParaRPr lang="en-US" sz="1000" dirty="0"/>
-          </a:p>
-        </p:txBody>
-      </p:sp>
-      <p:sp>
-        <p:nvSpPr>
-          <p:cNvPr id="17" name="Text 14"/>
-          <p:cNvSpPr/>
-          <p:nvPr/>
-        </p:nvSpPr>
-        <p:spPr>
-          <a:xfrm>
-            <a:off x="1280160" y="2971800"/>
-            <a:ext cx="7132320" cy="365760"/>
+              <a:t>✓</a:t>
+            </a:r>
+            <a:endParaRPr lang="en-US" sz="1600" dirty="0"/>
+          </a:p>
+        </p:txBody>
+      </p:sp>
+      <p:sp>
+        <p:nvSpPr>
+          <p:cNvPr id="16" name="Shape 14"/>
+          <p:cNvSpPr/>
+          <p:nvPr/>
+        </p:nvSpPr>
+        <p:spPr>
+          <a:xfrm>
+            <a:off x="1188720" y="2743200"/>
+            <a:ext cx="7498080" cy="640080"/>
+          </a:xfrm>
+          <a:prstGeom prst="roundRect">
+            <a:avLst/>
+          </a:prstGeom>
+          <a:solidFill>
+            <a:srgbClr val="2A2A4A"/>
+          </a:solidFill>
+          <a:ln w="25400">
+            <a:solidFill>
+              <a:srgbClr val="3B82F6"/>
+            </a:solidFill>
+            <a:prstDash val="solid"/>
+          </a:ln>
+        </p:spPr>
+      </p:sp>
+      <p:sp>
+        <p:nvSpPr>
+          <p:cNvPr id="17" name="Text 15"/>
+          <p:cNvSpPr/>
+          <p:nvPr/>
+        </p:nvSpPr>
+        <p:spPr>
+          <a:xfrm>
+            <a:off x="1371600" y="2880360"/>
+            <a:ext cx="7132320" cy="411480"/>
           </a:xfrm>
           <a:prstGeom prst="rect">
             <a:avLst/>
@@ -5049,91 +5861,7 @@
               <a:buNone/>
             </a:pPr>
             <a:r>
-              <a:rPr lang="en-US" sz="1000" dirty="0">
-                <a:solidFill>
-                  <a:srgbClr val="94A3B8"/>
-                </a:solidFill>
-                <a:latin typeface="Arial" pitchFamily="34" charset="0"/>
-                <a:ea typeface="Arial" pitchFamily="34" charset="-122"/>
-                <a:cs typeface="Arial" pitchFamily="34" charset="-120"/>
-              </a:rPr>
-              <a:t>Monitore sua próxima sessão de estudo (escala 1-10)</a:t>
-            </a:r>
-            <a:endParaRPr lang="en-US" sz="1000" dirty="0"/>
-          </a:p>
-        </p:txBody>
-      </p:sp>
-      <p:sp>
-        <p:nvSpPr>
-          <p:cNvPr id="18" name="Shape 15"/>
-          <p:cNvSpPr/>
-          <p:nvPr/>
-        </p:nvSpPr>
-        <p:spPr>
-          <a:xfrm>
-            <a:off x="457200" y="3474720"/>
-            <a:ext cx="8229600" cy="777240"/>
-          </a:xfrm>
-          <a:prstGeom prst="rect">
-            <a:avLst/>
-          </a:prstGeom>
-          <a:solidFill>
-            <a:srgbClr val="1E293B"/>
-          </a:solidFill>
-          <a:ln w="12700">
-            <a:solidFill>
-              <a:srgbClr val="22C55E"/>
-            </a:solidFill>
-            <a:prstDash val="solid"/>
-          </a:ln>
-        </p:spPr>
-      </p:sp>
-      <p:sp>
-        <p:nvSpPr>
-          <p:cNvPr id="19" name="Shape 16"/>
-          <p:cNvSpPr/>
-          <p:nvPr/>
-        </p:nvSpPr>
-        <p:spPr>
-          <a:xfrm>
-            <a:off x="640080" y="3566160"/>
-            <a:ext cx="457200" cy="457200"/>
-          </a:xfrm>
-          <a:prstGeom prst="ellipse">
-            <a:avLst/>
-          </a:prstGeom>
-          <a:solidFill>
-            <a:srgbClr val="22C55E"/>
-          </a:solidFill>
-          <a:ln/>
-        </p:spPr>
-      </p:sp>
-      <p:sp>
-        <p:nvSpPr>
-          <p:cNvPr id="20" name="Text 17"/>
-          <p:cNvSpPr/>
-          <p:nvPr/>
-        </p:nvSpPr>
-        <p:spPr>
-          <a:xfrm>
-            <a:off x="640080" y="3611880"/>
-            <a:ext cx="457200" cy="365760"/>
-          </a:xfrm>
-          <a:prstGeom prst="rect">
-            <a:avLst/>
-          </a:prstGeom>
-          <a:noFill/>
-          <a:ln/>
-        </p:spPr>
-        <p:txBody>
-          <a:bodyPr wrap="square" rtlCol="0" anchor="ctr"/>
-          <a:lstStyle/>
-          <a:p>
-            <a:pPr algn="ctr" indent="0" marL="0">
-              <a:buNone/>
-            </a:pPr>
-            <a:r>
-              <a:rPr lang="en-US" sz="1400" b="1" dirty="0">
+              <a:rPr lang="en-US" sz="1400" dirty="0">
                 <a:solidFill>
                   <a:srgbClr val="FFFFFF"/>
                 </a:solidFill>
@@ -5141,7 +5869,7 @@
                 <a:ea typeface="Arial" pitchFamily="34" charset="-122"/>
                 <a:cs typeface="Arial" pitchFamily="34" charset="-120"/>
               </a:rPr>
-              <a:t>3</a:t>
+              <a:t>O cérebro opera em modo focado e modo difuso</a:t>
             </a:r>
             <a:endParaRPr lang="en-US" sz="1400" dirty="0"/>
           </a:p>
@@ -5149,14 +5877,34 @@
       </p:sp>
       <p:sp>
         <p:nvSpPr>
-          <p:cNvPr id="21" name="Text 18"/>
-          <p:cNvSpPr/>
-          <p:nvPr/>
-        </p:nvSpPr>
-        <p:spPr>
-          <a:xfrm>
-            <a:off x="1280160" y="3520440"/>
-            <a:ext cx="4572000" cy="365760"/>
+          <p:cNvPr id="18" name="Shape 16"/>
+          <p:cNvSpPr/>
+          <p:nvPr/>
+        </p:nvSpPr>
+        <p:spPr>
+          <a:xfrm>
+            <a:off x="502920" y="3657600"/>
+            <a:ext cx="457200" cy="457200"/>
+          </a:xfrm>
+          <a:prstGeom prst="ellipse">
+            <a:avLst/>
+          </a:prstGeom>
+          <a:solidFill>
+            <a:srgbClr val="9333EA"/>
+          </a:solidFill>
+          <a:ln/>
+        </p:spPr>
+      </p:sp>
+      <p:sp>
+        <p:nvSpPr>
+          <p:cNvPr id="19" name="Text 17"/>
+          <p:cNvSpPr/>
+          <p:nvPr/>
+        </p:nvSpPr>
+        <p:spPr>
+          <a:xfrm>
+            <a:off x="502920" y="3703320"/>
+            <a:ext cx="457200" cy="365760"/>
           </a:xfrm>
           <a:prstGeom prst="rect">
             <a:avLst/>
@@ -5168,11 +5916,11 @@
           <a:bodyPr wrap="square" rtlCol="0" anchor="ctr"/>
           <a:lstStyle/>
           <a:p>
-            <a:pPr indent="0" marL="0">
+            <a:pPr algn="ctr" indent="0" marL="0">
               <a:buNone/>
             </a:pPr>
             <a:r>
-              <a:rPr lang="en-US" sz="1200" b="1" dirty="0">
+              <a:rPr lang="en-US" sz="1600" b="1" dirty="0">
                 <a:solidFill>
                   <a:srgbClr val="FFFFFF"/>
                 </a:solidFill>
@@ -5180,61 +5928,47 @@
                 <a:ea typeface="Arial" pitchFamily="34" charset="-122"/>
                 <a:cs typeface="Arial" pitchFamily="34" charset="-120"/>
               </a:rPr>
-              <a:t>Identificação de Padrões</a:t>
-            </a:r>
-            <a:endParaRPr lang="en-US" sz="1200" dirty="0"/>
-          </a:p>
-        </p:txBody>
-      </p:sp>
-      <p:sp>
-        <p:nvSpPr>
-          <p:cNvPr id="22" name="Text 19"/>
-          <p:cNvSpPr/>
-          <p:nvPr/>
-        </p:nvSpPr>
-        <p:spPr>
-          <a:xfrm>
-            <a:off x="6858000" y="3520440"/>
-            <a:ext cx="1645920" cy="365760"/>
-          </a:xfrm>
-          <a:prstGeom prst="rect">
-            <a:avLst/>
-          </a:prstGeom>
-          <a:noFill/>
-          <a:ln/>
-        </p:spPr>
-        <p:txBody>
-          <a:bodyPr wrap="square" rtlCol="0" anchor="ctr"/>
-          <a:lstStyle/>
-          <a:p>
-            <a:pPr algn="r" indent="0" marL="0">
-              <a:buNone/>
-            </a:pPr>
-            <a:r>
-              <a:rPr lang="en-US" sz="1000" dirty="0">
-                <a:solidFill>
-                  <a:srgbClr val="F59E0B"/>
-                </a:solidFill>
-                <a:latin typeface="Arial" pitchFamily="34" charset="0"/>
-                <a:ea typeface="Arial" pitchFamily="34" charset="-122"/>
-                <a:cs typeface="Arial" pitchFamily="34" charset="-120"/>
-              </a:rPr>
-              <a:t>10 min</a:t>
-            </a:r>
-            <a:endParaRPr lang="en-US" sz="1000" dirty="0"/>
-          </a:p>
-        </p:txBody>
-      </p:sp>
-      <p:sp>
-        <p:nvSpPr>
-          <p:cNvPr id="23" name="Text 20"/>
-          <p:cNvSpPr/>
-          <p:nvPr/>
-        </p:nvSpPr>
-        <p:spPr>
-          <a:xfrm>
-            <a:off x="1280160" y="3886200"/>
-            <a:ext cx="7132320" cy="365760"/>
+              <a:t>✓</a:t>
+            </a:r>
+            <a:endParaRPr lang="en-US" sz="1600" dirty="0"/>
+          </a:p>
+        </p:txBody>
+      </p:sp>
+      <p:sp>
+        <p:nvSpPr>
+          <p:cNvPr id="20" name="Shape 18"/>
+          <p:cNvSpPr/>
+          <p:nvPr/>
+        </p:nvSpPr>
+        <p:spPr>
+          <a:xfrm>
+            <a:off x="1188720" y="3566160"/>
+            <a:ext cx="7498080" cy="640080"/>
+          </a:xfrm>
+          <a:prstGeom prst="roundRect">
+            <a:avLst/>
+          </a:prstGeom>
+          <a:solidFill>
+            <a:srgbClr val="2A2A4A"/>
+          </a:solidFill>
+          <a:ln w="25400">
+            <a:solidFill>
+              <a:srgbClr val="9333EA"/>
+            </a:solidFill>
+            <a:prstDash val="solid"/>
+          </a:ln>
+        </p:spPr>
+      </p:sp>
+      <p:sp>
+        <p:nvSpPr>
+          <p:cNvPr id="21" name="Text 19"/>
+          <p:cNvSpPr/>
+          <p:nvPr/>
+        </p:nvSpPr>
+        <p:spPr>
+          <a:xfrm>
+            <a:off x="1371600" y="3703320"/>
+            <a:ext cx="7132320" cy="411480"/>
           </a:xfrm>
           <a:prstGeom prst="rect">
             <a:avLst/>
@@ -5250,66 +5984,7 @@
               <a:buNone/>
             </a:pPr>
             <a:r>
-              <a:rPr lang="en-US" sz="1000" dirty="0">
-                <a:solidFill>
-                  <a:srgbClr val="94A3B8"/>
-                </a:solidFill>
-                <a:latin typeface="Arial" pitchFamily="34" charset="0"/>
-                <a:ea typeface="Arial" pitchFamily="34" charset="-122"/>
-                <a:cs typeface="Arial" pitchFamily="34" charset="-120"/>
-              </a:rPr>
-              <a:t>Quando/onde você foca melhor? O que quebra seu foco?</a:t>
-            </a:r>
-            <a:endParaRPr lang="en-US" sz="1000" dirty="0"/>
-          </a:p>
-        </p:txBody>
-      </p:sp>
-      <p:sp>
-        <p:nvSpPr>
-          <p:cNvPr id="24" name="Shape 21"/>
-          <p:cNvSpPr/>
-          <p:nvPr/>
-        </p:nvSpPr>
-        <p:spPr>
-          <a:xfrm>
-            <a:off x="1828800" y="4480560"/>
-            <a:ext cx="5029200" cy="457200"/>
-          </a:xfrm>
-          <a:prstGeom prst="rect">
-            <a:avLst/>
-          </a:prstGeom>
-          <a:solidFill>
-            <a:srgbClr val="667EEA"/>
-          </a:solidFill>
-          <a:ln/>
-        </p:spPr>
-      </p:sp>
-      <p:sp>
-        <p:nvSpPr>
-          <p:cNvPr id="25" name="Text 22"/>
-          <p:cNvSpPr/>
-          <p:nvPr/>
-        </p:nvSpPr>
-        <p:spPr>
-          <a:xfrm>
-            <a:off x="1828800" y="4526280"/>
-            <a:ext cx="5029200" cy="365760"/>
-          </a:xfrm>
-          <a:prstGeom prst="rect">
-            <a:avLst/>
-          </a:prstGeom>
-          <a:noFill/>
-          <a:ln/>
-        </p:spPr>
-        <p:txBody>
-          <a:bodyPr wrap="square" rtlCol="0" anchor="ctr"/>
-          <a:lstStyle/>
-          <a:p>
-            <a:pPr algn="ctr" indent="0" marL="0">
-              <a:buNone/>
-            </a:pPr>
-            <a:r>
-              <a:rPr lang="en-US" sz="1200" b="1" dirty="0">
+              <a:rPr lang="en-US" sz="1400" dirty="0">
                 <a:solidFill>
                   <a:srgbClr val="FFFFFF"/>
                 </a:solidFill>
@@ -5317,12 +5992,36 @@
                 <a:ea typeface="Arial" pitchFamily="34" charset="-122"/>
                 <a:cs typeface="Arial" pitchFamily="34" charset="-120"/>
               </a:rPr>
-              <a:t>Submeta no Moodle!</a:t>
-            </a:r>
-            <a:endParaRPr lang="en-US" sz="1200" dirty="0"/>
-          </a:p>
-        </p:txBody>
-      </p:sp>
+              <a:t>Dominar o hiperfoco traz retenção, eficiência e bem-estar</a:t>
+            </a:r>
+            <a:endParaRPr lang="en-US" sz="1400" dirty="0"/>
+          </a:p>
+        </p:txBody>
+      </p:sp>
+      <p:pic>
+        <p:nvPicPr>
+          <p:cNvPr id="23" name="Image 0" descr="preencoded.png">    </p:cNvPr>
+          <p:cNvPicPr>
+            <a:picLocks noChangeAspect="1"/>
+          </p:cNvPicPr>
+          <p:nvPr/>
+        </p:nvPicPr>
+        <p:blipFill>
+          <a:blip r:embed="rId1"/>
+          <a:stretch>
+            <a:fillRect/>
+          </a:stretch>
+        </p:blipFill>
+        <p:spPr>
+          <a:xfrm>
+            <a:off x="7498080" y="4389120"/>
+            <a:ext cx="1371600" cy="548640"/>
+          </a:xfrm>
+          <a:prstGeom prst="rect">
+            <a:avLst/>
+          </a:prstGeom>
+        </p:spPr>
+      </p:pic>
     </p:spTree>
   </p:cSld>
   <p:clrMapOvr>
@@ -5364,20 +6063,59 @@
         <p:spPr>
           <a:xfrm>
             <a:off x="0" y="0"/>
-            <a:ext cx="9144000" cy="5143500"/>
-          </a:xfrm>
-          <a:prstGeom prst="rect">
-            <a:avLst/>
-          </a:prstGeom>
-          <a:solidFill>
-            <a:srgbClr val="667EEA"/>
-          </a:solidFill>
-          <a:ln/>
-        </p:spPr>
+            <a:ext cx="9144000" cy="822960"/>
+          </a:xfrm>
+          <a:prstGeom prst="rect">
+            <a:avLst/>
+          </a:prstGeom>
+          <a:solidFill>
+            <a:srgbClr val="0F172A"/>
+          </a:solidFill>
+          <a:ln/>
+        </p:spPr>
+      </p:sp>
+      <p:sp>
+        <p:nvSpPr>
+          <p:cNvPr id="3" name="Text 1"/>
+          <p:cNvSpPr/>
+          <p:nvPr/>
+        </p:nvSpPr>
+        <p:spPr>
+          <a:xfrm>
+            <a:off x="457200" y="228600"/>
+            <a:ext cx="8229600" cy="457200"/>
+          </a:xfrm>
+          <a:prstGeom prst="rect">
+            <a:avLst/>
+          </a:prstGeom>
+          <a:noFill/>
+          <a:ln/>
+        </p:spPr>
+        <p:txBody>
+          <a:bodyPr wrap="square" rtlCol="0" anchor="ctr"/>
+          <a:lstStyle/>
+          <a:p>
+            <a:pPr indent="0" marL="0">
+              <a:buNone/>
+            </a:pPr>
+            <a:r>
+              <a:rPr lang="en-US" sz="2000" b="1" dirty="0">
+                <a:solidFill>
+                  <a:srgbClr val="FFFFFF"/>
+                </a:solidFill>
+                <a:latin typeface="Arial" pitchFamily="34" charset="0"/>
+                <a:ea typeface="Arial" pitchFamily="34" charset="-122"/>
+                <a:cs typeface="Arial" pitchFamily="34" charset="-120"/>
+              </a:rPr>
+              <a:t>📊 Infográfico da Aula</a:t>
+            </a:r>
+            <a:endParaRPr lang="en-US" sz="2000" dirty="0"/>
+          </a:p>
+        </p:txBody>
       </p:sp>
       <p:pic>
         <p:nvPicPr>
-          <p:cNvPr id="3" name="Image 0" descr="preencoded.png">    </p:cNvPr>
+          <p:cNvPr id="4" name="Image 0" descr="preencoded.png">    </p:cNvPr>
           <p:cNvPicPr>
             <a:picLocks noChangeAspect="1"/>
           </p:cNvPicPr>
@@ -5391,8 +6129,8 @@
         </p:blipFill>
         <p:spPr>
           <a:xfrm>
-            <a:off x="457200" y="274320"/>
-            <a:ext cx="914400" cy="457200"/>
+            <a:off x="274320" y="914400"/>
+            <a:ext cx="5486400" cy="3383280"/>
           </a:xfrm>
           <a:prstGeom prst="rect">
             <a:avLst/>
@@ -5401,14 +6139,14 @@
       </p:pic>
       <p:sp>
         <p:nvSpPr>
-          <p:cNvPr id="4" name="Text 1"/>
-          <p:cNvSpPr/>
-          <p:nvPr/>
-        </p:nvSpPr>
-        <p:spPr>
-          <a:xfrm>
-            <a:off x="457200" y="914400"/>
-            <a:ext cx="8229600" cy="457200"/>
+          <p:cNvPr id="5" name="Text 2"/>
+          <p:cNvSpPr/>
+          <p:nvPr/>
+        </p:nvSpPr>
+        <p:spPr>
+          <a:xfrm>
+            <a:off x="5943600" y="914400"/>
+            <a:ext cx="3017520" cy="365760"/>
           </a:xfrm>
           <a:prstGeom prst="rect">
             <a:avLst/>
@@ -5420,11 +6158,70 @@
           <a:bodyPr wrap="square" rtlCol="0" anchor="ctr"/>
           <a:lstStyle/>
           <a:p>
-            <a:pPr algn="ctr" indent="0" marL="0">
+            <a:pPr indent="0" marL="0">
               <a:buNone/>
             </a:pPr>
             <a:r>
-              <a:rPr lang="en-US" sz="2400" b="1" dirty="0">
+              <a:rPr lang="en-US" sz="1200" b="1" dirty="0">
+                <a:solidFill>
+                  <a:srgbClr val="22C55E"/>
+                </a:solidFill>
+                <a:latin typeface="Arial" pitchFamily="34" charset="0"/>
+                <a:ea typeface="Arial" pitchFamily="34" charset="-122"/>
+                <a:cs typeface="Arial" pitchFamily="34" charset="-120"/>
+              </a:rPr>
+              <a:t>Conceitos Principais:</a:t>
+            </a:r>
+            <a:endParaRPr lang="en-US" sz="1200" dirty="0"/>
+          </a:p>
+        </p:txBody>
+      </p:sp>
+      <p:sp>
+        <p:nvSpPr>
+          <p:cNvPr id="6" name="Shape 3"/>
+          <p:cNvSpPr/>
+          <p:nvPr/>
+        </p:nvSpPr>
+        <p:spPr>
+          <a:xfrm>
+            <a:off x="5943600" y="1371600"/>
+            <a:ext cx="228600" cy="228600"/>
+          </a:xfrm>
+          <a:prstGeom prst="ellipse">
+            <a:avLst/>
+          </a:prstGeom>
+          <a:solidFill>
+            <a:srgbClr val="667EEA"/>
+          </a:solidFill>
+          <a:ln/>
+        </p:spPr>
+      </p:sp>
+      <p:sp>
+        <p:nvSpPr>
+          <p:cNvPr id="7" name="Text 4"/>
+          <p:cNvSpPr/>
+          <p:nvPr/>
+        </p:nvSpPr>
+        <p:spPr>
+          <a:xfrm>
+            <a:off x="6309360" y="1325880"/>
+            <a:ext cx="2560320" cy="731520"/>
+          </a:xfrm>
+          <a:prstGeom prst="rect">
+            <a:avLst/>
+          </a:prstGeom>
+          <a:noFill/>
+          <a:ln/>
+        </p:spPr>
+        <p:txBody>
+          <a:bodyPr wrap="square" rtlCol="0" anchor="t"/>
+          <a:lstStyle/>
+          <a:p>
+            <a:pPr indent="0" marL="0">
+              <a:buNone/>
+            </a:pPr>
+            <a:r>
+              <a:rPr lang="en-US" sz="1000" dirty="0">
                 <a:solidFill>
                   <a:srgbClr val="FFFFFF"/>
                 </a:solidFill>
@@ -5432,22 +6229,275 @@
                 <a:ea typeface="Arial" pitchFamily="34" charset="-122"/>
                 <a:cs typeface="Arial" pitchFamily="34" charset="-120"/>
               </a:rPr>
-              <a:t>Resumo da Aula</a:t>
-            </a:r>
-            <a:endParaRPr lang="en-US" sz="2400" dirty="0"/>
-          </a:p>
-        </p:txBody>
-      </p:sp>
-      <p:sp>
-        <p:nvSpPr>
-          <p:cNvPr id="5" name="Text 2"/>
-          <p:cNvSpPr/>
-          <p:nvPr/>
-        </p:nvSpPr>
-        <p:spPr>
-          <a:xfrm>
-            <a:off x="731520" y="1554480"/>
-            <a:ext cx="7772400" cy="457200"/>
+              <a:t>Hiperfoco = estado de concentração profunda e intencional</a:t>
+            </a:r>
+            <a:endParaRPr lang="en-US" sz="1000" dirty="0"/>
+          </a:p>
+        </p:txBody>
+      </p:sp>
+      <p:sp>
+        <p:nvSpPr>
+          <p:cNvPr id="8" name="Shape 5"/>
+          <p:cNvSpPr/>
+          <p:nvPr/>
+        </p:nvSpPr>
+        <p:spPr>
+          <a:xfrm>
+            <a:off x="5943600" y="2148840"/>
+            <a:ext cx="228600" cy="228600"/>
+          </a:xfrm>
+          <a:prstGeom prst="ellipse">
+            <a:avLst/>
+          </a:prstGeom>
+          <a:solidFill>
+            <a:srgbClr val="667EEA"/>
+          </a:solidFill>
+          <a:ln/>
+        </p:spPr>
+      </p:sp>
+      <p:sp>
+        <p:nvSpPr>
+          <p:cNvPr id="9" name="Text 6"/>
+          <p:cNvSpPr/>
+          <p:nvPr/>
+        </p:nvSpPr>
+        <p:spPr>
+          <a:xfrm>
+            <a:off x="6309360" y="2103120"/>
+            <a:ext cx="2560320" cy="731520"/>
+          </a:xfrm>
+          <a:prstGeom prst="rect">
+            <a:avLst/>
+          </a:prstGeom>
+          <a:noFill/>
+          <a:ln/>
+        </p:spPr>
+        <p:txBody>
+          <a:bodyPr wrap="square" rtlCol="0" anchor="t"/>
+          <a:lstStyle/>
+          <a:p>
+            <a:pPr indent="0" marL="0">
+              <a:buNone/>
+            </a:pPr>
+            <a:r>
+              <a:rPr lang="en-US" sz="1000" dirty="0">
+                <a:solidFill>
+                  <a:srgbClr val="FFFFFF"/>
+                </a:solidFill>
+                <a:latin typeface="Arial" pitchFamily="34" charset="0"/>
+                <a:ea typeface="Arial" pitchFamily="34" charset="-122"/>
+                <a:cs typeface="Arial" pitchFamily="34" charset="-120"/>
+              </a:rPr>
+              <a:t>Hiperprodutividade = Tempo × Intensidade × Estratégia</a:t>
+            </a:r>
+            <a:endParaRPr lang="en-US" sz="1000" dirty="0"/>
+          </a:p>
+        </p:txBody>
+      </p:sp>
+      <p:sp>
+        <p:nvSpPr>
+          <p:cNvPr id="10" name="Shape 7"/>
+          <p:cNvSpPr/>
+          <p:nvPr/>
+        </p:nvSpPr>
+        <p:spPr>
+          <a:xfrm>
+            <a:off x="5943600" y="2926080"/>
+            <a:ext cx="228600" cy="228600"/>
+          </a:xfrm>
+          <a:prstGeom prst="ellipse">
+            <a:avLst/>
+          </a:prstGeom>
+          <a:solidFill>
+            <a:srgbClr val="667EEA"/>
+          </a:solidFill>
+          <a:ln/>
+        </p:spPr>
+      </p:sp>
+      <p:sp>
+        <p:nvSpPr>
+          <p:cNvPr id="11" name="Text 8"/>
+          <p:cNvSpPr/>
+          <p:nvPr/>
+        </p:nvSpPr>
+        <p:spPr>
+          <a:xfrm>
+            <a:off x="6309360" y="2880360"/>
+            <a:ext cx="2560320" cy="731520"/>
+          </a:xfrm>
+          <a:prstGeom prst="rect">
+            <a:avLst/>
+          </a:prstGeom>
+          <a:noFill/>
+          <a:ln/>
+        </p:spPr>
+        <p:txBody>
+          <a:bodyPr wrap="square" rtlCol="0" anchor="t"/>
+          <a:lstStyle/>
+          <a:p>
+            <a:pPr indent="0" marL="0">
+              <a:buNone/>
+            </a:pPr>
+            <a:r>
+              <a:rPr lang="en-US" sz="1000" dirty="0">
+                <a:solidFill>
+                  <a:srgbClr val="FFFFFF"/>
+                </a:solidFill>
+                <a:latin typeface="Arial" pitchFamily="34" charset="0"/>
+                <a:ea typeface="Arial" pitchFamily="34" charset="-122"/>
+                <a:cs typeface="Arial" pitchFamily="34" charset="-120"/>
+              </a:rPr>
+              <a:t>O cérebro opera em modo focado e modo difuso</a:t>
+            </a:r>
+            <a:endParaRPr lang="en-US" sz="1000" dirty="0"/>
+          </a:p>
+        </p:txBody>
+      </p:sp>
+      <p:sp>
+        <p:nvSpPr>
+          <p:cNvPr id="12" name="Shape 9"/>
+          <p:cNvSpPr/>
+          <p:nvPr/>
+        </p:nvSpPr>
+        <p:spPr>
+          <a:xfrm>
+            <a:off x="5943600" y="3703320"/>
+            <a:ext cx="228600" cy="228600"/>
+          </a:xfrm>
+          <a:prstGeom prst="ellipse">
+            <a:avLst/>
+          </a:prstGeom>
+          <a:solidFill>
+            <a:srgbClr val="667EEA"/>
+          </a:solidFill>
+          <a:ln/>
+        </p:spPr>
+      </p:sp>
+      <p:sp>
+        <p:nvSpPr>
+          <p:cNvPr id="13" name="Text 10"/>
+          <p:cNvSpPr/>
+          <p:nvPr/>
+        </p:nvSpPr>
+        <p:spPr>
+          <a:xfrm>
+            <a:off x="6309360" y="3657600"/>
+            <a:ext cx="2560320" cy="731520"/>
+          </a:xfrm>
+          <a:prstGeom prst="rect">
+            <a:avLst/>
+          </a:prstGeom>
+          <a:noFill/>
+          <a:ln/>
+        </p:spPr>
+        <p:txBody>
+          <a:bodyPr wrap="square" rtlCol="0" anchor="t"/>
+          <a:lstStyle/>
+          <a:p>
+            <a:pPr indent="0" marL="0">
+              <a:buNone/>
+            </a:pPr>
+            <a:r>
+              <a:rPr lang="en-US" sz="1000" dirty="0">
+                <a:solidFill>
+                  <a:srgbClr val="FFFFFF"/>
+                </a:solidFill>
+                <a:latin typeface="Arial" pitchFamily="34" charset="0"/>
+                <a:ea typeface="Arial" pitchFamily="34" charset="-122"/>
+                <a:cs typeface="Arial" pitchFamily="34" charset="-120"/>
+              </a:rPr>
+              <a:t>Dominar o hiperfoco traz retenção, eficiência e bem-estar</a:t>
+            </a:r>
+            <a:endParaRPr lang="en-US" sz="1000" dirty="0"/>
+          </a:p>
+        </p:txBody>
+      </p:sp>
+      <p:pic>
+        <p:nvPicPr>
+          <p:cNvPr id="15" name="Image 1" descr="preencoded.png">    </p:cNvPr>
+          <p:cNvPicPr>
+            <a:picLocks noChangeAspect="1"/>
+          </p:cNvPicPr>
+          <p:nvPr/>
+        </p:nvPicPr>
+        <p:blipFill>
+          <a:blip r:embed="rId2"/>
+          <a:stretch>
+            <a:fillRect/>
+          </a:stretch>
+        </p:blipFill>
+        <p:spPr>
+          <a:xfrm>
+            <a:off x="7498080" y="4389120"/>
+            <a:ext cx="1371600" cy="548640"/>
+          </a:xfrm>
+          <a:prstGeom prst="rect">
+            <a:avLst/>
+          </a:prstGeom>
+        </p:spPr>
+      </p:pic>
+    </p:spTree>
+  </p:cSld>
+  <p:clrMapOvr>
+    <a:masterClrMapping/>
+  </p:clrMapOvr>
+</p:sld>
+</file>
+
+<file path=ppt/slides/slide9.xml><?xml version="1.0" encoding="utf-8"?>
+<p:sld xmlns:a="http://schemas.openxmlformats.org/drawingml/2006/main" xmlns:r="http://schemas.openxmlformats.org/officeDocument/2006/relationships" xmlns:p="http://schemas.openxmlformats.org/presentationml/2006/main">
+  <p:cSld name="Slide 9">
+    <p:bg>
+      <p:bgPr>
+        <a:solidFill>
+          <a:srgbClr val="1A1A2E"/>
+        </a:solidFill>
+      </p:bgPr>
+    </p:bg>
+    <p:spTree>
+      <p:nvGrpSpPr>
+        <p:cNvPr id="1" name=""/>
+        <p:cNvGrpSpPr/>
+        <p:nvPr/>
+      </p:nvGrpSpPr>
+      <p:grpSpPr>
+        <a:xfrm>
+          <a:off x="0" y="0"/>
+          <a:ext cx="0" cy="0"/>
+          <a:chOff x="0" y="0"/>
+          <a:chExt cx="0" cy="0"/>
+        </a:xfrm>
+      </p:grpSpPr>
+      <p:sp>
+        <p:nvSpPr>
+          <p:cNvPr id="2" name="Shape 0"/>
+          <p:cNvSpPr/>
+          <p:nvPr/>
+        </p:nvSpPr>
+        <p:spPr>
+          <a:xfrm>
+            <a:off x="0" y="0"/>
+            <a:ext cx="9144000" cy="822960"/>
+          </a:xfrm>
+          <a:prstGeom prst="rect">
+            <a:avLst/>
+          </a:prstGeom>
+          <a:solidFill>
+            <a:srgbClr val="0F172A"/>
+          </a:solidFill>
+          <a:ln/>
+        </p:spPr>
+      </p:sp>
+      <p:sp>
+        <p:nvSpPr>
+          <p:cNvPr id="3" name="Text 1"/>
+          <p:cNvSpPr/>
+          <p:nvPr/>
+        </p:nvSpPr>
+        <p:spPr>
+          <a:xfrm>
+            <a:off x="457200" y="228600"/>
+            <a:ext cx="8229600" cy="457200"/>
           </a:xfrm>
           <a:prstGeom prst="rect">
             <a:avLst/>
@@ -5457,6 +6507,168 @@
         </p:spPr>
         <p:txBody>
           <a:bodyPr wrap="square" rtlCol="0" anchor="ctr"/>
+          <a:lstStyle/>
+          <a:p>
+            <a:pPr indent="0" marL="0">
+              <a:buNone/>
+            </a:pPr>
+            <a:r>
+              <a:rPr lang="en-US" sz="2000" b="1" dirty="0">
+                <a:solidFill>
+                  <a:srgbClr val="FFFFFF"/>
+                </a:solidFill>
+                <a:latin typeface="Arial" pitchFamily="34" charset="0"/>
+                <a:ea typeface="Arial" pitchFamily="34" charset="-122"/>
+                <a:cs typeface="Arial" pitchFamily="34" charset="-120"/>
+              </a:rPr>
+              <a:t>📝 Atividade Prática</a:t>
+            </a:r>
+            <a:endParaRPr lang="en-US" sz="2000" dirty="0"/>
+          </a:p>
+        </p:txBody>
+      </p:sp>
+      <p:sp>
+        <p:nvSpPr>
+          <p:cNvPr id="4" name="Shape 2"/>
+          <p:cNvSpPr/>
+          <p:nvPr/>
+        </p:nvSpPr>
+        <p:spPr>
+          <a:xfrm>
+            <a:off x="457200" y="1005840"/>
+            <a:ext cx="8229600" cy="2560320"/>
+          </a:xfrm>
+          <a:prstGeom prst="roundRect">
+            <a:avLst/>
+          </a:prstGeom>
+          <a:solidFill>
+            <a:srgbClr val="2A2A4A"/>
+          </a:solidFill>
+          <a:ln w="38100">
+            <a:solidFill>
+              <a:srgbClr val="22C55E"/>
+            </a:solidFill>
+            <a:prstDash val="solid"/>
+          </a:ln>
+        </p:spPr>
+      </p:sp>
+      <p:sp>
+        <p:nvSpPr>
+          <p:cNvPr id="5" name="Shape 3"/>
+          <p:cNvSpPr/>
+          <p:nvPr/>
+        </p:nvSpPr>
+        <p:spPr>
+          <a:xfrm>
+            <a:off x="731520" y="1280160"/>
+            <a:ext cx="731520" cy="731520"/>
+          </a:xfrm>
+          <a:prstGeom prst="ellipse">
+            <a:avLst/>
+          </a:prstGeom>
+          <a:solidFill>
+            <a:srgbClr val="22C55E"/>
+          </a:solidFill>
+          <a:ln/>
+        </p:spPr>
+      </p:sp>
+      <p:sp>
+        <p:nvSpPr>
+          <p:cNvPr id="6" name="Text 4"/>
+          <p:cNvSpPr/>
+          <p:nvPr/>
+        </p:nvSpPr>
+        <p:spPr>
+          <a:xfrm>
+            <a:off x="731520" y="1371600"/>
+            <a:ext cx="731520" cy="548640"/>
+          </a:xfrm>
+          <a:prstGeom prst="rect">
+            <a:avLst/>
+          </a:prstGeom>
+          <a:noFill/>
+          <a:ln/>
+        </p:spPr>
+        <p:txBody>
+          <a:bodyPr wrap="square" rtlCol="0" anchor="ctr"/>
+          <a:lstStyle/>
+          <a:p>
+            <a:pPr algn="ctr" indent="0" marL="0">
+              <a:buNone/>
+            </a:pPr>
+            <a:r>
+              <a:rPr lang="en-US" sz="2800" b="1" dirty="0">
+                <a:solidFill>
+                  <a:srgbClr val="FFFFFF"/>
+                </a:solidFill>
+                <a:latin typeface="Arial" pitchFamily="34" charset="0"/>
+                <a:ea typeface="Arial" pitchFamily="34" charset="-122"/>
+                <a:cs typeface="Arial" pitchFamily="34" charset="-120"/>
+              </a:rPr>
+              <a:t>!</a:t>
+            </a:r>
+            <a:endParaRPr lang="en-US" sz="2800" dirty="0"/>
+          </a:p>
+        </p:txBody>
+      </p:sp>
+      <p:sp>
+        <p:nvSpPr>
+          <p:cNvPr id="7" name="Text 5"/>
+          <p:cNvSpPr/>
+          <p:nvPr/>
+        </p:nvSpPr>
+        <p:spPr>
+          <a:xfrm>
+            <a:off x="1645920" y="1280160"/>
+            <a:ext cx="6858000" cy="457200"/>
+          </a:xfrm>
+          <a:prstGeom prst="rect">
+            <a:avLst/>
+          </a:prstGeom>
+          <a:noFill/>
+          <a:ln/>
+        </p:spPr>
+        <p:txBody>
+          <a:bodyPr wrap="square" rtlCol="0" anchor="ctr"/>
+          <a:lstStyle/>
+          <a:p>
+            <a:pPr indent="0" marL="0">
+              <a:buNone/>
+            </a:pPr>
+            <a:r>
+              <a:rPr lang="en-US" sz="1600" b="1" dirty="0">
+                <a:solidFill>
+                  <a:srgbClr val="22C55E"/>
+                </a:solidFill>
+                <a:latin typeface="Arial" pitchFamily="34" charset="0"/>
+                <a:ea typeface="Arial" pitchFamily="34" charset="-122"/>
+                <a:cs typeface="Arial" pitchFamily="34" charset="-120"/>
+              </a:rPr>
+              <a:t>Sua Missão:</a:t>
+            </a:r>
+            <a:endParaRPr lang="en-US" sz="1600" dirty="0"/>
+          </a:p>
+        </p:txBody>
+      </p:sp>
+      <p:sp>
+        <p:nvSpPr>
+          <p:cNvPr id="8" name="Text 6"/>
+          <p:cNvSpPr/>
+          <p:nvPr/>
+        </p:nvSpPr>
+        <p:spPr>
+          <a:xfrm>
+            <a:off x="1645920" y="1737360"/>
+            <a:ext cx="6766560" cy="1645920"/>
+          </a:xfrm>
+          <a:prstGeom prst="rect">
+            <a:avLst/>
+          </a:prstGeom>
+          <a:noFill/>
+          <a:ln/>
+        </p:spPr>
+        <p:txBody>
+          <a:bodyPr wrap="square" rtlCol="0" anchor="t"/>
           <a:lstStyle/>
           <a:p>
             <a:pPr indent="0" marL="0">
@@ -5471,7 +6683,7 @@
                 <a:ea typeface="Arial" pitchFamily="34" charset="-122"/>
                 <a:cs typeface="Arial" pitchFamily="34" charset="-120"/>
               </a:rPr>
-              <a:t>✅ Hiperfoco = concentração profunda e intencional</a:t>
+              <a:t>&gt; **Complete esta atividade antes de prosseguir!**</a:t>
             </a:r>
             <a:endParaRPr lang="en-US" sz="1400" dirty="0"/>
           </a:p>
@@ -5479,14 +6691,39 @@
       </p:sp>
       <p:sp>
         <p:nvSpPr>
-          <p:cNvPr id="6" name="Text 3"/>
-          <p:cNvSpPr/>
-          <p:nvPr/>
-        </p:nvSpPr>
-        <p:spPr>
-          <a:xfrm>
-            <a:off x="731520" y="2103120"/>
-            <a:ext cx="7772400" cy="457200"/>
+          <p:cNvPr id="9" name="Shape 7"/>
+          <p:cNvSpPr/>
+          <p:nvPr/>
+        </p:nvSpPr>
+        <p:spPr>
+          <a:xfrm>
+            <a:off x="457200" y="3749040"/>
+            <a:ext cx="8229600" cy="640080"/>
+          </a:xfrm>
+          <a:prstGeom prst="roundRect">
+            <a:avLst/>
+          </a:prstGeom>
+          <a:solidFill>
+            <a:srgbClr val="1E3A5F"/>
+          </a:solidFill>
+          <a:ln w="12700">
+            <a:solidFill>
+              <a:srgbClr val="667EEA"/>
+            </a:solidFill>
+            <a:prstDash val="solid"/>
+          </a:ln>
+        </p:spPr>
+      </p:sp>
+      <p:sp>
+        <p:nvSpPr>
+          <p:cNvPr id="10" name="Text 8"/>
+          <p:cNvSpPr/>
+          <p:nvPr/>
+        </p:nvSpPr>
+        <p:spPr>
+          <a:xfrm>
+            <a:off x="457200" y="3886200"/>
+            <a:ext cx="8229600" cy="365760"/>
           </a:xfrm>
           <a:prstGeom prst="rect">
             <a:avLst/>
@@ -5498,11 +6735,11 @@
           <a:bodyPr wrap="square" rtlCol="0" anchor="ctr"/>
           <a:lstStyle/>
           <a:p>
-            <a:pPr indent="0" marL="0">
+            <a:pPr algn="ctr" indent="0" marL="0">
               <a:buNone/>
             </a:pPr>
             <a:r>
-              <a:rPr lang="en-US" sz="1400" dirty="0">
+              <a:rPr lang="en-US" sz="1300" dirty="0">
                 <a:solidFill>
                   <a:srgbClr val="FFFFFF"/>
                 </a:solidFill>
@@ -5510,188 +6747,36 @@
                 <a:ea typeface="Arial" pitchFamily="34" charset="-122"/>
                 <a:cs typeface="Arial" pitchFamily="34" charset="-120"/>
               </a:rPr>
-              <a:t>✅ Resultado = Tempo × Intensidade × Estratégia</a:t>
-            </a:r>
-            <a:endParaRPr lang="en-US" sz="1400" dirty="0"/>
-          </a:p>
-        </p:txBody>
-      </p:sp>
-      <p:sp>
-        <p:nvSpPr>
-          <p:cNvPr id="7" name="Text 4"/>
-          <p:cNvSpPr/>
-          <p:nvPr/>
-        </p:nvSpPr>
-        <p:spPr>
-          <a:xfrm>
-            <a:off x="731520" y="2651760"/>
-            <a:ext cx="7772400" cy="457200"/>
-          </a:xfrm>
-          <a:prstGeom prst="rect">
-            <a:avLst/>
-          </a:prstGeom>
-          <a:noFill/>
-          <a:ln/>
-        </p:spPr>
-        <p:txBody>
-          <a:bodyPr wrap="square" rtlCol="0" anchor="ctr"/>
-          <a:lstStyle/>
-          <a:p>
-            <a:pPr indent="0" marL="0">
-              <a:buNone/>
-            </a:pPr>
-            <a:r>
-              <a:rPr lang="en-US" sz="1400" dirty="0">
-                <a:solidFill>
-                  <a:srgbClr val="FFFFFF"/>
-                </a:solidFill>
-                <a:latin typeface="Arial" pitchFamily="34" charset="0"/>
-                <a:ea typeface="Arial" pitchFamily="34" charset="-122"/>
-                <a:cs typeface="Arial" pitchFamily="34" charset="-120"/>
-              </a:rPr>
-              <a:t>✅ O cérebro opera em modo focado e modo difuso</a:t>
-            </a:r>
-            <a:endParaRPr lang="en-US" sz="1400" dirty="0"/>
-          </a:p>
-        </p:txBody>
-      </p:sp>
-      <p:sp>
-        <p:nvSpPr>
-          <p:cNvPr id="8" name="Text 5"/>
-          <p:cNvSpPr/>
-          <p:nvPr/>
-        </p:nvSpPr>
-        <p:spPr>
-          <a:xfrm>
-            <a:off x="731520" y="3200400"/>
-            <a:ext cx="7772400" cy="457200"/>
-          </a:xfrm>
-          <a:prstGeom prst="rect">
-            <a:avLst/>
-          </a:prstGeom>
-          <a:noFill/>
-          <a:ln/>
-        </p:spPr>
-        <p:txBody>
-          <a:bodyPr wrap="square" rtlCol="0" anchor="ctr"/>
-          <a:lstStyle/>
-          <a:p>
-            <a:pPr indent="0" marL="0">
-              <a:buNone/>
-            </a:pPr>
-            <a:r>
-              <a:rPr lang="en-US" sz="1400" dirty="0">
-                <a:solidFill>
-                  <a:srgbClr val="FFFFFF"/>
-                </a:solidFill>
-                <a:latin typeface="Arial" pitchFamily="34" charset="0"/>
-                <a:ea typeface="Arial" pitchFamily="34" charset="-122"/>
-                <a:cs typeface="Arial" pitchFamily="34" charset="-120"/>
-              </a:rPr>
-              <a:t>✅ Ambos os modos são essenciais para aprender</a:t>
-            </a:r>
-            <a:endParaRPr lang="en-US" sz="1400" dirty="0"/>
-          </a:p>
-        </p:txBody>
-      </p:sp>
-      <p:sp>
-        <p:nvSpPr>
-          <p:cNvPr id="9" name="Text 6"/>
-          <p:cNvSpPr/>
-          <p:nvPr/>
-        </p:nvSpPr>
-        <p:spPr>
-          <a:xfrm>
-            <a:off x="731520" y="3749040"/>
-            <a:ext cx="7772400" cy="457200"/>
-          </a:xfrm>
-          <a:prstGeom prst="rect">
-            <a:avLst/>
-          </a:prstGeom>
-          <a:noFill/>
-          <a:ln/>
-        </p:spPr>
-        <p:txBody>
-          <a:bodyPr wrap="square" rtlCol="0" anchor="ctr"/>
-          <a:lstStyle/>
-          <a:p>
-            <a:pPr indent="0" marL="0">
-              <a:buNone/>
-            </a:pPr>
-            <a:r>
-              <a:rPr lang="en-US" sz="1400" dirty="0">
-                <a:solidFill>
-                  <a:srgbClr val="FFFFFF"/>
-                </a:solidFill>
-                <a:latin typeface="Arial" pitchFamily="34" charset="0"/>
-                <a:ea typeface="Arial" pitchFamily="34" charset="-122"/>
-                <a:cs typeface="Arial" pitchFamily="34" charset="-120"/>
-              </a:rPr>
-              <a:t>✅ Dominar o hiperfoco traz retenção, eficiência e bem-estar</a:t>
-            </a:r>
-            <a:endParaRPr lang="en-US" sz="1400" dirty="0"/>
-          </a:p>
-        </p:txBody>
-      </p:sp>
-      <p:sp>
-        <p:nvSpPr>
-          <p:cNvPr id="10" name="Shape 7"/>
-          <p:cNvSpPr/>
-          <p:nvPr/>
-        </p:nvSpPr>
-        <p:spPr>
-          <a:xfrm>
-            <a:off x="457200" y="4297680"/>
-            <a:ext cx="8229600" cy="731520"/>
-          </a:xfrm>
-          <a:prstGeom prst="rect">
-            <a:avLst/>
-          </a:prstGeom>
-          <a:solidFill>
-            <a:srgbClr val="FFFFFF"/>
-          </a:solidFill>
-          <a:ln/>
-        </p:spPr>
-      </p:sp>
-      <p:sp>
-        <p:nvSpPr>
-          <p:cNvPr id="11" name="Text 8"/>
-          <p:cNvSpPr/>
-          <p:nvPr/>
-        </p:nvSpPr>
-        <p:spPr>
-          <a:xfrm>
-            <a:off x="640080" y="4434840"/>
-            <a:ext cx="7863840" cy="457200"/>
-          </a:xfrm>
-          <a:prstGeom prst="rect">
-            <a:avLst/>
-          </a:prstGeom>
-          <a:noFill/>
-          <a:ln/>
-        </p:spPr>
-        <p:txBody>
-          <a:bodyPr wrap="square" rtlCol="0" anchor="ctr"/>
-          <a:lstStyle/>
-          <a:p>
-            <a:pPr algn="ctr" indent="0" marL="0">
-              <a:buNone/>
-            </a:pPr>
-            <a:r>
-              <a:rPr lang="en-US" sz="1200" i="1" dirty="0">
-                <a:solidFill>
-                  <a:srgbClr val="FFFFFF"/>
-                </a:solidFill>
-                <a:latin typeface="Arial" pitchFamily="34" charset="0"/>
-                <a:ea typeface="Arial" pitchFamily="34" charset="-122"/>
-                <a:cs typeface="Arial" pitchFamily="34" charset="-120"/>
-              </a:rPr>
-              <a:t>"O hiperfoco não é um dom. É uma habilidade que pode ser desenvolvida."</a:t>
-            </a:r>
-            <a:endParaRPr lang="en-US" sz="1200" dirty="0"/>
-          </a:p>
-        </p:txBody>
-      </p:sp>
+              <a:t>📤 Envie na área de atividades do Moodle</a:t>
+            </a:r>
+            <a:endParaRPr lang="en-US" sz="1300" dirty="0"/>
+          </a:p>
+        </p:txBody>
+      </p:sp>
+      <p:pic>
+        <p:nvPicPr>
+          <p:cNvPr id="12" name="Image 0" descr="preencoded.png">    </p:cNvPr>
+          <p:cNvPicPr>
+            <a:picLocks noChangeAspect="1"/>
+          </p:cNvPicPr>
+          <p:nvPr/>
+        </p:nvPicPr>
+        <p:blipFill>
+          <a:blip r:embed="rId1"/>
+          <a:stretch>
+            <a:fillRect/>
+          </a:stretch>
+        </p:blipFill>
+        <p:spPr>
+          <a:xfrm>
+            <a:off x="7498080" y="4389120"/>
+            <a:ext cx="1371600" cy="548640"/>
+          </a:xfrm>
+          <a:prstGeom prst="rect">
+            <a:avLst/>
+          </a:prstGeom>
+        </p:spPr>
+      </p:pic>
     </p:spTree>
   </p:cSld>
   <p:clrMapOvr>
